--- a/ClassMaterials/IntroToUnitTesting/Slides/Part1-DP-Review.pptx
+++ b/ClassMaterials/IntroToUnitTesting/Slides/Part1-DP-Review.pptx
@@ -5,10 +5,10 @@
     <p:sldMasterId id="2147483927" r:id="rId1"/>
   </p:sldMasterIdLst>
   <p:notesMasterIdLst>
-    <p:notesMasterId r:id="rId7"/>
+    <p:notesMasterId r:id="rId9"/>
   </p:notesMasterIdLst>
   <p:handoutMasterIdLst>
-    <p:handoutMasterId r:id="rId8"/>
+    <p:handoutMasterId r:id="rId10"/>
   </p:handoutMasterIdLst>
   <p:sldIdLst>
     <p:sldId id="256" r:id="rId2"/>
@@ -16,6 +16,8 @@
     <p:sldId id="305" r:id="rId4"/>
     <p:sldId id="306" r:id="rId5"/>
     <p:sldId id="293" r:id="rId6"/>
+    <p:sldId id="313" r:id="rId7"/>
+    <p:sldId id="314" r:id="rId8"/>
   </p:sldIdLst>
   <p:sldSz cx="9144000" cy="6858000" type="screen4x3"/>
   <p:notesSz cx="7010400" cy="9296400"/>
@@ -280,7 +282,7 @@
               <a:pPr>
                 <a:defRPr/>
               </a:pPr>
-              <a:t>11/22/2022</a:t>
+              <a:t>1/5/2023</a:t>
             </a:fld>
             <a:endParaRPr lang="en-US" dirty="0"/>
           </a:p>
@@ -515,7 +517,7 @@
               <a:pPr>
                 <a:defRPr/>
               </a:pPr>
-              <a:t>11/22/2022</a:t>
+              <a:t>1/5/2023</a:t>
             </a:fld>
             <a:endParaRPr lang="en-US" dirty="0"/>
           </a:p>
@@ -1243,7 +1245,7 @@
               <a:pPr>
                 <a:defRPr/>
               </a:pPr>
-              <a:t>Tuesday, November 22, 2022</a:t>
+              <a:t>Thursday, January 5, 2023</a:t>
             </a:fld>
             <a:endParaRPr lang="en-US" dirty="0"/>
           </a:p>
@@ -1426,7 +1428,7 @@
               <a:pPr>
                 <a:defRPr/>
               </a:pPr>
-              <a:t>Tuesday, November 22, 2022</a:t>
+              <a:t>Thursday, January 5, 2023</a:t>
             </a:fld>
             <a:endParaRPr lang="en-US" dirty="0"/>
           </a:p>
@@ -1619,7 +1621,7 @@
               <a:pPr>
                 <a:defRPr/>
               </a:pPr>
-              <a:t>Tuesday, November 22, 2022</a:t>
+              <a:t>Thursday, January 5, 2023</a:t>
             </a:fld>
             <a:endParaRPr lang="en-US" dirty="0"/>
           </a:p>
@@ -1802,7 +1804,7 @@
               <a:pPr>
                 <a:defRPr/>
               </a:pPr>
-              <a:t>Tuesday, November 22, 2022</a:t>
+              <a:t>Thursday, January 5, 2023</a:t>
             </a:fld>
             <a:endParaRPr lang="en-US" dirty="0"/>
           </a:p>
@@ -2062,7 +2064,7 @@
               <a:pPr>
                 <a:defRPr/>
               </a:pPr>
-              <a:t>Tuesday, November 22, 2022</a:t>
+              <a:t>Thursday, January 5, 2023</a:t>
             </a:fld>
             <a:endParaRPr lang="en-US" dirty="0"/>
           </a:p>
@@ -2362,7 +2364,7 @@
               <a:pPr>
                 <a:defRPr/>
               </a:pPr>
-              <a:t>Tuesday, November 22, 2022</a:t>
+              <a:t>Thursday, January 5, 2023</a:t>
             </a:fld>
             <a:endParaRPr lang="en-US" dirty="0"/>
           </a:p>
@@ -2796,7 +2798,7 @@
               <a:pPr>
                 <a:defRPr/>
               </a:pPr>
-              <a:t>Tuesday, November 22, 2022</a:t>
+              <a:t>Thursday, January 5, 2023</a:t>
             </a:fld>
             <a:endParaRPr lang="en-US" dirty="0"/>
           </a:p>
@@ -2928,7 +2930,7 @@
               <a:pPr>
                 <a:defRPr/>
               </a:pPr>
-              <a:t>Tuesday, November 22, 2022</a:t>
+              <a:t>Thursday, January 5, 2023</a:t>
             </a:fld>
             <a:endParaRPr lang="en-US" dirty="0"/>
           </a:p>
@@ -3038,7 +3040,7 @@
               <a:pPr>
                 <a:defRPr/>
               </a:pPr>
-              <a:t>Tuesday, November 22, 2022</a:t>
+              <a:t>Thursday, January 5, 2023</a:t>
             </a:fld>
             <a:endParaRPr lang="en-US" dirty="0"/>
           </a:p>
@@ -3328,7 +3330,7 @@
               <a:pPr>
                 <a:defRPr/>
               </a:pPr>
-              <a:t>Tuesday, November 22, 2022</a:t>
+              <a:t>Thursday, January 5, 2023</a:t>
             </a:fld>
             <a:endParaRPr lang="en-US" dirty="0"/>
           </a:p>
@@ -3595,7 +3597,7 @@
               <a:pPr>
                 <a:defRPr/>
               </a:pPr>
-              <a:t>Tuesday, November 22, 2022</a:t>
+              <a:t>Thursday, January 5, 2023</a:t>
             </a:fld>
             <a:endParaRPr lang="en-US" dirty="0"/>
           </a:p>
@@ -3821,7 +3823,7 @@
               <a:pPr>
                 <a:defRPr/>
               </a:pPr>
-              <a:t>Tuesday, November 22, 2022</a:t>
+              <a:t>Thursday, January 5, 2023</a:t>
             </a:fld>
             <a:endParaRPr lang="en-US" dirty="0"/>
           </a:p>
@@ -4916,6 +4918,656 @@
     <p:extLst>
       <p:ext uri="{BB962C8B-B14F-4D97-AF65-F5344CB8AC3E}">
         <p14:creationId xmlns:p14="http://schemas.microsoft.com/office/powerpoint/2010/main" val="517551583"/>
+      </p:ext>
+    </p:extLst>
+  </p:cSld>
+  <p:clrMapOvr>
+    <a:masterClrMapping/>
+  </p:clrMapOvr>
+</p:sld>
+</file>
+
+<file path=ppt/slides/slide6.xml><?xml version="1.0" encoding="utf-8"?>
+<p:sld xmlns:a="http://schemas.openxmlformats.org/drawingml/2006/main" xmlns:r="http://schemas.openxmlformats.org/officeDocument/2006/relationships" xmlns:p="http://schemas.openxmlformats.org/presentationml/2006/main">
+  <p:cSld>
+    <p:spTree>
+      <p:nvGrpSpPr>
+        <p:cNvPr id="1" name=""/>
+        <p:cNvGrpSpPr/>
+        <p:nvPr/>
+      </p:nvGrpSpPr>
+      <p:grpSpPr>
+        <a:xfrm>
+          <a:off x="0" y="0"/>
+          <a:ext cx="0" cy="0"/>
+          <a:chOff x="0" y="0"/>
+          <a:chExt cx="0" cy="0"/>
+        </a:xfrm>
+      </p:grpSpPr>
+      <p:sp>
+        <p:nvSpPr>
+          <p:cNvPr id="2" name="Title 1"/>
+          <p:cNvSpPr>
+            <a:spLocks noGrp="1"/>
+          </p:cNvSpPr>
+          <p:nvPr>
+            <p:ph type="title"/>
+          </p:nvPr>
+        </p:nvSpPr>
+        <p:spPr>
+          <a:xfrm>
+            <a:off x="628650" y="365127"/>
+            <a:ext cx="7886700" cy="922498"/>
+          </a:xfrm>
+        </p:spPr>
+        <p:txBody>
+          <a:bodyPr>
+            <a:normAutofit/>
+          </a:bodyPr>
+          <a:lstStyle/>
+          <a:p>
+            <a:r>
+              <a:rPr lang="en-US" dirty="0"/>
+              <a:t>Questions about DPs thus far?</a:t>
+            </a:r>
+          </a:p>
+        </p:txBody>
+      </p:sp>
+      <p:sp>
+        <p:nvSpPr>
+          <p:cNvPr id="3" name="Content Placeholder 2"/>
+          <p:cNvSpPr>
+            <a:spLocks noGrp="1"/>
+          </p:cNvSpPr>
+          <p:nvPr>
+            <p:ph idx="1"/>
+          </p:nvPr>
+        </p:nvSpPr>
+        <p:spPr>
+          <a:xfrm>
+            <a:off x="335901" y="1287625"/>
+            <a:ext cx="8546841" cy="5570375"/>
+          </a:xfrm>
+        </p:spPr>
+        <p:txBody>
+          <a:bodyPr>
+            <a:normAutofit fontScale="62500" lnSpcReduction="20000"/>
+          </a:bodyPr>
+          <a:lstStyle/>
+          <a:p>
+            <a:pPr marL="457200" indent="-457200" fontAlgn="base">
+              <a:buFont typeface="+mj-lt"/>
+              <a:buAutoNum type="arabicPeriod"/>
+            </a:pPr>
+            <a:r>
+              <a:rPr lang="en-US" sz="2400" dirty="0">
+                <a:highlight>
+                  <a:srgbClr val="FFFF00"/>
+                </a:highlight>
+              </a:rPr>
+              <a:t>Make sure your design </a:t>
+            </a:r>
+            <a:r>
+              <a:rPr lang="en-US" sz="2400" b="1" dirty="0">
+                <a:highlight>
+                  <a:srgbClr val="FFFF00"/>
+                </a:highlight>
+              </a:rPr>
+              <a:t>allows proper functionality</a:t>
+            </a:r>
+            <a:endParaRPr lang="en-US" sz="2400" dirty="0">
+              <a:highlight>
+                <a:srgbClr val="FFFF00"/>
+              </a:highlight>
+            </a:endParaRPr>
+          </a:p>
+          <a:p>
+            <a:pPr marL="685800" lvl="1" indent="-342900" fontAlgn="base">
+              <a:buFont typeface="+mj-lt"/>
+              <a:buAutoNum type="alphaLcParenR"/>
+            </a:pPr>
+            <a:r>
+              <a:rPr lang="en-US" dirty="0">
+                <a:highlight>
+                  <a:srgbClr val="FFFF00"/>
+                </a:highlight>
+              </a:rPr>
+              <a:t>Must be able to </a:t>
+            </a:r>
+            <a:r>
+              <a:rPr lang="en-US" b="1" dirty="0">
+                <a:highlight>
+                  <a:srgbClr val="FFFF00"/>
+                </a:highlight>
+              </a:rPr>
+              <a:t>store required information</a:t>
+            </a:r>
+            <a:r>
+              <a:rPr lang="en-US" dirty="0">
+                <a:highlight>
+                  <a:srgbClr val="FFFF00"/>
+                </a:highlight>
+              </a:rPr>
+              <a:t> (one/many to one/many relationships)</a:t>
+            </a:r>
+          </a:p>
+          <a:p>
+            <a:pPr marL="685800" lvl="1" indent="-342900" fontAlgn="base">
+              <a:buFont typeface="+mj-lt"/>
+              <a:buAutoNum type="alphaLcParenR"/>
+            </a:pPr>
+            <a:r>
+              <a:rPr lang="en-US" dirty="0">
+                <a:highlight>
+                  <a:srgbClr val="FFFF00"/>
+                </a:highlight>
+              </a:rPr>
+              <a:t>Must be able to </a:t>
+            </a:r>
+            <a:r>
+              <a:rPr lang="en-US" b="1" dirty="0">
+                <a:highlight>
+                  <a:srgbClr val="FFFF00"/>
+                </a:highlight>
+              </a:rPr>
+              <a:t>access the required information</a:t>
+            </a:r>
+            <a:r>
+              <a:rPr lang="en-US" dirty="0">
+                <a:highlight>
+                  <a:srgbClr val="FFFF00"/>
+                </a:highlight>
+              </a:rPr>
+              <a:t> to accomplish tasks</a:t>
+            </a:r>
+          </a:p>
+          <a:p>
+            <a:pPr marL="685800" lvl="1" indent="-342900" fontAlgn="base">
+              <a:buFont typeface="+mj-lt"/>
+              <a:buAutoNum type="alphaLcParenR"/>
+            </a:pPr>
+            <a:r>
+              <a:rPr lang="en-US" dirty="0">
+                <a:highlight>
+                  <a:srgbClr val="FFFF00"/>
+                </a:highlight>
+              </a:rPr>
+              <a:t>Data should </a:t>
+            </a:r>
+            <a:r>
+              <a:rPr lang="en-US" b="1" dirty="0">
+                <a:highlight>
+                  <a:srgbClr val="FFFF00"/>
+                </a:highlight>
+              </a:rPr>
+              <a:t>not be duplicated</a:t>
+            </a:r>
+            <a:r>
+              <a:rPr lang="en-US" dirty="0">
+                <a:highlight>
+                  <a:srgbClr val="FFFF00"/>
+                </a:highlight>
+              </a:rPr>
+              <a:t> (id/identifiers are OK!)</a:t>
+            </a:r>
+            <a:endParaRPr lang="en-US" sz="2400" dirty="0">
+              <a:highlight>
+                <a:srgbClr val="FFFF00"/>
+              </a:highlight>
+            </a:endParaRPr>
+          </a:p>
+          <a:p>
+            <a:pPr marL="457200" indent="-457200">
+              <a:buFont typeface="+mj-lt"/>
+              <a:buAutoNum type="arabicPeriod"/>
+            </a:pPr>
+            <a:r>
+              <a:rPr lang="en-US" sz="2400" dirty="0">
+                <a:highlight>
+                  <a:srgbClr val="FFFF00"/>
+                </a:highlight>
+              </a:rPr>
+              <a:t>Structure design </a:t>
+            </a:r>
+            <a:r>
+              <a:rPr lang="en-US" sz="2400" b="1" dirty="0">
+                <a:highlight>
+                  <a:srgbClr val="FFFF00"/>
+                </a:highlight>
+              </a:rPr>
+              <a:t>around the data</a:t>
+            </a:r>
+            <a:r>
+              <a:rPr lang="en-US" sz="2400" dirty="0">
+                <a:highlight>
+                  <a:srgbClr val="FFFF00"/>
+                </a:highlight>
+              </a:rPr>
+              <a:t> to be stored</a:t>
+            </a:r>
+          </a:p>
+          <a:p>
+            <a:pPr marL="685800" lvl="1" indent="-342900" fontAlgn="base">
+              <a:buFont typeface="+mj-lt"/>
+              <a:buAutoNum type="alphaLcParenR"/>
+            </a:pPr>
+            <a:r>
+              <a:rPr lang="en-US" b="1" dirty="0">
+                <a:highlight>
+                  <a:srgbClr val="FFFF00"/>
+                </a:highlight>
+              </a:rPr>
+              <a:t>Nouns should become classes</a:t>
+            </a:r>
+            <a:endParaRPr lang="en-US" dirty="0">
+              <a:highlight>
+                <a:srgbClr val="FFFF00"/>
+              </a:highlight>
+            </a:endParaRPr>
+          </a:p>
+          <a:p>
+            <a:pPr marL="685800" lvl="1" indent="-342900" fontAlgn="base">
+              <a:buFont typeface="+mj-lt"/>
+              <a:buAutoNum type="alphaLcParenR"/>
+            </a:pPr>
+            <a:r>
+              <a:rPr lang="en-US" b="1" dirty="0">
+                <a:highlight>
+                  <a:srgbClr val="FFFF00"/>
+                </a:highlight>
+              </a:rPr>
+              <a:t>Classes should have intelligent behaviors</a:t>
+            </a:r>
+            <a:r>
+              <a:rPr lang="en-US" dirty="0">
+                <a:highlight>
+                  <a:srgbClr val="FFFF00"/>
+                </a:highlight>
+              </a:rPr>
+              <a:t> (methods) </a:t>
+            </a:r>
+            <a:r>
+              <a:rPr lang="en-US" b="1" dirty="0">
+                <a:highlight>
+                  <a:srgbClr val="FFFF00"/>
+                </a:highlight>
+              </a:rPr>
+              <a:t>that may operate on their data</a:t>
+            </a:r>
+            <a:endParaRPr lang="en-US" dirty="0">
+              <a:highlight>
+                <a:srgbClr val="FFFF00"/>
+              </a:highlight>
+            </a:endParaRPr>
+          </a:p>
+          <a:p>
+            <a:pPr marL="457200" indent="-457200" fontAlgn="base">
+              <a:buFont typeface="+mj-lt"/>
+              <a:buAutoNum type="arabicPeriod"/>
+            </a:pPr>
+            <a:r>
+              <a:rPr lang="en-US" sz="2400" dirty="0">
+                <a:highlight>
+                  <a:srgbClr val="FFFF00"/>
+                </a:highlight>
+              </a:rPr>
+              <a:t>Functionality should be </a:t>
+            </a:r>
+            <a:r>
+              <a:rPr lang="en-US" sz="2400" b="1" dirty="0">
+                <a:highlight>
+                  <a:srgbClr val="FFFF00"/>
+                </a:highlight>
+              </a:rPr>
+              <a:t>distributed efficiently</a:t>
+            </a:r>
+            <a:endParaRPr lang="en-US" sz="2400" dirty="0">
+              <a:highlight>
+                <a:srgbClr val="FFFF00"/>
+              </a:highlight>
+            </a:endParaRPr>
+          </a:p>
+          <a:p>
+            <a:pPr marL="685800" lvl="1" indent="-342900" fontAlgn="base">
+              <a:buFont typeface="+mj-lt"/>
+              <a:buAutoNum type="alphaLcParenR"/>
+            </a:pPr>
+            <a:r>
+              <a:rPr lang="en-US" b="1" dirty="0">
+                <a:highlight>
+                  <a:srgbClr val="FFFF00"/>
+                </a:highlight>
+              </a:rPr>
+              <a:t>No class/part should get too large</a:t>
+            </a:r>
+          </a:p>
+          <a:p>
+            <a:pPr marL="685800" lvl="1" indent="-342900" fontAlgn="base">
+              <a:buFont typeface="+mj-lt"/>
+              <a:buAutoNum type="alphaLcParenR"/>
+            </a:pPr>
+            <a:r>
+              <a:rPr lang="en-US" b="1" dirty="0">
+                <a:highlight>
+                  <a:srgbClr val="FFFF00"/>
+                </a:highlight>
+              </a:rPr>
+              <a:t>Each class should have a single responsibility</a:t>
+            </a:r>
+            <a:r>
+              <a:rPr lang="en-US" dirty="0">
+                <a:highlight>
+                  <a:srgbClr val="FFFF00"/>
+                </a:highlight>
+              </a:rPr>
+              <a:t> it accomplishes</a:t>
+            </a:r>
+          </a:p>
+          <a:p>
+            <a:pPr marL="457200" indent="-457200" fontAlgn="base">
+              <a:buFont typeface="+mj-lt"/>
+              <a:buAutoNum type="arabicPeriod"/>
+            </a:pPr>
+            <a:r>
+              <a:rPr lang="en-US" sz="2400" b="1" dirty="0">
+                <a:highlight>
+                  <a:srgbClr val="FFFF00"/>
+                </a:highlight>
+              </a:rPr>
+              <a:t>Minimize dependencies</a:t>
+            </a:r>
+            <a:r>
+              <a:rPr lang="en-US" sz="2400" dirty="0">
+                <a:highlight>
+                  <a:srgbClr val="FFFF00"/>
+                </a:highlight>
+              </a:rPr>
+              <a:t> between objects when it does not disrupt usability or extendibility</a:t>
+            </a:r>
+          </a:p>
+          <a:p>
+            <a:pPr marL="685800" lvl="1" indent="-342900" fontAlgn="base">
+              <a:buFont typeface="+mj-lt"/>
+              <a:buAutoNum type="alphaLcParenR"/>
+            </a:pPr>
+            <a:r>
+              <a:rPr lang="en-US" dirty="0">
+                <a:highlight>
+                  <a:srgbClr val="FFFF00"/>
+                </a:highlight>
+              </a:rPr>
+              <a:t>Tell don't ask</a:t>
+            </a:r>
+          </a:p>
+          <a:p>
+            <a:pPr marL="685800" lvl="1" indent="-342900" fontAlgn="base">
+              <a:buFont typeface="+mj-lt"/>
+              <a:buAutoNum type="alphaLcParenR"/>
+            </a:pPr>
+            <a:r>
+              <a:rPr lang="en-US" dirty="0">
+                <a:highlight>
+                  <a:srgbClr val="FFFF00"/>
+                </a:highlight>
+              </a:rPr>
+              <a:t>Don't have message chains</a:t>
+            </a:r>
+          </a:p>
+          <a:p>
+            <a:pPr marL="457200" indent="-457200" fontAlgn="base">
+              <a:buFont typeface="+mj-lt"/>
+              <a:buAutoNum type="arabicPeriod"/>
+            </a:pPr>
+            <a:r>
+              <a:rPr lang="en-US" sz="2400" b="1" dirty="0">
+                <a:highlight>
+                  <a:srgbClr val="FFFF00"/>
+                </a:highlight>
+              </a:rPr>
+              <a:t>Don't duplicate</a:t>
+            </a:r>
+            <a:r>
+              <a:rPr lang="en-US" sz="2400" dirty="0">
+                <a:highlight>
+                  <a:srgbClr val="FFFF00"/>
+                </a:highlight>
+              </a:rPr>
+              <a:t> code</a:t>
+            </a:r>
+          </a:p>
+          <a:p>
+            <a:pPr marL="685800" lvl="1" indent="-342900" fontAlgn="base">
+              <a:buFont typeface="+mj-lt"/>
+              <a:buAutoNum type="alphaLcParenR"/>
+            </a:pPr>
+            <a:r>
+              <a:rPr lang="en-US" dirty="0">
+                <a:highlight>
+                  <a:srgbClr val="FFFF00"/>
+                </a:highlight>
+              </a:rPr>
+              <a:t>Similar "chunks" of code should be </a:t>
+            </a:r>
+            <a:r>
+              <a:rPr lang="en-US" b="1" dirty="0">
+                <a:highlight>
+                  <a:srgbClr val="FFFF00"/>
+                </a:highlight>
+              </a:rPr>
+              <a:t>unified into functions</a:t>
+            </a:r>
+            <a:endParaRPr lang="en-US" dirty="0">
+              <a:highlight>
+                <a:srgbClr val="FFFF00"/>
+              </a:highlight>
+            </a:endParaRPr>
+          </a:p>
+          <a:p>
+            <a:pPr marL="685800" lvl="1" indent="-342900" fontAlgn="base">
+              <a:buFont typeface="+mj-lt"/>
+              <a:buAutoNum type="alphaLcParenR"/>
+            </a:pPr>
+            <a:r>
+              <a:rPr lang="en-US" dirty="0"/>
+              <a:t>Classes with similar features should be given </a:t>
+            </a:r>
+            <a:r>
+              <a:rPr lang="en-US" b="1" dirty="0"/>
+              <a:t>common interfaces</a:t>
+            </a:r>
+            <a:endParaRPr lang="en-US" dirty="0"/>
+          </a:p>
+          <a:p>
+            <a:pPr marL="685800" lvl="1" indent="-342900">
+              <a:buFont typeface="+mj-lt"/>
+              <a:buAutoNum type="alphaLcParenR"/>
+            </a:pPr>
+            <a:r>
+              <a:rPr lang="en-US" dirty="0"/>
+              <a:t>Classes with similar internals should be simplified using </a:t>
+            </a:r>
+            <a:r>
+              <a:rPr lang="en-US" b="1" dirty="0"/>
+              <a:t>inheritance</a:t>
+            </a:r>
+            <a:endParaRPr lang="en-US" dirty="0"/>
+          </a:p>
+        </p:txBody>
+      </p:sp>
+    </p:spTree>
+    <p:extLst>
+      <p:ext uri="{BB962C8B-B14F-4D97-AF65-F5344CB8AC3E}">
+        <p14:creationId xmlns:p14="http://schemas.microsoft.com/office/powerpoint/2010/main" val="3813012996"/>
+      </p:ext>
+    </p:extLst>
+  </p:cSld>
+  <p:clrMapOvr>
+    <a:masterClrMapping/>
+  </p:clrMapOvr>
+</p:sld>
+</file>
+
+<file path=ppt/slides/slide7.xml><?xml version="1.0" encoding="utf-8"?>
+<p:sld xmlns:a="http://schemas.openxmlformats.org/drawingml/2006/main" xmlns:r="http://schemas.openxmlformats.org/officeDocument/2006/relationships" xmlns:p="http://schemas.openxmlformats.org/presentationml/2006/main">
+  <p:cSld>
+    <p:spTree>
+      <p:nvGrpSpPr>
+        <p:cNvPr id="1" name=""/>
+        <p:cNvGrpSpPr/>
+        <p:nvPr/>
+      </p:nvGrpSpPr>
+      <p:grpSpPr>
+        <a:xfrm>
+          <a:off x="0" y="0"/>
+          <a:ext cx="0" cy="0"/>
+          <a:chOff x="0" y="0"/>
+          <a:chExt cx="0" cy="0"/>
+        </a:xfrm>
+      </p:grpSpPr>
+      <p:sp>
+        <p:nvSpPr>
+          <p:cNvPr id="2" name="Title 1">
+            <a:extLst>
+              <a:ext uri="{FF2B5EF4-FFF2-40B4-BE49-F238E27FC236}">
+                <a16:creationId xmlns:a16="http://schemas.microsoft.com/office/drawing/2014/main" id="{86790ECD-8183-55EE-2AE4-41CF636EF5F6}"/>
+              </a:ext>
+            </a:extLst>
+          </p:cNvPr>
+          <p:cNvSpPr>
+            <a:spLocks noGrp="1"/>
+          </p:cNvSpPr>
+          <p:nvPr>
+            <p:ph type="title"/>
+          </p:nvPr>
+        </p:nvSpPr>
+        <p:spPr/>
+        <p:txBody>
+          <a:bodyPr/>
+          <a:lstStyle/>
+          <a:p>
+            <a:r>
+              <a:rPr lang="en-US" dirty="0"/>
+              <a:t>Example DPs for Practice!</a:t>
+            </a:r>
+          </a:p>
+        </p:txBody>
+      </p:sp>
+      <p:sp>
+        <p:nvSpPr>
+          <p:cNvPr id="3" name="Content Placeholder 2">
+            <a:extLst>
+              <a:ext uri="{FF2B5EF4-FFF2-40B4-BE49-F238E27FC236}">
+                <a16:creationId xmlns:a16="http://schemas.microsoft.com/office/drawing/2014/main" id="{3353406D-B5E3-38EB-E7A1-3B34C05703B3}"/>
+              </a:ext>
+            </a:extLst>
+          </p:cNvPr>
+          <p:cNvSpPr>
+            <a:spLocks noGrp="1"/>
+          </p:cNvSpPr>
+          <p:nvPr>
+            <p:ph idx="1"/>
+          </p:nvPr>
+        </p:nvSpPr>
+        <p:spPr>
+          <a:xfrm>
+            <a:off x="280219" y="1600200"/>
+            <a:ext cx="5114925" cy="2392363"/>
+          </a:xfrm>
+        </p:spPr>
+        <p:txBody>
+          <a:bodyPr/>
+          <a:lstStyle/>
+          <a:p>
+            <a:pPr marL="0" indent="0">
+              <a:buNone/>
+            </a:pPr>
+            <a:r>
+              <a:rPr lang="en-US" dirty="0">
+                <a:hlinkClick r:id="rId2"/>
+              </a:rPr>
+              <a:t>https://github.com/RHIT-CSSE/csse220/tree/master/Docs/ExampleDesignProblems</a:t>
+            </a:r>
+            <a:endParaRPr lang="en-US" dirty="0"/>
+          </a:p>
+          <a:p>
+            <a:endParaRPr lang="en-US" dirty="0"/>
+          </a:p>
+        </p:txBody>
+      </p:sp>
+      <p:pic>
+        <p:nvPicPr>
+          <p:cNvPr id="5" name="Picture 4">
+            <a:extLst>
+              <a:ext uri="{FF2B5EF4-FFF2-40B4-BE49-F238E27FC236}">
+                <a16:creationId xmlns:a16="http://schemas.microsoft.com/office/drawing/2014/main" id="{5A269C7A-E2B5-45A7-6F11-21D07C0EC00A}"/>
+              </a:ext>
+            </a:extLst>
+          </p:cNvPr>
+          <p:cNvPicPr>
+            <a:picLocks noChangeAspect="1"/>
+          </p:cNvPicPr>
+          <p:nvPr/>
+        </p:nvPicPr>
+        <p:blipFill>
+          <a:blip r:embed="rId3"/>
+          <a:stretch>
+            <a:fillRect/>
+          </a:stretch>
+        </p:blipFill>
+        <p:spPr>
+          <a:xfrm>
+            <a:off x="6005543" y="1417637"/>
+            <a:ext cx="3022593" cy="4771667"/>
+          </a:xfrm>
+          <a:prstGeom prst="rect">
+            <a:avLst/>
+          </a:prstGeom>
+          <a:ln>
+            <a:solidFill>
+              <a:schemeClr val="tx1"/>
+            </a:solidFill>
+          </a:ln>
+        </p:spPr>
+      </p:pic>
+      <p:pic>
+        <p:nvPicPr>
+          <p:cNvPr id="7" name="Picture 6">
+            <a:extLst>
+              <a:ext uri="{FF2B5EF4-FFF2-40B4-BE49-F238E27FC236}">
+                <a16:creationId xmlns:a16="http://schemas.microsoft.com/office/drawing/2014/main" id="{2E13484C-A117-05BB-2909-5FBE42364E7D}"/>
+              </a:ext>
+            </a:extLst>
+          </p:cNvPr>
+          <p:cNvPicPr>
+            <a:picLocks noChangeAspect="1"/>
+          </p:cNvPicPr>
+          <p:nvPr/>
+        </p:nvPicPr>
+        <p:blipFill>
+          <a:blip r:embed="rId4"/>
+          <a:stretch>
+            <a:fillRect/>
+          </a:stretch>
+        </p:blipFill>
+        <p:spPr>
+          <a:xfrm>
+            <a:off x="248264" y="3505200"/>
+            <a:ext cx="5387770" cy="2268063"/>
+          </a:xfrm>
+          <a:prstGeom prst="rect">
+            <a:avLst/>
+          </a:prstGeom>
+          <a:ln>
+            <a:solidFill>
+              <a:schemeClr val="tx1"/>
+            </a:solidFill>
+          </a:ln>
+        </p:spPr>
+      </p:pic>
+    </p:spTree>
+    <p:extLst>
+      <p:ext uri="{BB962C8B-B14F-4D97-AF65-F5344CB8AC3E}">
+        <p14:creationId xmlns:p14="http://schemas.microsoft.com/office/powerpoint/2010/main" val="837567995"/>
       </p:ext>
     </p:extLst>
   </p:cSld>

--- a/ClassMaterials/IntroToUnitTesting/Slides/Part1-DP-Review.pptx
+++ b/ClassMaterials/IntroToUnitTesting/Slides/Part1-DP-Review.pptx
@@ -282,7 +282,7 @@
               <a:pPr>
                 <a:defRPr/>
               </a:pPr>
-              <a:t>1/5/2023</a:t>
+              <a:t>3/27/2023</a:t>
             </a:fld>
             <a:endParaRPr lang="en-US" dirty="0"/>
           </a:p>
@@ -398,6 +398,91 @@
   </p:cSld>
   <p:clrMap bg1="lt1" tx1="dk1" bg2="lt2" tx2="dk2" accent1="accent1" accent2="accent2" accent3="accent3" accent4="accent4" accent5="accent5" accent6="accent6" hlink="hlink" folHlink="folHlink"/>
 </p:handoutMaster>
+</file>
+
+<file path=ppt/ink/ink1.xml><?xml version="1.0" encoding="utf-8"?>
+<inkml:ink xmlns:inkml="http://www.w3.org/2003/InkML">
+  <inkml:definitions>
+    <inkml:context xml:id="ctx0">
+      <inkml:inkSource xml:id="inkSrc0">
+        <inkml:traceFormat>
+          <inkml:channel name="X" type="integer" min="-2.14748E9" max="2.14748E9" units="cm"/>
+          <inkml:channel name="Y" type="integer" min="-2.14748E9" max="2.14748E9" units="cm"/>
+          <inkml:channel name="F" type="integer" max="32767" units="dev"/>
+        </inkml:traceFormat>
+        <inkml:channelProperties>
+          <inkml:channelProperty channel="X" name="resolution" value="1000" units="1/cm"/>
+          <inkml:channelProperty channel="Y" name="resolution" value="1000" units="1/cm"/>
+          <inkml:channelProperty channel="F" name="resolution" value="0" units="1/dev"/>
+        </inkml:channelProperties>
+      </inkml:inkSource>
+      <inkml:timestamp xml:id="ts0" timeString="2023-03-27T16:11:19.741"/>
+    </inkml:context>
+    <inkml:brush xml:id="br0">
+      <inkml:brushProperty name="width" value="0.05" units="cm"/>
+      <inkml:brushProperty name="height" value="0.05" units="cm"/>
+      <inkml:brushProperty name="color" value="#E71224"/>
+    </inkml:brush>
+  </inkml:definitions>
+  <inkml:trace contextRef="#ctx0" brushRef="#br0">1 0 24575,'182'16'0,"-19"-1"0,482-13 0,-310-4 0,-82 2-1365,-228 0-5461</inkml:trace>
+</inkml:ink>
+</file>
+
+<file path=ppt/ink/ink2.xml><?xml version="1.0" encoding="utf-8"?>
+<inkml:ink xmlns:inkml="http://www.w3.org/2003/InkML">
+  <inkml:definitions>
+    <inkml:context xml:id="ctx0">
+      <inkml:inkSource xml:id="inkSrc0">
+        <inkml:traceFormat>
+          <inkml:channel name="X" type="integer" min="-2.14748E9" max="2.14748E9" units="cm"/>
+          <inkml:channel name="Y" type="integer" min="-2.14748E9" max="2.14748E9" units="cm"/>
+          <inkml:channel name="F" type="integer" max="32767" units="dev"/>
+        </inkml:traceFormat>
+        <inkml:channelProperties>
+          <inkml:channelProperty channel="X" name="resolution" value="1000" units="1/cm"/>
+          <inkml:channelProperty channel="Y" name="resolution" value="1000" units="1/cm"/>
+          <inkml:channelProperty channel="F" name="resolution" value="0" units="1/dev"/>
+        </inkml:channelProperties>
+      </inkml:inkSource>
+      <inkml:timestamp xml:id="ts0" timeString="2023-03-27T16:11:25.393"/>
+    </inkml:context>
+    <inkml:brush xml:id="br0">
+      <inkml:brushProperty name="width" value="0.05" units="cm"/>
+      <inkml:brushProperty name="height" value="0.05" units="cm"/>
+      <inkml:brushProperty name="color" value="#E71224"/>
+    </inkml:brush>
+  </inkml:definitions>
+  <inkml:trace contextRef="#ctx0" brushRef="#br0">1 257 24575,'931'0'0,"-860"-3"0,72-13 0,-57 5 0,86-16 0,-172 27 0,0 0 0,0 0 0,0 0 0,0 0 0,0 0 0,1 0 0,-1 0 0,0 0 0,0 0 0,0 0 0,1 0 0,-1 0 0,0 0 0,0 0 0,0 0 0,0 0 0,1 0 0,-1 0 0,0 0 0,0 0 0,0 0 0,0 0 0,1 0 0,-1 0 0,0-1 0,0 1 0,0 0 0,0 0 0,0 0 0,1 0 0,-1 0 0,0 0 0,0 0 0,0-1 0,0 1 0,0 0 0,0 0 0,0 0 0,0 0 0,0-1 0,0 1 0,0 0 0,1 0 0,-1 0 0,0 0 0,0-1 0,0 1 0,0 0 0,0 0 0,0 0 0,0-1 0,-1 1 0,1 0 0,0 0 0,0 0 0,0 0 0,0-1 0,0 1 0,0 0 0,0 0 0,0 0 0,0 0 0,0 0 0,-1-1 0,-15-11 0,-27-11 0,20 13 0,3 2 0,-1-2 0,-27-16 0,44 23 0,0 1 0,0-1 0,1 0 0,-1 0 0,1 0 0,-1 0 0,1-1 0,0 1 0,1-1 0,-1 0 0,0 0 0,1 0 0,0 0 0,0 0 0,0-1 0,1 1 0,-3-9 0,4 12 0,0 0 0,0 0 0,0 0 0,0 0 0,-1 0 0,1 0 0,1 0 0,-1 0 0,0 0 0,0 0 0,0 0 0,0 0 0,1 0 0,-1 0 0,1 0 0,-1 0 0,0 0 0,1 0 0,0 0 0,-1 1 0,1-1 0,-1 0 0,1 0 0,0 0 0,0 1 0,-1-1 0,3-1 0,-1 2 0,0-1 0,0 0 0,0 1 0,1 0 0,-1-1 0,0 1 0,0 0 0,0 0 0,1 0 0,-1 0 0,0 0 0,3 1 0,6 2 0,-1 0 0,0 0 0,0 1 0,12 7 0,-9-5 0,-1 1 0,0 1 0,-1 0 0,0 0 0,0 1 0,-1 1 0,0 0 0,10 13 0,-16-18 0,-1 0 0,0 1 0,0 0 0,0 0 0,0 0 0,-1 0 0,0 0 0,0 0 0,-1 1 0,0-1 0,0 0 0,0 1 0,-1-1 0,0 1 0,0-1 0,-1 1 0,1-1 0,-2 1 0,-2 10 0,0-5 0,-1-1 0,0-1 0,0 1 0,-1-1 0,0 0 0,-15 17 0,-13 23 0,6 19-1365,20-51-5461</inkml:trace>
+</inkml:ink>
+</file>
+
+<file path=ppt/ink/ink3.xml><?xml version="1.0" encoding="utf-8"?>
+<inkml:ink xmlns:inkml="http://www.w3.org/2003/InkML">
+  <inkml:definitions>
+    <inkml:context xml:id="ctx0">
+      <inkml:inkSource xml:id="inkSrc0">
+        <inkml:traceFormat>
+          <inkml:channel name="X" type="integer" min="-2.14748E9" max="2.14748E9" units="cm"/>
+          <inkml:channel name="Y" type="integer" min="-2.14748E9" max="2.14748E9" units="cm"/>
+        </inkml:traceFormat>
+        <inkml:channelProperties>
+          <inkml:channelProperty channel="X" name="resolution" value="1000" units="1/cm"/>
+          <inkml:channelProperty channel="Y" name="resolution" value="1000" units="1/cm"/>
+        </inkml:channelProperties>
+      </inkml:inkSource>
+      <inkml:timestamp xml:id="ts0" timeString="2023-03-27T16:11:29.058"/>
+    </inkml:context>
+    <inkml:brush xml:id="br0">
+      <inkml:brushProperty name="width" value="0.3" units="cm"/>
+      <inkml:brushProperty name="height" value="0.6" units="cm"/>
+      <inkml:brushProperty name="color" value="#FFFC00"/>
+      <inkml:brushProperty name="tip" value="rectangle"/>
+      <inkml:brushProperty name="rasterOp" value="maskPen"/>
+      <inkml:brushProperty name="ignorePressure" value="1"/>
+    </inkml:brush>
+  </inkml:definitions>
+  <inkml:trace contextRef="#ctx0" brushRef="#br0">2946 0,'-1575'0,"1528"3,0 2,-76 17,-46 5,115-21,-77 20,34-5,13-6,-2-4,-119 2,-85-15,252 2</inkml:trace>
+</inkml:ink>
 </file>
 
 <file path=ppt/notesMasters/notesMaster1.xml><?xml version="1.0" encoding="utf-8"?>
@@ -517,7 +602,7 @@
               <a:pPr>
                 <a:defRPr/>
               </a:pPr>
-              <a:t>1/5/2023</a:t>
+              <a:t>3/27/2023</a:t>
             </a:fld>
             <a:endParaRPr lang="en-US" dirty="0"/>
           </a:p>
@@ -1245,7 +1330,7 @@
               <a:pPr>
                 <a:defRPr/>
               </a:pPr>
-              <a:t>Thursday, January 5, 2023</a:t>
+              <a:t>Monday, March 27, 2023</a:t>
             </a:fld>
             <a:endParaRPr lang="en-US" dirty="0"/>
           </a:p>
@@ -1428,7 +1513,7 @@
               <a:pPr>
                 <a:defRPr/>
               </a:pPr>
-              <a:t>Thursday, January 5, 2023</a:t>
+              <a:t>Monday, March 27, 2023</a:t>
             </a:fld>
             <a:endParaRPr lang="en-US" dirty="0"/>
           </a:p>
@@ -1621,7 +1706,7 @@
               <a:pPr>
                 <a:defRPr/>
               </a:pPr>
-              <a:t>Thursday, January 5, 2023</a:t>
+              <a:t>Monday, March 27, 2023</a:t>
             </a:fld>
             <a:endParaRPr lang="en-US" dirty="0"/>
           </a:p>
@@ -1804,7 +1889,7 @@
               <a:pPr>
                 <a:defRPr/>
               </a:pPr>
-              <a:t>Thursday, January 5, 2023</a:t>
+              <a:t>Monday, March 27, 2023</a:t>
             </a:fld>
             <a:endParaRPr lang="en-US" dirty="0"/>
           </a:p>
@@ -2064,7 +2149,7 @@
               <a:pPr>
                 <a:defRPr/>
               </a:pPr>
-              <a:t>Thursday, January 5, 2023</a:t>
+              <a:t>Monday, March 27, 2023</a:t>
             </a:fld>
             <a:endParaRPr lang="en-US" dirty="0"/>
           </a:p>
@@ -2364,7 +2449,7 @@
               <a:pPr>
                 <a:defRPr/>
               </a:pPr>
-              <a:t>Thursday, January 5, 2023</a:t>
+              <a:t>Monday, March 27, 2023</a:t>
             </a:fld>
             <a:endParaRPr lang="en-US" dirty="0"/>
           </a:p>
@@ -2798,7 +2883,7 @@
               <a:pPr>
                 <a:defRPr/>
               </a:pPr>
-              <a:t>Thursday, January 5, 2023</a:t>
+              <a:t>Monday, March 27, 2023</a:t>
             </a:fld>
             <a:endParaRPr lang="en-US" dirty="0"/>
           </a:p>
@@ -2930,7 +3015,7 @@
               <a:pPr>
                 <a:defRPr/>
               </a:pPr>
-              <a:t>Thursday, January 5, 2023</a:t>
+              <a:t>Monday, March 27, 2023</a:t>
             </a:fld>
             <a:endParaRPr lang="en-US" dirty="0"/>
           </a:p>
@@ -3040,7 +3125,7 @@
               <a:pPr>
                 <a:defRPr/>
               </a:pPr>
-              <a:t>Thursday, January 5, 2023</a:t>
+              <a:t>Monday, March 27, 2023</a:t>
             </a:fld>
             <a:endParaRPr lang="en-US" dirty="0"/>
           </a:p>
@@ -3330,7 +3415,7 @@
               <a:pPr>
                 <a:defRPr/>
               </a:pPr>
-              <a:t>Thursday, January 5, 2023</a:t>
+              <a:t>Monday, March 27, 2023</a:t>
             </a:fld>
             <a:endParaRPr lang="en-US" dirty="0"/>
           </a:p>
@@ -3597,7 +3682,7 @@
               <a:pPr>
                 <a:defRPr/>
               </a:pPr>
-              <a:t>Thursday, January 5, 2023</a:t>
+              <a:t>Monday, March 27, 2023</a:t>
             </a:fld>
             <a:endParaRPr lang="en-US" dirty="0"/>
           </a:p>
@@ -3823,7 +3908,7 @@
               <a:pPr>
                 <a:defRPr/>
               </a:pPr>
-              <a:t>Thursday, January 5, 2023</a:t>
+              <a:t>Monday, March 27, 2023</a:t>
             </a:fld>
             <a:endParaRPr lang="en-US" dirty="0"/>
           </a:p>
@@ -5496,41 +5581,6 @@
       </p:sp>
       <p:pic>
         <p:nvPicPr>
-          <p:cNvPr id="5" name="Picture 4">
-            <a:extLst>
-              <a:ext uri="{FF2B5EF4-FFF2-40B4-BE49-F238E27FC236}">
-                <a16:creationId xmlns:a16="http://schemas.microsoft.com/office/drawing/2014/main" id="{5A269C7A-E2B5-45A7-6F11-21D07C0EC00A}"/>
-              </a:ext>
-            </a:extLst>
-          </p:cNvPr>
-          <p:cNvPicPr>
-            <a:picLocks noChangeAspect="1"/>
-          </p:cNvPicPr>
-          <p:nvPr/>
-        </p:nvPicPr>
-        <p:blipFill>
-          <a:blip r:embed="rId3"/>
-          <a:stretch>
-            <a:fillRect/>
-          </a:stretch>
-        </p:blipFill>
-        <p:spPr>
-          <a:xfrm>
-            <a:off x="6005543" y="1417637"/>
-            <a:ext cx="3022593" cy="4771667"/>
-          </a:xfrm>
-          <a:prstGeom prst="rect">
-            <a:avLst/>
-          </a:prstGeom>
-          <a:ln>
-            <a:solidFill>
-              <a:schemeClr val="tx1"/>
-            </a:solidFill>
-          </a:ln>
-        </p:spPr>
-      </p:pic>
-      <p:pic>
-        <p:nvPicPr>
           <p:cNvPr id="7" name="Picture 6">
             <a:extLst>
               <a:ext uri="{FF2B5EF4-FFF2-40B4-BE49-F238E27FC236}">
@@ -5544,7 +5594,7 @@
           <p:nvPr/>
         </p:nvPicPr>
         <p:blipFill>
-          <a:blip r:embed="rId4"/>
+          <a:blip r:embed="rId3"/>
           <a:stretch>
             <a:fillRect/>
           </a:stretch>
@@ -5564,6 +5614,194 @@
           </a:ln>
         </p:spPr>
       </p:pic>
+      <p:pic>
+        <p:nvPicPr>
+          <p:cNvPr id="6" name="Picture 5">
+            <a:extLst>
+              <a:ext uri="{FF2B5EF4-FFF2-40B4-BE49-F238E27FC236}">
+                <a16:creationId xmlns:a16="http://schemas.microsoft.com/office/drawing/2014/main" id="{363416B3-746A-CEDF-0C4E-E93A7CBC6819}"/>
+              </a:ext>
+            </a:extLst>
+          </p:cNvPr>
+          <p:cNvPicPr>
+            <a:picLocks noChangeAspect="1"/>
+          </p:cNvPicPr>
+          <p:nvPr/>
+        </p:nvPicPr>
+        <p:blipFill>
+          <a:blip r:embed="rId4"/>
+          <a:stretch>
+            <a:fillRect/>
+          </a:stretch>
+        </p:blipFill>
+        <p:spPr>
+          <a:xfrm>
+            <a:off x="6336437" y="1524000"/>
+            <a:ext cx="2593175" cy="5127912"/>
+          </a:xfrm>
+          <a:prstGeom prst="rect">
+            <a:avLst/>
+          </a:prstGeom>
+          <a:ln>
+            <a:solidFill>
+              <a:schemeClr val="tx1"/>
+            </a:solidFill>
+          </a:ln>
+        </p:spPr>
+      </p:pic>
+      <mc:AlternateContent xmlns:mc="http://schemas.openxmlformats.org/markup-compatibility/2006">
+        <mc:Choice xmlns:p14="http://schemas.microsoft.com/office/powerpoint/2010/main" Requires="p14">
+          <p:contentPart p14:bwMode="auto" r:id="rId5">
+            <p14:nvContentPartPr>
+              <p14:cNvPr id="8" name="Ink 7">
+                <a:extLst>
+                  <a:ext uri="{FF2B5EF4-FFF2-40B4-BE49-F238E27FC236}">
+                    <a16:creationId xmlns:a16="http://schemas.microsoft.com/office/drawing/2014/main" id="{F5D47A91-31E5-85CC-5987-139CB7F41541}"/>
+                  </a:ext>
+                </a:extLst>
+              </p14:cNvPr>
+              <p14:cNvContentPartPr/>
+              <p14:nvPr/>
+            </p14:nvContentPartPr>
+            <p14:xfrm>
+              <a:off x="6495145" y="5443796"/>
+              <a:ext cx="577440" cy="11880"/>
+            </p14:xfrm>
+          </p:contentPart>
+        </mc:Choice>
+        <mc:Fallback>
+          <p:pic>
+            <p:nvPicPr>
+              <p:cNvPr id="8" name="Ink 7">
+                <a:extLst>
+                  <a:ext uri="{FF2B5EF4-FFF2-40B4-BE49-F238E27FC236}">
+                    <a16:creationId xmlns:a16="http://schemas.microsoft.com/office/drawing/2014/main" id="{F5D47A91-31E5-85CC-5987-139CB7F41541}"/>
+                  </a:ext>
+                </a:extLst>
+              </p:cNvPr>
+              <p:cNvPicPr/>
+              <p:nvPr/>
+            </p:nvPicPr>
+            <p:blipFill>
+              <a:blip r:embed="rId6"/>
+              <a:stretch>
+                <a:fillRect/>
+              </a:stretch>
+            </p:blipFill>
+            <p:spPr>
+              <a:xfrm>
+                <a:off x="6486505" y="5434796"/>
+                <a:ext cx="595080" cy="29520"/>
+              </a:xfrm>
+              <a:prstGeom prst="rect">
+                <a:avLst/>
+              </a:prstGeom>
+            </p:spPr>
+          </p:pic>
+        </mc:Fallback>
+      </mc:AlternateContent>
+      <mc:AlternateContent xmlns:mc="http://schemas.openxmlformats.org/markup-compatibility/2006">
+        <mc:Choice xmlns:p14="http://schemas.microsoft.com/office/powerpoint/2010/main" Requires="p14">
+          <p:contentPart p14:bwMode="auto" r:id="rId7">
+            <p14:nvContentPartPr>
+              <p14:cNvPr id="9" name="Ink 8">
+                <a:extLst>
+                  <a:ext uri="{FF2B5EF4-FFF2-40B4-BE49-F238E27FC236}">
+                    <a16:creationId xmlns:a16="http://schemas.microsoft.com/office/drawing/2014/main" id="{D64EAF92-0FEB-149E-7A90-CC17D2302C26}"/>
+                  </a:ext>
+                </a:extLst>
+              </p14:cNvPr>
+              <p14:cNvContentPartPr/>
+              <p14:nvPr/>
+            </p14:nvContentPartPr>
+            <p14:xfrm>
+              <a:off x="6085105" y="6044996"/>
+              <a:ext cx="514440" cy="171720"/>
+            </p14:xfrm>
+          </p:contentPart>
+        </mc:Choice>
+        <mc:Fallback>
+          <p:pic>
+            <p:nvPicPr>
+              <p:cNvPr id="9" name="Ink 8">
+                <a:extLst>
+                  <a:ext uri="{FF2B5EF4-FFF2-40B4-BE49-F238E27FC236}">
+                    <a16:creationId xmlns:a16="http://schemas.microsoft.com/office/drawing/2014/main" id="{D64EAF92-0FEB-149E-7A90-CC17D2302C26}"/>
+                  </a:ext>
+                </a:extLst>
+              </p:cNvPr>
+              <p:cNvPicPr/>
+              <p:nvPr/>
+            </p:nvPicPr>
+            <p:blipFill>
+              <a:blip r:embed="rId8"/>
+              <a:stretch>
+                <a:fillRect/>
+              </a:stretch>
+            </p:blipFill>
+            <p:spPr>
+              <a:xfrm>
+                <a:off x="6076465" y="6036356"/>
+                <a:ext cx="532080" cy="189360"/>
+              </a:xfrm>
+              <a:prstGeom prst="rect">
+                <a:avLst/>
+              </a:prstGeom>
+            </p:spPr>
+          </p:pic>
+        </mc:Fallback>
+      </mc:AlternateContent>
+      <mc:AlternateContent xmlns:mc="http://schemas.openxmlformats.org/markup-compatibility/2006">
+        <mc:Choice xmlns:p14="http://schemas.microsoft.com/office/powerpoint/2010/main" Requires="p14">
+          <p:contentPart p14:bwMode="auto" r:id="rId9">
+            <p14:nvContentPartPr>
+              <p14:cNvPr id="10" name="Ink 9">
+                <a:extLst>
+                  <a:ext uri="{FF2B5EF4-FFF2-40B4-BE49-F238E27FC236}">
+                    <a16:creationId xmlns:a16="http://schemas.microsoft.com/office/drawing/2014/main" id="{0BE0050B-81D4-1CE5-762D-9ACFFAE5265C}"/>
+                  </a:ext>
+                </a:extLst>
+              </p14:cNvPr>
+              <p14:cNvContentPartPr/>
+              <p14:nvPr/>
+            </p14:nvContentPartPr>
+            <p14:xfrm>
+              <a:off x="6643465" y="6106196"/>
+              <a:ext cx="1060920" cy="53640"/>
+            </p14:xfrm>
+          </p:contentPart>
+        </mc:Choice>
+        <mc:Fallback>
+          <p:pic>
+            <p:nvPicPr>
+              <p:cNvPr id="10" name="Ink 9">
+                <a:extLst>
+                  <a:ext uri="{FF2B5EF4-FFF2-40B4-BE49-F238E27FC236}">
+                    <a16:creationId xmlns:a16="http://schemas.microsoft.com/office/drawing/2014/main" id="{0BE0050B-81D4-1CE5-762D-9ACFFAE5265C}"/>
+                  </a:ext>
+                </a:extLst>
+              </p:cNvPr>
+              <p:cNvPicPr/>
+              <p:nvPr/>
+            </p:nvPicPr>
+            <p:blipFill>
+              <a:blip r:embed="rId10"/>
+              <a:stretch>
+                <a:fillRect/>
+              </a:stretch>
+            </p:blipFill>
+            <p:spPr>
+              <a:xfrm>
+                <a:off x="6589465" y="5998196"/>
+                <a:ext cx="1168560" cy="269280"/>
+              </a:xfrm>
+              <a:prstGeom prst="rect">
+                <a:avLst/>
+              </a:prstGeom>
+            </p:spPr>
+          </p:pic>
+        </mc:Fallback>
+      </mc:AlternateContent>
     </p:spTree>
     <p:extLst>
       <p:ext uri="{BB962C8B-B14F-4D97-AF65-F5344CB8AC3E}">

--- a/ClassMaterials/IntroToUnitTesting/Slides/Part1-DP-Review.pptx
+++ b/ClassMaterials/IntroToUnitTesting/Slides/Part1-DP-Review.pptx
@@ -5,19 +5,15 @@
     <p:sldMasterId id="2147483927" r:id="rId1"/>
   </p:sldMasterIdLst>
   <p:notesMasterIdLst>
-    <p:notesMasterId r:id="rId9"/>
+    <p:notesMasterId r:id="rId5"/>
   </p:notesMasterIdLst>
   <p:handoutMasterIdLst>
-    <p:handoutMasterId r:id="rId10"/>
+    <p:handoutMasterId r:id="rId6"/>
   </p:handoutMasterIdLst>
   <p:sldIdLst>
-    <p:sldId id="256" r:id="rId2"/>
-    <p:sldId id="257" r:id="rId3"/>
-    <p:sldId id="305" r:id="rId4"/>
-    <p:sldId id="306" r:id="rId5"/>
-    <p:sldId id="293" r:id="rId6"/>
-    <p:sldId id="313" r:id="rId7"/>
-    <p:sldId id="314" r:id="rId8"/>
+    <p:sldId id="315" r:id="rId2"/>
+    <p:sldId id="316" r:id="rId3"/>
+    <p:sldId id="317" r:id="rId4"/>
   </p:sldIdLst>
   <p:sldSz cx="9144000" cy="6858000" type="screen4x3"/>
   <p:notesSz cx="7010400" cy="9296400"/>
@@ -165,6 +161,193 @@
 </p:presentation>
 </file>
 
+<file path=ppt/revisionInfo.xml><?xml version="1.0" encoding="utf-8"?>
+<p1510:revInfo xmlns:a="http://schemas.openxmlformats.org/drawingml/2006/main" xmlns:r="http://schemas.openxmlformats.org/officeDocument/2006/relationships" xmlns:p1510="http://schemas.microsoft.com/office/powerpoint/2015/10/main">
+  <p1510:revLst>
+    <p1510:client id="{9FD5E74B-3D69-475E-A1EB-FAAB4718C682}" v="3" dt="2023-09-18T01:21:07.344"/>
+  </p1510:revLst>
+</p1510:revInfo>
+</file>
+
+<file path=ppt/changesInfos/changesInfo1.xml><?xml version="1.0" encoding="utf-8"?>
+<pc:chgInfo xmlns:a="http://schemas.openxmlformats.org/drawingml/2006/main" xmlns:r="http://schemas.openxmlformats.org/officeDocument/2006/relationships" xmlns:ac="http://schemas.microsoft.com/office/drawing/2013/main/command" xmlns:pc="http://schemas.microsoft.com/office/powerpoint/2013/main/command">
+  <pc:docChgLst>
+    <pc:chgData name="Yoder, Jason" userId="28f4d4d8-da04-4f86-b14d-a21675737bc5" providerId="ADAL" clId="{7917C0C9-FCCD-4A9A-A0EC-354BD2810A26}"/>
+    <pc:docChg chg="modSld">
+      <pc:chgData name="Yoder, Jason" userId="28f4d4d8-da04-4f86-b14d-a21675737bc5" providerId="ADAL" clId="{7917C0C9-FCCD-4A9A-A0EC-354BD2810A26}" dt="2023-09-03T17:46:15.914" v="9" actId="20577"/>
+      <pc:docMkLst>
+        <pc:docMk/>
+      </pc:docMkLst>
+      <pc:sldChg chg="modSp mod">
+        <pc:chgData name="Yoder, Jason" userId="28f4d4d8-da04-4f86-b14d-a21675737bc5" providerId="ADAL" clId="{7917C0C9-FCCD-4A9A-A0EC-354BD2810A26}" dt="2023-09-03T17:46:15.914" v="9" actId="20577"/>
+        <pc:sldMkLst>
+          <pc:docMk/>
+          <pc:sldMk cId="0" sldId="256"/>
+        </pc:sldMkLst>
+        <pc:spChg chg="mod">
+          <ac:chgData name="Yoder, Jason" userId="28f4d4d8-da04-4f86-b14d-a21675737bc5" providerId="ADAL" clId="{7917C0C9-FCCD-4A9A-A0EC-354BD2810A26}" dt="2023-09-03T17:46:15.914" v="9" actId="20577"/>
+          <ac:spMkLst>
+            <pc:docMk/>
+            <pc:sldMk cId="0" sldId="256"/>
+            <ac:spMk id="4" creationId="{58341497-5F64-FF61-176C-4F45ACBF6A1C}"/>
+          </ac:spMkLst>
+        </pc:spChg>
+      </pc:sldChg>
+    </pc:docChg>
+  </pc:docChgLst>
+  <pc:docChgLst>
+    <pc:chgData name="Yoder, Jason" userId="28f4d4d8-da04-4f86-b14d-a21675737bc5" providerId="ADAL" clId="{9FD5E74B-3D69-475E-A1EB-FAAB4718C682}"/>
+    <pc:docChg chg="undo custSel addSld delSld modSld">
+      <pc:chgData name="Yoder, Jason" userId="28f4d4d8-da04-4f86-b14d-a21675737bc5" providerId="ADAL" clId="{9FD5E74B-3D69-475E-A1EB-FAAB4718C682}" dt="2023-09-19T14:48:37.085" v="1364" actId="47"/>
+      <pc:docMkLst>
+        <pc:docMk/>
+      </pc:docMkLst>
+      <pc:sldChg chg="del">
+        <pc:chgData name="Yoder, Jason" userId="28f4d4d8-da04-4f86-b14d-a21675737bc5" providerId="ADAL" clId="{9FD5E74B-3D69-475E-A1EB-FAAB4718C682}" dt="2023-09-19T14:48:30.787" v="1363" actId="47"/>
+        <pc:sldMkLst>
+          <pc:docMk/>
+          <pc:sldMk cId="0" sldId="256"/>
+        </pc:sldMkLst>
+      </pc:sldChg>
+      <pc:sldChg chg="modSp del mod">
+        <pc:chgData name="Yoder, Jason" userId="28f4d4d8-da04-4f86-b14d-a21675737bc5" providerId="ADAL" clId="{9FD5E74B-3D69-475E-A1EB-FAAB4718C682}" dt="2023-09-19T14:48:37.085" v="1364" actId="47"/>
+        <pc:sldMkLst>
+          <pc:docMk/>
+          <pc:sldMk cId="357242820" sldId="257"/>
+        </pc:sldMkLst>
+        <pc:spChg chg="mod">
+          <ac:chgData name="Yoder, Jason" userId="28f4d4d8-da04-4f86-b14d-a21675737bc5" providerId="ADAL" clId="{9FD5E74B-3D69-475E-A1EB-FAAB4718C682}" dt="2023-09-18T11:38:34.964" v="1280" actId="20577"/>
+          <ac:spMkLst>
+            <pc:docMk/>
+            <pc:sldMk cId="357242820" sldId="257"/>
+            <ac:spMk id="2" creationId="{00000000-0000-0000-0000-000000000000}"/>
+          </ac:spMkLst>
+        </pc:spChg>
+      </pc:sldChg>
+      <pc:sldChg chg="del mod modShow">
+        <pc:chgData name="Yoder, Jason" userId="28f4d4d8-da04-4f86-b14d-a21675737bc5" providerId="ADAL" clId="{9FD5E74B-3D69-475E-A1EB-FAAB4718C682}" dt="2023-09-19T14:48:37.085" v="1364" actId="47"/>
+        <pc:sldMkLst>
+          <pc:docMk/>
+          <pc:sldMk cId="517551583" sldId="293"/>
+        </pc:sldMkLst>
+      </pc:sldChg>
+      <pc:sldChg chg="del">
+        <pc:chgData name="Yoder, Jason" userId="28f4d4d8-da04-4f86-b14d-a21675737bc5" providerId="ADAL" clId="{9FD5E74B-3D69-475E-A1EB-FAAB4718C682}" dt="2023-09-19T14:48:37.085" v="1364" actId="47"/>
+        <pc:sldMkLst>
+          <pc:docMk/>
+          <pc:sldMk cId="1488292398" sldId="305"/>
+        </pc:sldMkLst>
+      </pc:sldChg>
+      <pc:sldChg chg="del mod modShow">
+        <pc:chgData name="Yoder, Jason" userId="28f4d4d8-da04-4f86-b14d-a21675737bc5" providerId="ADAL" clId="{9FD5E74B-3D69-475E-A1EB-FAAB4718C682}" dt="2023-09-19T14:48:37.085" v="1364" actId="47"/>
+        <pc:sldMkLst>
+          <pc:docMk/>
+          <pc:sldMk cId="3160988734" sldId="306"/>
+        </pc:sldMkLst>
+      </pc:sldChg>
+      <pc:sldChg chg="del mod modShow">
+        <pc:chgData name="Yoder, Jason" userId="28f4d4d8-da04-4f86-b14d-a21675737bc5" providerId="ADAL" clId="{9FD5E74B-3D69-475E-A1EB-FAAB4718C682}" dt="2023-09-19T14:48:37.085" v="1364" actId="47"/>
+        <pc:sldMkLst>
+          <pc:docMk/>
+          <pc:sldMk cId="3813012996" sldId="313"/>
+        </pc:sldMkLst>
+      </pc:sldChg>
+      <pc:sldChg chg="del">
+        <pc:chgData name="Yoder, Jason" userId="28f4d4d8-da04-4f86-b14d-a21675737bc5" providerId="ADAL" clId="{9FD5E74B-3D69-475E-A1EB-FAAB4718C682}" dt="2023-09-19T14:48:37.085" v="1364" actId="47"/>
+        <pc:sldMkLst>
+          <pc:docMk/>
+          <pc:sldMk cId="837567995" sldId="314"/>
+        </pc:sldMkLst>
+      </pc:sldChg>
+      <pc:sldChg chg="modSp add mod">
+        <pc:chgData name="Yoder, Jason" userId="28f4d4d8-da04-4f86-b14d-a21675737bc5" providerId="ADAL" clId="{9FD5E74B-3D69-475E-A1EB-FAAB4718C682}" dt="2023-09-18T11:44:28.230" v="1362" actId="20577"/>
+        <pc:sldMkLst>
+          <pc:docMk/>
+          <pc:sldMk cId="2312808968" sldId="315"/>
+        </pc:sldMkLst>
+        <pc:spChg chg="mod">
+          <ac:chgData name="Yoder, Jason" userId="28f4d4d8-da04-4f86-b14d-a21675737bc5" providerId="ADAL" clId="{9FD5E74B-3D69-475E-A1EB-FAAB4718C682}" dt="2023-09-18T11:44:28.230" v="1362" actId="20577"/>
+          <ac:spMkLst>
+            <pc:docMk/>
+            <pc:sldMk cId="2312808968" sldId="315"/>
+            <ac:spMk id="2" creationId="{00000000-0000-0000-0000-000000000000}"/>
+          </ac:spMkLst>
+        </pc:spChg>
+        <pc:spChg chg="mod">
+          <ac:chgData name="Yoder, Jason" userId="28f4d4d8-da04-4f86-b14d-a21675737bc5" providerId="ADAL" clId="{9FD5E74B-3D69-475E-A1EB-FAAB4718C682}" dt="2023-09-18T01:17:09.723" v="13" actId="20577"/>
+          <ac:spMkLst>
+            <pc:docMk/>
+            <pc:sldMk cId="2312808968" sldId="315"/>
+            <ac:spMk id="3" creationId="{00000000-0000-0000-0000-000000000000}"/>
+          </ac:spMkLst>
+        </pc:spChg>
+      </pc:sldChg>
+      <pc:sldChg chg="modSp add mod">
+        <pc:chgData name="Yoder, Jason" userId="28f4d4d8-da04-4f86-b14d-a21675737bc5" providerId="ADAL" clId="{9FD5E74B-3D69-475E-A1EB-FAAB4718C682}" dt="2023-09-18T11:43:14.507" v="1352" actId="20577"/>
+        <pc:sldMkLst>
+          <pc:docMk/>
+          <pc:sldMk cId="371134595" sldId="316"/>
+        </pc:sldMkLst>
+        <pc:spChg chg="mod">
+          <ac:chgData name="Yoder, Jason" userId="28f4d4d8-da04-4f86-b14d-a21675737bc5" providerId="ADAL" clId="{9FD5E74B-3D69-475E-A1EB-FAAB4718C682}" dt="2023-09-18T11:43:14.507" v="1352" actId="20577"/>
+          <ac:spMkLst>
+            <pc:docMk/>
+            <pc:sldMk cId="371134595" sldId="316"/>
+            <ac:spMk id="2" creationId="{00000000-0000-0000-0000-000000000000}"/>
+          </ac:spMkLst>
+        </pc:spChg>
+      </pc:sldChg>
+      <pc:sldChg chg="modSp add mod">
+        <pc:chgData name="Yoder, Jason" userId="28f4d4d8-da04-4f86-b14d-a21675737bc5" providerId="ADAL" clId="{9FD5E74B-3D69-475E-A1EB-FAAB4718C682}" dt="2023-09-18T01:40:53.726" v="1260" actId="115"/>
+        <pc:sldMkLst>
+          <pc:docMk/>
+          <pc:sldMk cId="629110769" sldId="317"/>
+        </pc:sldMkLst>
+        <pc:spChg chg="mod">
+          <ac:chgData name="Yoder, Jason" userId="28f4d4d8-da04-4f86-b14d-a21675737bc5" providerId="ADAL" clId="{9FD5E74B-3D69-475E-A1EB-FAAB4718C682}" dt="2023-09-18T01:40:53.726" v="1260" actId="115"/>
+          <ac:spMkLst>
+            <pc:docMk/>
+            <pc:sldMk cId="629110769" sldId="317"/>
+            <ac:spMk id="2" creationId="{00000000-0000-0000-0000-000000000000}"/>
+          </ac:spMkLst>
+        </pc:spChg>
+      </pc:sldChg>
+      <pc:sldChg chg="addSp delSp modSp new del mod">
+        <pc:chgData name="Yoder, Jason" userId="28f4d4d8-da04-4f86-b14d-a21675737bc5" providerId="ADAL" clId="{9FD5E74B-3D69-475E-A1EB-FAAB4718C682}" dt="2023-09-19T14:48:37.085" v="1364" actId="47"/>
+        <pc:sldMkLst>
+          <pc:docMk/>
+          <pc:sldMk cId="817994095" sldId="318"/>
+        </pc:sldMkLst>
+        <pc:spChg chg="mod">
+          <ac:chgData name="Yoder, Jason" userId="28f4d4d8-da04-4f86-b14d-a21675737bc5" providerId="ADAL" clId="{9FD5E74B-3D69-475E-A1EB-FAAB4718C682}" dt="2023-09-18T01:43:12.608" v="1266"/>
+          <ac:spMkLst>
+            <pc:docMk/>
+            <pc:sldMk cId="817994095" sldId="318"/>
+            <ac:spMk id="2" creationId="{443B7840-AFBF-D44A-C98F-643CECA444FF}"/>
+          </ac:spMkLst>
+        </pc:spChg>
+        <pc:spChg chg="add del">
+          <ac:chgData name="Yoder, Jason" userId="28f4d4d8-da04-4f86-b14d-a21675737bc5" providerId="ADAL" clId="{9FD5E74B-3D69-475E-A1EB-FAAB4718C682}" dt="2023-09-18T01:43:11.688" v="1265" actId="22"/>
+          <ac:spMkLst>
+            <pc:docMk/>
+            <pc:sldMk cId="817994095" sldId="318"/>
+            <ac:spMk id="7" creationId="{9735AAE5-8261-2A26-0BBF-1282085DE42B}"/>
+          </ac:spMkLst>
+        </pc:spChg>
+        <pc:picChg chg="add mod">
+          <ac:chgData name="Yoder, Jason" userId="28f4d4d8-da04-4f86-b14d-a21675737bc5" providerId="ADAL" clId="{9FD5E74B-3D69-475E-A1EB-FAAB4718C682}" dt="2023-09-18T01:43:08.044" v="1263" actId="1076"/>
+          <ac:picMkLst>
+            <pc:docMk/>
+            <pc:sldMk cId="817994095" sldId="318"/>
+            <ac:picMk id="5" creationId="{F063FF5E-2779-931F-6EB9-66A92406B1F3}"/>
+          </ac:picMkLst>
+        </pc:picChg>
+      </pc:sldChg>
+    </pc:docChg>
+  </pc:docChgLst>
+</pc:chgInfo>
+</file>
+
 <file path=ppt/handoutMasters/handoutMaster1.xml><?xml version="1.0" encoding="utf-8"?>
 <p:handoutMaster xmlns:a="http://schemas.openxmlformats.org/drawingml/2006/main" xmlns:r="http://schemas.openxmlformats.org/officeDocument/2006/relationships" xmlns:p="http://schemas.openxmlformats.org/presentationml/2006/main">
   <p:cSld>
@@ -282,7 +465,7 @@
               <a:pPr>
                 <a:defRPr/>
               </a:pPr>
-              <a:t>3/27/2023</a:t>
+              <a:t>9/19/2023</a:t>
             </a:fld>
             <a:endParaRPr lang="en-US" dirty="0"/>
           </a:p>
@@ -398,91 +581,6 @@
   </p:cSld>
   <p:clrMap bg1="lt1" tx1="dk1" bg2="lt2" tx2="dk2" accent1="accent1" accent2="accent2" accent3="accent3" accent4="accent4" accent5="accent5" accent6="accent6" hlink="hlink" folHlink="folHlink"/>
 </p:handoutMaster>
-</file>
-
-<file path=ppt/ink/ink1.xml><?xml version="1.0" encoding="utf-8"?>
-<inkml:ink xmlns:inkml="http://www.w3.org/2003/InkML">
-  <inkml:definitions>
-    <inkml:context xml:id="ctx0">
-      <inkml:inkSource xml:id="inkSrc0">
-        <inkml:traceFormat>
-          <inkml:channel name="X" type="integer" min="-2.14748E9" max="2.14748E9" units="cm"/>
-          <inkml:channel name="Y" type="integer" min="-2.14748E9" max="2.14748E9" units="cm"/>
-          <inkml:channel name="F" type="integer" max="32767" units="dev"/>
-        </inkml:traceFormat>
-        <inkml:channelProperties>
-          <inkml:channelProperty channel="X" name="resolution" value="1000" units="1/cm"/>
-          <inkml:channelProperty channel="Y" name="resolution" value="1000" units="1/cm"/>
-          <inkml:channelProperty channel="F" name="resolution" value="0" units="1/dev"/>
-        </inkml:channelProperties>
-      </inkml:inkSource>
-      <inkml:timestamp xml:id="ts0" timeString="2023-03-27T16:11:19.741"/>
-    </inkml:context>
-    <inkml:brush xml:id="br0">
-      <inkml:brushProperty name="width" value="0.05" units="cm"/>
-      <inkml:brushProperty name="height" value="0.05" units="cm"/>
-      <inkml:brushProperty name="color" value="#E71224"/>
-    </inkml:brush>
-  </inkml:definitions>
-  <inkml:trace contextRef="#ctx0" brushRef="#br0">1 0 24575,'182'16'0,"-19"-1"0,482-13 0,-310-4 0,-82 2-1365,-228 0-5461</inkml:trace>
-</inkml:ink>
-</file>
-
-<file path=ppt/ink/ink2.xml><?xml version="1.0" encoding="utf-8"?>
-<inkml:ink xmlns:inkml="http://www.w3.org/2003/InkML">
-  <inkml:definitions>
-    <inkml:context xml:id="ctx0">
-      <inkml:inkSource xml:id="inkSrc0">
-        <inkml:traceFormat>
-          <inkml:channel name="X" type="integer" min="-2.14748E9" max="2.14748E9" units="cm"/>
-          <inkml:channel name="Y" type="integer" min="-2.14748E9" max="2.14748E9" units="cm"/>
-          <inkml:channel name="F" type="integer" max="32767" units="dev"/>
-        </inkml:traceFormat>
-        <inkml:channelProperties>
-          <inkml:channelProperty channel="X" name="resolution" value="1000" units="1/cm"/>
-          <inkml:channelProperty channel="Y" name="resolution" value="1000" units="1/cm"/>
-          <inkml:channelProperty channel="F" name="resolution" value="0" units="1/dev"/>
-        </inkml:channelProperties>
-      </inkml:inkSource>
-      <inkml:timestamp xml:id="ts0" timeString="2023-03-27T16:11:25.393"/>
-    </inkml:context>
-    <inkml:brush xml:id="br0">
-      <inkml:brushProperty name="width" value="0.05" units="cm"/>
-      <inkml:brushProperty name="height" value="0.05" units="cm"/>
-      <inkml:brushProperty name="color" value="#E71224"/>
-    </inkml:brush>
-  </inkml:definitions>
-  <inkml:trace contextRef="#ctx0" brushRef="#br0">1 257 24575,'931'0'0,"-860"-3"0,72-13 0,-57 5 0,86-16 0,-172 27 0,0 0 0,0 0 0,0 0 0,0 0 0,0 0 0,1 0 0,-1 0 0,0 0 0,0 0 0,0 0 0,1 0 0,-1 0 0,0 0 0,0 0 0,0 0 0,0 0 0,1 0 0,-1 0 0,0 0 0,0 0 0,0 0 0,0 0 0,1 0 0,-1 0 0,0-1 0,0 1 0,0 0 0,0 0 0,0 0 0,1 0 0,-1 0 0,0 0 0,0 0 0,0-1 0,0 1 0,0 0 0,0 0 0,0 0 0,0 0 0,0-1 0,0 1 0,0 0 0,1 0 0,-1 0 0,0 0 0,0-1 0,0 1 0,0 0 0,0 0 0,0 0 0,0-1 0,-1 1 0,1 0 0,0 0 0,0 0 0,0 0 0,0-1 0,0 1 0,0 0 0,0 0 0,0 0 0,0 0 0,0 0 0,-1-1 0,-15-11 0,-27-11 0,20 13 0,3 2 0,-1-2 0,-27-16 0,44 23 0,0 1 0,0-1 0,1 0 0,-1 0 0,1 0 0,-1 0 0,1-1 0,0 1 0,1-1 0,-1 0 0,0 0 0,1 0 0,0 0 0,0 0 0,0-1 0,1 1 0,-3-9 0,4 12 0,0 0 0,0 0 0,0 0 0,0 0 0,-1 0 0,1 0 0,1 0 0,-1 0 0,0 0 0,0 0 0,0 0 0,0 0 0,1 0 0,-1 0 0,1 0 0,-1 0 0,0 0 0,1 0 0,0 0 0,-1 1 0,1-1 0,-1 0 0,1 0 0,0 0 0,0 1 0,-1-1 0,3-1 0,-1 2 0,0-1 0,0 0 0,0 1 0,1 0 0,-1-1 0,0 1 0,0 0 0,0 0 0,1 0 0,-1 0 0,0 0 0,3 1 0,6 2 0,-1 0 0,0 0 0,0 1 0,12 7 0,-9-5 0,-1 1 0,0 1 0,-1 0 0,0 0 0,0 1 0,-1 1 0,0 0 0,10 13 0,-16-18 0,-1 0 0,0 1 0,0 0 0,0 0 0,0 0 0,-1 0 0,0 0 0,0 0 0,-1 1 0,0-1 0,0 0 0,0 1 0,-1-1 0,0 1 0,0-1 0,-1 1 0,1-1 0,-2 1 0,-2 10 0,0-5 0,-1-1 0,0-1 0,0 1 0,-1-1 0,0 0 0,-15 17 0,-13 23 0,6 19-1365,20-51-5461</inkml:trace>
-</inkml:ink>
-</file>
-
-<file path=ppt/ink/ink3.xml><?xml version="1.0" encoding="utf-8"?>
-<inkml:ink xmlns:inkml="http://www.w3.org/2003/InkML">
-  <inkml:definitions>
-    <inkml:context xml:id="ctx0">
-      <inkml:inkSource xml:id="inkSrc0">
-        <inkml:traceFormat>
-          <inkml:channel name="X" type="integer" min="-2.14748E9" max="2.14748E9" units="cm"/>
-          <inkml:channel name="Y" type="integer" min="-2.14748E9" max="2.14748E9" units="cm"/>
-        </inkml:traceFormat>
-        <inkml:channelProperties>
-          <inkml:channelProperty channel="X" name="resolution" value="1000" units="1/cm"/>
-          <inkml:channelProperty channel="Y" name="resolution" value="1000" units="1/cm"/>
-        </inkml:channelProperties>
-      </inkml:inkSource>
-      <inkml:timestamp xml:id="ts0" timeString="2023-03-27T16:11:29.058"/>
-    </inkml:context>
-    <inkml:brush xml:id="br0">
-      <inkml:brushProperty name="width" value="0.3" units="cm"/>
-      <inkml:brushProperty name="height" value="0.6" units="cm"/>
-      <inkml:brushProperty name="color" value="#FFFC00"/>
-      <inkml:brushProperty name="tip" value="rectangle"/>
-      <inkml:brushProperty name="rasterOp" value="maskPen"/>
-      <inkml:brushProperty name="ignorePressure" value="1"/>
-    </inkml:brush>
-  </inkml:definitions>
-  <inkml:trace contextRef="#ctx0" brushRef="#br0">2946 0,'-1575'0,"1528"3,0 2,-76 17,-46 5,115-21,-77 20,34-5,13-6,-2-4,-119 2,-85-15,252 2</inkml:trace>
-</inkml:ink>
 </file>
 
 <file path=ppt/notesMasters/notesMaster1.xml><?xml version="1.0" encoding="utf-8"?>
@@ -602,7 +700,7 @@
               <a:pPr>
                 <a:defRPr/>
               </a:pPr>
-              <a:t>3/27/2023</a:t>
+              <a:t>9/19/2023</a:t>
             </a:fld>
             <a:endParaRPr lang="en-US" dirty="0"/>
           </a:p>
@@ -965,29 +1063,19 @@
       </p:grpSpPr>
       <p:sp>
         <p:nvSpPr>
-          <p:cNvPr id="26626" name="Slide Image Placeholder 1"/>
-          <p:cNvSpPr>
-            <a:spLocks noGrp="1" noRot="1" noChangeAspect="1" noTextEdit="1"/>
+          <p:cNvPr id="2" name="Slide Image Placeholder 1"/>
+          <p:cNvSpPr>
+            <a:spLocks noGrp="1" noRot="1" noChangeAspect="1"/>
           </p:cNvSpPr>
           <p:nvPr>
             <p:ph type="sldImg"/>
           </p:nvPr>
         </p:nvSpPr>
-        <p:spPr bwMode="auto">
-          <a:noFill/>
-          <a:ln>
-            <a:solidFill>
-              <a:srgbClr val="000000"/>
-            </a:solidFill>
-            <a:miter lim="800000"/>
-            <a:headEnd/>
-            <a:tailEnd/>
-          </a:ln>
-        </p:spPr>
-      </p:sp>
-      <p:sp>
-        <p:nvSpPr>
-          <p:cNvPr id="26627" name="Notes Placeholder 2"/>
+        <p:spPr/>
+      </p:sp>
+      <p:sp>
+        <p:nvSpPr>
+          <p:cNvPr id="3" name="Notes Placeholder 2"/>
           <p:cNvSpPr>
             <a:spLocks noGrp="1"/>
           </p:cNvSpPr>
@@ -995,47 +1083,38 @@
             <p:ph type="body" idx="1"/>
           </p:nvPr>
         </p:nvSpPr>
-        <p:spPr>
-          <a:noFill/>
-          <a:ln/>
-        </p:spPr>
-        <p:txBody>
-          <a:bodyPr/>
-          <a:lstStyle/>
-          <a:p>
-            <a:pPr eaLnBrk="1" hangingPunct="1">
-              <a:spcBef>
-                <a:spcPct val="0"/>
-              </a:spcBef>
+        <p:spPr/>
+        <p:txBody>
+          <a:bodyPr/>
+          <a:lstStyle/>
+          <a:p>
+            <a:endParaRPr lang="en-US" dirty="0"/>
+          </a:p>
+        </p:txBody>
+      </p:sp>
+      <p:sp>
+        <p:nvSpPr>
+          <p:cNvPr id="4" name="Slide Number Placeholder 3"/>
+          <p:cNvSpPr>
+            <a:spLocks noGrp="1"/>
+          </p:cNvSpPr>
+          <p:nvPr>
+            <p:ph type="sldNum" sz="quarter" idx="10"/>
+          </p:nvPr>
+        </p:nvSpPr>
+        <p:spPr/>
+        <p:txBody>
+          <a:bodyPr/>
+          <a:lstStyle/>
+          <a:p>
+            <a:pPr>
+              <a:defRPr/>
             </a:pPr>
-            <a:r>
-              <a:rPr lang="en-US" dirty="0"/>
-              <a:t>Bring hard copy of code from UnitTesting</a:t>
-            </a:r>
-            <a:endParaRPr lang="en-US" baseline="0" dirty="0"/>
-          </a:p>
-        </p:txBody>
-      </p:sp>
-      <p:sp>
-        <p:nvSpPr>
-          <p:cNvPr id="26628" name="Slide Number Placeholder 3"/>
-          <p:cNvSpPr>
-            <a:spLocks noGrp="1"/>
-          </p:cNvSpPr>
-          <p:nvPr>
-            <p:ph type="sldNum" sz="quarter" idx="5"/>
-          </p:nvPr>
-        </p:nvSpPr>
-        <p:spPr>
-          <a:noFill/>
-        </p:spPr>
-        <p:txBody>
-          <a:bodyPr/>
-          <a:lstStyle/>
-          <a:p>
-            <a:fld id="{DE2D2F29-D266-4A73-9105-1080FD86BA46}" type="slidenum">
+            <a:fld id="{41BB943A-C3B9-42AE-8B54-C2335812312E}" type="slidenum">
               <a:rPr lang="en-US" smtClean="0"/>
-              <a:pPr/>
+              <a:pPr>
+                <a:defRPr/>
+              </a:pPr>
               <a:t>1</a:t>
             </a:fld>
             <a:endParaRPr lang="en-US" dirty="0"/>
@@ -1045,7 +1124,7 @@
     </p:spTree>
     <p:extLst>
       <p:ext uri="{BB962C8B-B14F-4D97-AF65-F5344CB8AC3E}">
-        <p14:creationId xmlns:p14="http://schemas.microsoft.com/office/powerpoint/2010/main" val="2849490060"/>
+        <p14:creationId xmlns:p14="http://schemas.microsoft.com/office/powerpoint/2010/main" val="3283092778"/>
       </p:ext>
     </p:extLst>
   </p:cSld>
@@ -1135,7 +1214,97 @@
     </p:spTree>
     <p:extLst>
       <p:ext uri="{BB962C8B-B14F-4D97-AF65-F5344CB8AC3E}">
-        <p14:creationId xmlns:p14="http://schemas.microsoft.com/office/powerpoint/2010/main" val="3645018809"/>
+        <p14:creationId xmlns:p14="http://schemas.microsoft.com/office/powerpoint/2010/main" val="586339663"/>
+      </p:ext>
+    </p:extLst>
+  </p:cSld>
+  <p:clrMapOvr>
+    <a:masterClrMapping/>
+  </p:clrMapOvr>
+</p:notes>
+</file>
+
+<file path=ppt/notesSlides/notesSlide3.xml><?xml version="1.0" encoding="utf-8"?>
+<p:notes xmlns:a="http://schemas.openxmlformats.org/drawingml/2006/main" xmlns:r="http://schemas.openxmlformats.org/officeDocument/2006/relationships" xmlns:p="http://schemas.openxmlformats.org/presentationml/2006/main">
+  <p:cSld>
+    <p:spTree>
+      <p:nvGrpSpPr>
+        <p:cNvPr id="1" name=""/>
+        <p:cNvGrpSpPr/>
+        <p:nvPr/>
+      </p:nvGrpSpPr>
+      <p:grpSpPr>
+        <a:xfrm>
+          <a:off x="0" y="0"/>
+          <a:ext cx="0" cy="0"/>
+          <a:chOff x="0" y="0"/>
+          <a:chExt cx="0" cy="0"/>
+        </a:xfrm>
+      </p:grpSpPr>
+      <p:sp>
+        <p:nvSpPr>
+          <p:cNvPr id="2" name="Slide Image Placeholder 1"/>
+          <p:cNvSpPr>
+            <a:spLocks noGrp="1" noRot="1" noChangeAspect="1"/>
+          </p:cNvSpPr>
+          <p:nvPr>
+            <p:ph type="sldImg"/>
+          </p:nvPr>
+        </p:nvSpPr>
+        <p:spPr/>
+      </p:sp>
+      <p:sp>
+        <p:nvSpPr>
+          <p:cNvPr id="3" name="Notes Placeholder 2"/>
+          <p:cNvSpPr>
+            <a:spLocks noGrp="1"/>
+          </p:cNvSpPr>
+          <p:nvPr>
+            <p:ph type="body" idx="1"/>
+          </p:nvPr>
+        </p:nvSpPr>
+        <p:spPr/>
+        <p:txBody>
+          <a:bodyPr/>
+          <a:lstStyle/>
+          <a:p>
+            <a:endParaRPr lang="en-US" dirty="0"/>
+          </a:p>
+        </p:txBody>
+      </p:sp>
+      <p:sp>
+        <p:nvSpPr>
+          <p:cNvPr id="4" name="Slide Number Placeholder 3"/>
+          <p:cNvSpPr>
+            <a:spLocks noGrp="1"/>
+          </p:cNvSpPr>
+          <p:nvPr>
+            <p:ph type="sldNum" sz="quarter" idx="10"/>
+          </p:nvPr>
+        </p:nvSpPr>
+        <p:spPr/>
+        <p:txBody>
+          <a:bodyPr/>
+          <a:lstStyle/>
+          <a:p>
+            <a:pPr>
+              <a:defRPr/>
+            </a:pPr>
+            <a:fld id="{41BB943A-C3B9-42AE-8B54-C2335812312E}" type="slidenum">
+              <a:rPr lang="en-US" smtClean="0"/>
+              <a:pPr>
+                <a:defRPr/>
+              </a:pPr>
+              <a:t>3</a:t>
+            </a:fld>
+            <a:endParaRPr lang="en-US" dirty="0"/>
+          </a:p>
+        </p:txBody>
+      </p:sp>
+    </p:spTree>
+    <p:extLst>
+      <p:ext uri="{BB962C8B-B14F-4D97-AF65-F5344CB8AC3E}">
+        <p14:creationId xmlns:p14="http://schemas.microsoft.com/office/powerpoint/2010/main" val="3087487739"/>
       </p:ext>
     </p:extLst>
   </p:cSld>
@@ -1330,7 +1499,7 @@
               <a:pPr>
                 <a:defRPr/>
               </a:pPr>
-              <a:t>Monday, March 27, 2023</a:t>
+              <a:t>Tuesday, September 19, 2023</a:t>
             </a:fld>
             <a:endParaRPr lang="en-US" dirty="0"/>
           </a:p>
@@ -1513,7 +1682,7 @@
               <a:pPr>
                 <a:defRPr/>
               </a:pPr>
-              <a:t>Monday, March 27, 2023</a:t>
+              <a:t>Tuesday, September 19, 2023</a:t>
             </a:fld>
             <a:endParaRPr lang="en-US" dirty="0"/>
           </a:p>
@@ -1706,7 +1875,7 @@
               <a:pPr>
                 <a:defRPr/>
               </a:pPr>
-              <a:t>Monday, March 27, 2023</a:t>
+              <a:t>Tuesday, September 19, 2023</a:t>
             </a:fld>
             <a:endParaRPr lang="en-US" dirty="0"/>
           </a:p>
@@ -1889,7 +2058,7 @@
               <a:pPr>
                 <a:defRPr/>
               </a:pPr>
-              <a:t>Monday, March 27, 2023</a:t>
+              <a:t>Tuesday, September 19, 2023</a:t>
             </a:fld>
             <a:endParaRPr lang="en-US" dirty="0"/>
           </a:p>
@@ -2149,7 +2318,7 @@
               <a:pPr>
                 <a:defRPr/>
               </a:pPr>
-              <a:t>Monday, March 27, 2023</a:t>
+              <a:t>Tuesday, September 19, 2023</a:t>
             </a:fld>
             <a:endParaRPr lang="en-US" dirty="0"/>
           </a:p>
@@ -2449,7 +2618,7 @@
               <a:pPr>
                 <a:defRPr/>
               </a:pPr>
-              <a:t>Monday, March 27, 2023</a:t>
+              <a:t>Tuesday, September 19, 2023</a:t>
             </a:fld>
             <a:endParaRPr lang="en-US" dirty="0"/>
           </a:p>
@@ -2883,7 +3052,7 @@
               <a:pPr>
                 <a:defRPr/>
               </a:pPr>
-              <a:t>Monday, March 27, 2023</a:t>
+              <a:t>Tuesday, September 19, 2023</a:t>
             </a:fld>
             <a:endParaRPr lang="en-US" dirty="0"/>
           </a:p>
@@ -3015,7 +3184,7 @@
               <a:pPr>
                 <a:defRPr/>
               </a:pPr>
-              <a:t>Monday, March 27, 2023</a:t>
+              <a:t>Tuesday, September 19, 2023</a:t>
             </a:fld>
             <a:endParaRPr lang="en-US" dirty="0"/>
           </a:p>
@@ -3125,7 +3294,7 @@
               <a:pPr>
                 <a:defRPr/>
               </a:pPr>
-              <a:t>Monday, March 27, 2023</a:t>
+              <a:t>Tuesday, September 19, 2023</a:t>
             </a:fld>
             <a:endParaRPr lang="en-US" dirty="0"/>
           </a:p>
@@ -3415,7 +3584,7 @@
               <a:pPr>
                 <a:defRPr/>
               </a:pPr>
-              <a:t>Monday, March 27, 2023</a:t>
+              <a:t>Tuesday, September 19, 2023</a:t>
             </a:fld>
             <a:endParaRPr lang="en-US" dirty="0"/>
           </a:p>
@@ -3682,7 +3851,7 @@
               <a:pPr>
                 <a:defRPr/>
               </a:pPr>
-              <a:t>Monday, March 27, 2023</a:t>
+              <a:t>Tuesday, September 19, 2023</a:t>
             </a:fld>
             <a:endParaRPr lang="en-US" dirty="0"/>
           </a:p>
@@ -3908,7 +4077,7 @@
               <a:pPr>
                 <a:defRPr/>
               </a:pPr>
-              <a:t>Monday, March 27, 2023</a:t>
+              <a:t>Tuesday, September 19, 2023</a:t>
             </a:fld>
             <a:endParaRPr lang="en-US" dirty="0"/>
           </a:p>
@@ -4294,12 +4463,12 @@
       </p:grpSpPr>
       <p:sp>
         <p:nvSpPr>
-          <p:cNvPr id="2" name="Rectangle 1"/>
-          <p:cNvSpPr>
-            <a:spLocks noGrp="1"/>
-          </p:cNvSpPr>
-          <p:nvPr>
-            <p:ph type="ctrTitle"/>
+          <p:cNvPr id="3" name="Title 2"/>
+          <p:cNvSpPr>
+            <a:spLocks noGrp="1"/>
+          </p:cNvSpPr>
+          <p:nvPr>
+            <p:ph type="title"/>
           </p:nvPr>
         </p:nvSpPr>
         <p:spPr/>
@@ -4309,240 +4478,82 @@
           <a:p>
             <a:r>
               <a:rPr lang="en-US" dirty="0"/>
-              <a:t>CSSE 220</a:t>
-            </a:r>
-          </a:p>
-        </p:txBody>
-      </p:sp>
-      <p:sp>
-        <p:nvSpPr>
-          <p:cNvPr id="9219" name="Rectangle 2"/>
-          <p:cNvSpPr>
-            <a:spLocks noGrp="1"/>
-          </p:cNvSpPr>
-          <p:nvPr>
-            <p:ph type="subTitle" idx="1"/>
+              <a:t>Announcement</a:t>
+            </a:r>
+          </a:p>
+        </p:txBody>
+      </p:sp>
+      <p:sp>
+        <p:nvSpPr>
+          <p:cNvPr id="2" name="Content Placeholder 1"/>
+          <p:cNvSpPr>
+            <a:spLocks noGrp="1"/>
+          </p:cNvSpPr>
+          <p:nvPr>
+            <p:ph idx="1"/>
           </p:nvPr>
         </p:nvSpPr>
         <p:spPr>
           <a:xfrm>
-            <a:off x="1371600" y="3124200"/>
-            <a:ext cx="6400800" cy="1752600"/>
+            <a:off x="457200" y="1600200"/>
+            <a:ext cx="8458200" cy="4525963"/>
           </a:xfrm>
         </p:spPr>
         <p:txBody>
-          <a:bodyPr/>
-          <a:lstStyle/>
-          <a:p>
+          <a:bodyPr>
+            <a:normAutofit/>
+          </a:bodyPr>
+          <a:lstStyle/>
+          <a:p>
+            <a:r>
+              <a:rPr lang="en-US" sz="2800" dirty="0"/>
+              <a:t>Next Week: 9-25 to 9-29</a:t>
+            </a:r>
+          </a:p>
+          <a:p>
+            <a:r>
+              <a:rPr lang="en-US" sz="2800" dirty="0"/>
+              <a:t>Due to a family health matter, I am not planning to be here on campus at all next week. </a:t>
+            </a:r>
+          </a:p>
+          <a:p>
+            <a:r>
+              <a:rPr lang="en-US" sz="2800" dirty="0"/>
+              <a:t>Monday – “Non-coding Exam”</a:t>
+            </a:r>
+          </a:p>
+          <a:p>
+            <a:r>
+              <a:rPr lang="en-US" sz="2800" dirty="0"/>
+              <a:t>Tuesday – “Coding Exam”</a:t>
+            </a:r>
+          </a:p>
+          <a:p>
+            <a:r>
+              <a:rPr lang="en-US" sz="2800" dirty="0"/>
+              <a:t>Thursday – Introduction to Recursion</a:t>
+            </a:r>
+          </a:p>
+          <a:p>
+            <a:pPr lvl="1"/>
             <a:r>
               <a:rPr lang="en-US" dirty="0"/>
-              <a:t>Variable Scope</a:t>
-            </a:r>
-          </a:p>
-          <a:p>
-            <a:r>
-              <a:rPr lang="en-US" dirty="0"/>
-              <a:t>Console Input</a:t>
-            </a:r>
-          </a:p>
-          <a:p>
-            <a:r>
-              <a:rPr lang="en-US" dirty="0"/>
-              <a:t>Unit Testing</a:t>
-            </a:r>
-          </a:p>
-        </p:txBody>
-      </p:sp>
-      <p:sp>
-        <p:nvSpPr>
-          <p:cNvPr id="3" name="Rectangle 2">
-            <a:extLst>
-              <a:ext uri="{FF2B5EF4-FFF2-40B4-BE49-F238E27FC236}">
-                <a16:creationId xmlns:a16="http://schemas.microsoft.com/office/drawing/2014/main" id="{0AF4B67C-EF48-998C-3AFC-31304802D527}"/>
-              </a:ext>
-            </a:extLst>
-          </p:cNvPr>
-          <p:cNvSpPr/>
-          <p:nvPr/>
-        </p:nvSpPr>
-        <p:spPr>
-          <a:xfrm>
-            <a:off x="304800" y="5105400"/>
-            <a:ext cx="8534400" cy="1295400"/>
-          </a:xfrm>
-          <a:prstGeom prst="rect">
-            <a:avLst/>
-          </a:prstGeom>
-          <a:solidFill>
-            <a:schemeClr val="accent3"/>
-          </a:solidFill>
-        </p:spPr>
-        <p:style>
-          <a:lnRef idx="2">
-            <a:schemeClr val="accent3">
-              <a:shade val="50000"/>
-            </a:schemeClr>
-          </a:lnRef>
-          <a:fillRef idx="1">
-            <a:schemeClr val="accent3"/>
-          </a:fillRef>
-          <a:effectRef idx="0">
-            <a:schemeClr val="accent3"/>
-          </a:effectRef>
-          <a:fontRef idx="minor">
-            <a:schemeClr val="lt1"/>
-          </a:fontRef>
-        </p:style>
-        <p:txBody>
-          <a:bodyPr rtlCol="0" anchor="ctr"/>
-          <a:lstStyle/>
-          <a:p>
-            <a:r>
-              <a:rPr lang="en-US" sz="2400" dirty="0">
-                <a:solidFill>
-                  <a:srgbClr val="FFFFFF"/>
-                </a:solidFill>
-              </a:rPr>
-              <a:t>The </a:t>
-            </a:r>
-            <a:r>
-              <a:rPr lang="en-US" sz="2400" i="1" dirty="0">
-                <a:solidFill>
-                  <a:srgbClr val="FFFFFF"/>
-                </a:solidFill>
-              </a:rPr>
-              <a:t>git</a:t>
-            </a:r>
-            <a:r>
-              <a:rPr lang="en-US" sz="2400" dirty="0">
-                <a:solidFill>
-                  <a:srgbClr val="FFFFFF"/>
-                </a:solidFill>
-              </a:rPr>
-              <a:t> projects for today are:</a:t>
-            </a:r>
-          </a:p>
-          <a:p>
-            <a:pPr marL="342900" indent="-342900">
-              <a:buFont typeface="Arial" panose="020B0604020202020204" pitchFamily="34" charset="0"/>
-              <a:buChar char="•"/>
-            </a:pPr>
-            <a:r>
-              <a:rPr lang="en-US" sz="2400" i="1" dirty="0" err="1"/>
-              <a:t>PracticeConsoleAndUnitTesting</a:t>
-            </a:r>
-            <a:endParaRPr lang="en-US" sz="2400" i="1" dirty="0"/>
-          </a:p>
-          <a:p>
-            <a:pPr marL="342900" indent="-342900">
-              <a:buFont typeface="Arial" panose="020B0604020202020204" pitchFamily="34" charset="0"/>
-              <a:buChar char="•"/>
-            </a:pPr>
-            <a:r>
-              <a:rPr lang="en-US" sz="2400" i="1" dirty="0" err="1"/>
-              <a:t>PracticeConsoleAndUnitTestingSolution</a:t>
-            </a:r>
-            <a:endParaRPr lang="en-US" sz="2400" i="1" dirty="0"/>
-          </a:p>
-        </p:txBody>
-      </p:sp>
-      <p:sp>
-        <p:nvSpPr>
-          <p:cNvPr id="4" name="TextBox 3">
-            <a:extLst>
-              <a:ext uri="{FF2B5EF4-FFF2-40B4-BE49-F238E27FC236}">
-                <a16:creationId xmlns:a16="http://schemas.microsoft.com/office/drawing/2014/main" id="{58341497-5F64-FF61-176C-4F45ACBF6A1C}"/>
-              </a:ext>
-            </a:extLst>
-          </p:cNvPr>
-          <p:cNvSpPr txBox="1"/>
-          <p:nvPr/>
-        </p:nvSpPr>
-        <p:spPr>
-          <a:xfrm>
-            <a:off x="4585447" y="-10818"/>
-            <a:ext cx="4619625" cy="1046440"/>
-          </a:xfrm>
-          <a:prstGeom prst="rect">
-            <a:avLst/>
-          </a:prstGeom>
-          <a:noFill/>
-          <a:ln w="12700" cap="flat">
-            <a:noFill/>
-            <a:miter lim="400000"/>
-          </a:ln>
-          <a:effectLst/>
-        </p:spPr>
-        <p:style>
-          <a:lnRef idx="0">
-            <a:scrgbClr r="0" g="0" b="0"/>
-          </a:lnRef>
-          <a:fillRef idx="0">
-            <a:scrgbClr r="0" g="0" b="0"/>
-          </a:fillRef>
-          <a:effectRef idx="0">
-            <a:scrgbClr r="0" g="0" b="0"/>
-          </a:effectRef>
-          <a:fontRef idx="none"/>
-        </p:style>
-        <p:txBody>
-          <a:bodyPr wrap="square">
-            <a:spAutoFit/>
-          </a:bodyPr>
-          <a:lstStyle/>
-          <a:p>
-            <a:r>
-              <a:rPr lang="en-US" dirty="0">
-                <a:highlight>
-                  <a:srgbClr val="FFFF00"/>
-                </a:highlight>
-              </a:rPr>
-              <a:t>Today’s Attendance password</a:t>
-            </a:r>
-          </a:p>
-          <a:p>
-            <a:r>
-              <a:rPr lang="en-US" sz="4400" dirty="0">
-                <a:highlight>
-                  <a:srgbClr val="FFFF00"/>
-                </a:highlight>
-              </a:rPr>
-              <a:t>__________</a:t>
-            </a:r>
-          </a:p>
-        </p:txBody>
-      </p:sp>
-      <p:pic>
-        <p:nvPicPr>
-          <p:cNvPr id="5" name="Picture 4">
-            <a:extLst>
-              <a:ext uri="{FF2B5EF4-FFF2-40B4-BE49-F238E27FC236}">
-                <a16:creationId xmlns:a16="http://schemas.microsoft.com/office/drawing/2014/main" id="{8A23E0AB-8988-4BB4-9454-AAE0781EEBE9}"/>
-              </a:ext>
-            </a:extLst>
-          </p:cNvPr>
-          <p:cNvPicPr>
-            <a:picLocks noChangeAspect="1"/>
-          </p:cNvPicPr>
-          <p:nvPr/>
-        </p:nvPicPr>
-        <p:blipFill>
-          <a:blip r:embed="rId3"/>
-          <a:stretch>
-            <a:fillRect/>
-          </a:stretch>
-        </p:blipFill>
-        <p:spPr>
-          <a:xfrm>
-            <a:off x="5937409" y="1015626"/>
-            <a:ext cx="2816626" cy="2439173"/>
-          </a:xfrm>
-          <a:prstGeom prst="rect">
-            <a:avLst/>
-          </a:prstGeom>
-        </p:spPr>
-      </p:pic>
+              <a:t>One of the other instructors will most likely give the lecture that day. There are also </a:t>
+            </a:r>
+            <a:r>
+              <a:rPr lang="en-US"/>
+              <a:t>videos available</a:t>
+            </a:r>
+            <a:endParaRPr lang="en-US" dirty="0"/>
+          </a:p>
+        </p:txBody>
+      </p:sp>
     </p:spTree>
+    <p:extLst>
+      <p:ext uri="{BB962C8B-B14F-4D97-AF65-F5344CB8AC3E}">
+        <p14:creationId xmlns:p14="http://schemas.microsoft.com/office/powerpoint/2010/main" val="2312808968"/>
+      </p:ext>
+    </p:extLst>
   </p:cSld>
   <p:clrMapOvr>
     <a:masterClrMapping/>
@@ -4584,7 +4595,7 @@
           <a:p>
             <a:r>
               <a:rPr lang="en-US" dirty="0"/>
-              <a:t>Outline</a:t>
+              <a:t>Announcement</a:t>
             </a:r>
           </a:p>
         </p:txBody>
@@ -4601,30 +4612,63 @@
         </p:nvSpPr>
         <p:spPr/>
         <p:txBody>
-          <a:bodyPr/>
+          <a:bodyPr>
+            <a:normAutofit lnSpcReduction="10000"/>
+          </a:bodyPr>
           <a:lstStyle/>
           <a:p>
             <a:r>
               <a:rPr lang="en-US" dirty="0"/>
-              <a:t>Review: Dependencies, Coupling, Cohesion</a:t>
-            </a:r>
+              <a:t>Two weeks from now: (</a:t>
+            </a:r>
+            <a:r>
+              <a:rPr lang="en-US" b="0" i="0" dirty="0">
+                <a:solidFill>
+                  <a:srgbClr val="000000"/>
+                </a:solidFill>
+                <a:effectLst/>
+                <a:latin typeface="Aptos" panose="020B0004020202020204" pitchFamily="34" charset="0"/>
+              </a:rPr>
+              <a:t>10-2 to 10-3)</a:t>
+            </a:r>
+            <a:endParaRPr lang="en-US" dirty="0"/>
           </a:p>
           <a:p>
             <a:r>
               <a:rPr lang="en-US" dirty="0"/>
-              <a:t>Variable Scoping</a:t>
+              <a:t>Depending on the state of the family health matter, I might or might not return the following week </a:t>
             </a:r>
           </a:p>
           <a:p>
             <a:r>
               <a:rPr lang="en-US" dirty="0"/>
-              <a:t>Console Input</a:t>
-            </a:r>
-          </a:p>
-          <a:p>
+              <a:t>Monday – “Coupling and Cohesion”</a:t>
+            </a:r>
+          </a:p>
+          <a:p>
+            <a:pPr lvl="1"/>
             <a:r>
               <a:rPr lang="en-US" dirty="0"/>
-              <a:t>Unit Testing</a:t>
+              <a:t>Guest lecturer or Videos available</a:t>
+            </a:r>
+          </a:p>
+          <a:p>
+            <a:r>
+              <a:rPr lang="en-US" dirty="0"/>
+              <a:t>Tuesday – “More Recursion More Interfaces”</a:t>
+            </a:r>
+          </a:p>
+          <a:p>
+            <a:pPr lvl="1"/>
+            <a:r>
+              <a:rPr lang="en-US" dirty="0"/>
+              <a:t>Guest lecturer or Videos available</a:t>
+            </a:r>
+          </a:p>
+          <a:p>
+            <a:r>
+              <a:rPr lang="en-US" dirty="0"/>
+              <a:t>Thursday – Fall Break begins</a:t>
             </a:r>
           </a:p>
         </p:txBody>
@@ -4632,7 +4676,7 @@
     </p:spTree>
     <p:extLst>
       <p:ext uri="{BB962C8B-B14F-4D97-AF65-F5344CB8AC3E}">
-        <p14:creationId xmlns:p14="http://schemas.microsoft.com/office/powerpoint/2010/main" val="357242820"/>
+        <p14:creationId xmlns:p14="http://schemas.microsoft.com/office/powerpoint/2010/main" val="371134595"/>
       </p:ext>
     </p:extLst>
   </p:cSld>
@@ -4661,7 +4705,7 @@
       </p:grpSpPr>
       <p:sp>
         <p:nvSpPr>
-          <p:cNvPr id="2" name="Title 1"/>
+          <p:cNvPr id="3" name="Title 2"/>
           <p:cNvSpPr>
             <a:spLocks noGrp="1"/>
           </p:cNvSpPr>
@@ -4676,14 +4720,14 @@
           <a:p>
             <a:r>
               <a:rPr lang="en-US" dirty="0"/>
-              <a:t>Review</a:t>
-            </a:r>
-          </a:p>
-        </p:txBody>
-      </p:sp>
-      <p:sp>
-        <p:nvSpPr>
-          <p:cNvPr id="3" name="Content Placeholder 2"/>
+              <a:t>Announcement</a:t>
+            </a:r>
+          </a:p>
+        </p:txBody>
+      </p:sp>
+      <p:sp>
+        <p:nvSpPr>
+          <p:cNvPr id="2" name="Content Placeholder 1"/>
           <p:cNvSpPr>
             <a:spLocks noGrp="1"/>
           </p:cNvSpPr>
@@ -4693,42 +4737,40 @@
         </p:nvSpPr>
         <p:spPr/>
         <p:txBody>
-          <a:bodyPr/>
-          <a:lstStyle/>
-          <a:p>
-            <a:pPr marL="0" indent="0">
-              <a:buNone/>
-            </a:pPr>
-            <a:r>
-              <a:rPr lang="en-US" b="1" dirty="0"/>
-              <a:t>Encapsulation</a:t>
-            </a:r>
-          </a:p>
+          <a:bodyPr>
+            <a:normAutofit lnSpcReduction="10000"/>
+          </a:bodyPr>
+          <a:lstStyle/>
           <a:p>
             <a:r>
               <a:rPr lang="en-US" dirty="0"/>
-              <a:t>Collocate within a class data fields and the methods that work on those fields</a:t>
+              <a:t>During periods of my absence due to the nature of the family matter I might not be quick to reply to emails or messages</a:t>
             </a:r>
           </a:p>
           <a:p>
             <a:r>
               <a:rPr lang="en-US" dirty="0"/>
-              <a:t>Use </a:t>
-            </a:r>
-            <a:r>
-              <a:rPr lang="en-US" dirty="0">
-                <a:latin typeface="Courier New" panose="02070309020205020404" pitchFamily="49" charset="0"/>
-                <a:cs typeface="Courier New" panose="02070309020205020404" pitchFamily="49" charset="0"/>
-              </a:rPr>
-              <a:t>private</a:t>
+              <a:t>Please utilize </a:t>
+            </a:r>
+            <a:r>
+              <a:rPr lang="en-US" u="sng" dirty="0"/>
+              <a:t>Piazza</a:t>
             </a:r>
             <a:r>
               <a:rPr lang="en-US" dirty="0"/>
-              <a:t> keyword for most data fields, this is called </a:t>
-            </a:r>
-            <a:r>
-              <a:rPr lang="en-US" i="1" dirty="0"/>
-              <a:t>compiler enforced encapsulation</a:t>
+              <a:t> during this time so that multiple people can respond in a timely manner.</a:t>
+            </a:r>
+          </a:p>
+          <a:p>
+            <a:r>
+              <a:rPr lang="en-US" dirty="0"/>
+              <a:t>I look forward to returning soon!</a:t>
+            </a:r>
+          </a:p>
+          <a:p>
+            <a:r>
+              <a:rPr lang="en-US" dirty="0"/>
+              <a:t>If you have any questions, please reach out this week, I am happy to answer them.</a:t>
             </a:r>
           </a:p>
         </p:txBody>
@@ -4736,1076 +4778,7 @@
     </p:spTree>
     <p:extLst>
       <p:ext uri="{BB962C8B-B14F-4D97-AF65-F5344CB8AC3E}">
-        <p14:creationId xmlns:p14="http://schemas.microsoft.com/office/powerpoint/2010/main" val="1488292398"/>
-      </p:ext>
-    </p:extLst>
-  </p:cSld>
-  <p:clrMapOvr>
-    <a:masterClrMapping/>
-  </p:clrMapOvr>
-</p:sld>
-</file>
-
-<file path=ppt/slides/slide4.xml><?xml version="1.0" encoding="utf-8"?>
-<p:sld xmlns:a="http://schemas.openxmlformats.org/drawingml/2006/main" xmlns:r="http://schemas.openxmlformats.org/officeDocument/2006/relationships" xmlns:p="http://schemas.openxmlformats.org/presentationml/2006/main">
-  <p:cSld>
-    <p:spTree>
-      <p:nvGrpSpPr>
-        <p:cNvPr id="1" name=""/>
-        <p:cNvGrpSpPr/>
-        <p:nvPr/>
-      </p:nvGrpSpPr>
-      <p:grpSpPr>
-        <a:xfrm>
-          <a:off x="0" y="0"/>
-          <a:ext cx="0" cy="0"/>
-          <a:chOff x="0" y="0"/>
-          <a:chExt cx="0" cy="0"/>
-        </a:xfrm>
-      </p:grpSpPr>
-      <p:sp>
-        <p:nvSpPr>
-          <p:cNvPr id="2" name="Title 1"/>
-          <p:cNvSpPr>
-            <a:spLocks noGrp="1"/>
-          </p:cNvSpPr>
-          <p:nvPr>
-            <p:ph type="title"/>
-          </p:nvPr>
-        </p:nvSpPr>
-        <p:spPr/>
-        <p:txBody>
-          <a:bodyPr/>
-          <a:lstStyle/>
-          <a:p>
-            <a:r>
-              <a:rPr lang="en-US" dirty="0"/>
-              <a:t>Review</a:t>
-            </a:r>
-          </a:p>
-        </p:txBody>
-      </p:sp>
-      <p:sp>
-        <p:nvSpPr>
-          <p:cNvPr id="3" name="Content Placeholder 2"/>
-          <p:cNvSpPr>
-            <a:spLocks noGrp="1"/>
-          </p:cNvSpPr>
-          <p:nvPr>
-            <p:ph idx="1"/>
-          </p:nvPr>
-        </p:nvSpPr>
-        <p:spPr/>
-        <p:txBody>
-          <a:bodyPr>
-            <a:normAutofit lnSpcReduction="10000"/>
-          </a:bodyPr>
-          <a:lstStyle/>
-          <a:p>
-            <a:pPr marL="0" indent="0">
-              <a:buNone/>
-            </a:pPr>
-            <a:r>
-              <a:rPr lang="en-US" b="1" dirty="0"/>
-              <a:t>Minimize Dependencies by (low coupling)</a:t>
-            </a:r>
-            <a:r>
-              <a:rPr lang="en-US" dirty="0"/>
-              <a:t>:</a:t>
-            </a:r>
-          </a:p>
-          <a:p>
-            <a:pPr marL="971550" lvl="1" indent="-514350">
-              <a:buFont typeface="+mj-lt"/>
-              <a:buAutoNum type="arabicPeriod"/>
-            </a:pPr>
-            <a:r>
-              <a:rPr lang="en-US" dirty="0"/>
-              <a:t>Using </a:t>
-            </a:r>
-            <a:r>
-              <a:rPr lang="en-US" i="1" dirty="0"/>
-              <a:t>tell don’t ask</a:t>
-            </a:r>
-            <a:r>
-              <a:rPr lang="en-US" dirty="0"/>
-              <a:t> – when a </a:t>
-            </a:r>
-            <a:r>
-              <a:rPr lang="en-US" u="sng" dirty="0"/>
-              <a:t>client</a:t>
-            </a:r>
-            <a:r>
-              <a:rPr lang="en-US" dirty="0"/>
-              <a:t> of a class has an algorithm that could be located within that class (this is an </a:t>
-            </a:r>
-            <a:r>
-              <a:rPr lang="en-US" i="1" dirty="0"/>
-              <a:t>ask</a:t>
-            </a:r>
-            <a:r>
-              <a:rPr lang="en-US" dirty="0"/>
-              <a:t> algorithm), move that algorithm/method from client into the class (so it becomes a </a:t>
-            </a:r>
-            <a:r>
-              <a:rPr lang="en-US" i="1" dirty="0"/>
-              <a:t>tell</a:t>
-            </a:r>
-            <a:r>
-              <a:rPr lang="en-US" dirty="0"/>
-              <a:t> algorithm)</a:t>
-            </a:r>
-          </a:p>
-          <a:p>
-            <a:pPr marL="971550" lvl="1" indent="-514350">
-              <a:buFont typeface="+mj-lt"/>
-              <a:buAutoNum type="arabicPeriod"/>
-            </a:pPr>
-            <a:r>
-              <a:rPr lang="en-US" dirty="0"/>
-              <a:t>Don’t use message chains – instead instrument the called-on classes to provide methods to do the work</a:t>
-            </a:r>
-          </a:p>
-          <a:p>
-            <a:pPr lvl="1"/>
-            <a:r>
-              <a:rPr lang="en-US" i="1" dirty="0"/>
-              <a:t>Low</a:t>
-            </a:r>
-            <a:r>
-              <a:rPr lang="en-US" dirty="0"/>
-              <a:t> </a:t>
-            </a:r>
-            <a:r>
-              <a:rPr lang="en-US" i="1" dirty="0"/>
-              <a:t>coupling</a:t>
-            </a:r>
-            <a:r>
-              <a:rPr lang="en-US" dirty="0"/>
-              <a:t> means dependencies are minimized</a:t>
-            </a:r>
-          </a:p>
-        </p:txBody>
-      </p:sp>
-    </p:spTree>
-    <p:extLst>
-      <p:ext uri="{BB962C8B-B14F-4D97-AF65-F5344CB8AC3E}">
-        <p14:creationId xmlns:p14="http://schemas.microsoft.com/office/powerpoint/2010/main" val="3160988734"/>
-      </p:ext>
-    </p:extLst>
-  </p:cSld>
-  <p:clrMapOvr>
-    <a:masterClrMapping/>
-  </p:clrMapOvr>
-</p:sld>
-</file>
-
-<file path=ppt/slides/slide5.xml><?xml version="1.0" encoding="utf-8"?>
-<p:sld xmlns:a="http://schemas.openxmlformats.org/drawingml/2006/main" xmlns:r="http://schemas.openxmlformats.org/officeDocument/2006/relationships" xmlns:p="http://schemas.openxmlformats.org/presentationml/2006/main">
-  <p:cSld>
-    <p:spTree>
-      <p:nvGrpSpPr>
-        <p:cNvPr id="1" name=""/>
-        <p:cNvGrpSpPr/>
-        <p:nvPr/>
-      </p:nvGrpSpPr>
-      <p:grpSpPr>
-        <a:xfrm>
-          <a:off x="0" y="0"/>
-          <a:ext cx="0" cy="0"/>
-          <a:chOff x="0" y="0"/>
-          <a:chExt cx="0" cy="0"/>
-        </a:xfrm>
-      </p:grpSpPr>
-      <p:sp>
-        <p:nvSpPr>
-          <p:cNvPr id="2" name="Title 1"/>
-          <p:cNvSpPr>
-            <a:spLocks noGrp="1"/>
-          </p:cNvSpPr>
-          <p:nvPr>
-            <p:ph type="title"/>
-          </p:nvPr>
-        </p:nvSpPr>
-        <p:spPr/>
-        <p:txBody>
-          <a:bodyPr/>
-          <a:lstStyle/>
-          <a:p>
-            <a:r>
-              <a:rPr lang="en-US" dirty="0"/>
-              <a:t>Review</a:t>
-            </a:r>
-          </a:p>
-        </p:txBody>
-      </p:sp>
-      <p:sp>
-        <p:nvSpPr>
-          <p:cNvPr id="3" name="Content Placeholder 2"/>
-          <p:cNvSpPr>
-            <a:spLocks noGrp="1"/>
-          </p:cNvSpPr>
-          <p:nvPr>
-            <p:ph idx="1"/>
-          </p:nvPr>
-        </p:nvSpPr>
-        <p:spPr>
-          <a:xfrm>
-            <a:off x="457200" y="1600200"/>
-            <a:ext cx="8382000" cy="4525963"/>
-          </a:xfrm>
-        </p:spPr>
-        <p:txBody>
-          <a:bodyPr/>
-          <a:lstStyle/>
-          <a:p>
-            <a:pPr marL="0" indent="0">
-              <a:buNone/>
-            </a:pPr>
-            <a:r>
-              <a:rPr lang="en-US" b="1" dirty="0"/>
-              <a:t>High Cohesion Rule for Classes</a:t>
-            </a:r>
-          </a:p>
-          <a:p>
-            <a:r>
-              <a:rPr lang="en-US" dirty="0"/>
-              <a:t>Make each class do one thing well</a:t>
-            </a:r>
-          </a:p>
-          <a:p>
-            <a:endParaRPr lang="en-US" dirty="0"/>
-          </a:p>
-          <a:p>
-            <a:pPr marL="0" indent="0">
-              <a:buNone/>
-            </a:pPr>
-            <a:r>
-              <a:rPr lang="en-US" b="1" dirty="0"/>
-              <a:t>Micro-Cohesion Rules for Class Implementations</a:t>
-            </a:r>
-          </a:p>
-          <a:p>
-            <a:r>
-              <a:rPr lang="en-US" dirty="0"/>
-              <a:t>Make each operation do one thing well</a:t>
-            </a:r>
-          </a:p>
-          <a:p>
-            <a:r>
-              <a:rPr lang="en-US" dirty="0"/>
-              <a:t>Make each loop do only one thing</a:t>
-            </a:r>
-          </a:p>
-        </p:txBody>
-      </p:sp>
-    </p:spTree>
-    <p:extLst>
-      <p:ext uri="{BB962C8B-B14F-4D97-AF65-F5344CB8AC3E}">
-        <p14:creationId xmlns:p14="http://schemas.microsoft.com/office/powerpoint/2010/main" val="517551583"/>
-      </p:ext>
-    </p:extLst>
-  </p:cSld>
-  <p:clrMapOvr>
-    <a:masterClrMapping/>
-  </p:clrMapOvr>
-</p:sld>
-</file>
-
-<file path=ppt/slides/slide6.xml><?xml version="1.0" encoding="utf-8"?>
-<p:sld xmlns:a="http://schemas.openxmlformats.org/drawingml/2006/main" xmlns:r="http://schemas.openxmlformats.org/officeDocument/2006/relationships" xmlns:p="http://schemas.openxmlformats.org/presentationml/2006/main">
-  <p:cSld>
-    <p:spTree>
-      <p:nvGrpSpPr>
-        <p:cNvPr id="1" name=""/>
-        <p:cNvGrpSpPr/>
-        <p:nvPr/>
-      </p:nvGrpSpPr>
-      <p:grpSpPr>
-        <a:xfrm>
-          <a:off x="0" y="0"/>
-          <a:ext cx="0" cy="0"/>
-          <a:chOff x="0" y="0"/>
-          <a:chExt cx="0" cy="0"/>
-        </a:xfrm>
-      </p:grpSpPr>
-      <p:sp>
-        <p:nvSpPr>
-          <p:cNvPr id="2" name="Title 1"/>
-          <p:cNvSpPr>
-            <a:spLocks noGrp="1"/>
-          </p:cNvSpPr>
-          <p:nvPr>
-            <p:ph type="title"/>
-          </p:nvPr>
-        </p:nvSpPr>
-        <p:spPr>
-          <a:xfrm>
-            <a:off x="628650" y="365127"/>
-            <a:ext cx="7886700" cy="922498"/>
-          </a:xfrm>
-        </p:spPr>
-        <p:txBody>
-          <a:bodyPr>
-            <a:normAutofit/>
-          </a:bodyPr>
-          <a:lstStyle/>
-          <a:p>
-            <a:r>
-              <a:rPr lang="en-US" dirty="0"/>
-              <a:t>Questions about DPs thus far?</a:t>
-            </a:r>
-          </a:p>
-        </p:txBody>
-      </p:sp>
-      <p:sp>
-        <p:nvSpPr>
-          <p:cNvPr id="3" name="Content Placeholder 2"/>
-          <p:cNvSpPr>
-            <a:spLocks noGrp="1"/>
-          </p:cNvSpPr>
-          <p:nvPr>
-            <p:ph idx="1"/>
-          </p:nvPr>
-        </p:nvSpPr>
-        <p:spPr>
-          <a:xfrm>
-            <a:off x="335901" y="1287625"/>
-            <a:ext cx="8546841" cy="5570375"/>
-          </a:xfrm>
-        </p:spPr>
-        <p:txBody>
-          <a:bodyPr>
-            <a:normAutofit fontScale="62500" lnSpcReduction="20000"/>
-          </a:bodyPr>
-          <a:lstStyle/>
-          <a:p>
-            <a:pPr marL="457200" indent="-457200" fontAlgn="base">
-              <a:buFont typeface="+mj-lt"/>
-              <a:buAutoNum type="arabicPeriod"/>
-            </a:pPr>
-            <a:r>
-              <a:rPr lang="en-US" sz="2400" dirty="0">
-                <a:highlight>
-                  <a:srgbClr val="FFFF00"/>
-                </a:highlight>
-              </a:rPr>
-              <a:t>Make sure your design </a:t>
-            </a:r>
-            <a:r>
-              <a:rPr lang="en-US" sz="2400" b="1" dirty="0">
-                <a:highlight>
-                  <a:srgbClr val="FFFF00"/>
-                </a:highlight>
-              </a:rPr>
-              <a:t>allows proper functionality</a:t>
-            </a:r>
-            <a:endParaRPr lang="en-US" sz="2400" dirty="0">
-              <a:highlight>
-                <a:srgbClr val="FFFF00"/>
-              </a:highlight>
-            </a:endParaRPr>
-          </a:p>
-          <a:p>
-            <a:pPr marL="685800" lvl="1" indent="-342900" fontAlgn="base">
-              <a:buFont typeface="+mj-lt"/>
-              <a:buAutoNum type="alphaLcParenR"/>
-            </a:pPr>
-            <a:r>
-              <a:rPr lang="en-US" dirty="0">
-                <a:highlight>
-                  <a:srgbClr val="FFFF00"/>
-                </a:highlight>
-              </a:rPr>
-              <a:t>Must be able to </a:t>
-            </a:r>
-            <a:r>
-              <a:rPr lang="en-US" b="1" dirty="0">
-                <a:highlight>
-                  <a:srgbClr val="FFFF00"/>
-                </a:highlight>
-              </a:rPr>
-              <a:t>store required information</a:t>
-            </a:r>
-            <a:r>
-              <a:rPr lang="en-US" dirty="0">
-                <a:highlight>
-                  <a:srgbClr val="FFFF00"/>
-                </a:highlight>
-              </a:rPr>
-              <a:t> (one/many to one/many relationships)</a:t>
-            </a:r>
-          </a:p>
-          <a:p>
-            <a:pPr marL="685800" lvl="1" indent="-342900" fontAlgn="base">
-              <a:buFont typeface="+mj-lt"/>
-              <a:buAutoNum type="alphaLcParenR"/>
-            </a:pPr>
-            <a:r>
-              <a:rPr lang="en-US" dirty="0">
-                <a:highlight>
-                  <a:srgbClr val="FFFF00"/>
-                </a:highlight>
-              </a:rPr>
-              <a:t>Must be able to </a:t>
-            </a:r>
-            <a:r>
-              <a:rPr lang="en-US" b="1" dirty="0">
-                <a:highlight>
-                  <a:srgbClr val="FFFF00"/>
-                </a:highlight>
-              </a:rPr>
-              <a:t>access the required information</a:t>
-            </a:r>
-            <a:r>
-              <a:rPr lang="en-US" dirty="0">
-                <a:highlight>
-                  <a:srgbClr val="FFFF00"/>
-                </a:highlight>
-              </a:rPr>
-              <a:t> to accomplish tasks</a:t>
-            </a:r>
-          </a:p>
-          <a:p>
-            <a:pPr marL="685800" lvl="1" indent="-342900" fontAlgn="base">
-              <a:buFont typeface="+mj-lt"/>
-              <a:buAutoNum type="alphaLcParenR"/>
-            </a:pPr>
-            <a:r>
-              <a:rPr lang="en-US" dirty="0">
-                <a:highlight>
-                  <a:srgbClr val="FFFF00"/>
-                </a:highlight>
-              </a:rPr>
-              <a:t>Data should </a:t>
-            </a:r>
-            <a:r>
-              <a:rPr lang="en-US" b="1" dirty="0">
-                <a:highlight>
-                  <a:srgbClr val="FFFF00"/>
-                </a:highlight>
-              </a:rPr>
-              <a:t>not be duplicated</a:t>
-            </a:r>
-            <a:r>
-              <a:rPr lang="en-US" dirty="0">
-                <a:highlight>
-                  <a:srgbClr val="FFFF00"/>
-                </a:highlight>
-              </a:rPr>
-              <a:t> (id/identifiers are OK!)</a:t>
-            </a:r>
-            <a:endParaRPr lang="en-US" sz="2400" dirty="0">
-              <a:highlight>
-                <a:srgbClr val="FFFF00"/>
-              </a:highlight>
-            </a:endParaRPr>
-          </a:p>
-          <a:p>
-            <a:pPr marL="457200" indent="-457200">
-              <a:buFont typeface="+mj-lt"/>
-              <a:buAutoNum type="arabicPeriod"/>
-            </a:pPr>
-            <a:r>
-              <a:rPr lang="en-US" sz="2400" dirty="0">
-                <a:highlight>
-                  <a:srgbClr val="FFFF00"/>
-                </a:highlight>
-              </a:rPr>
-              <a:t>Structure design </a:t>
-            </a:r>
-            <a:r>
-              <a:rPr lang="en-US" sz="2400" b="1" dirty="0">
-                <a:highlight>
-                  <a:srgbClr val="FFFF00"/>
-                </a:highlight>
-              </a:rPr>
-              <a:t>around the data</a:t>
-            </a:r>
-            <a:r>
-              <a:rPr lang="en-US" sz="2400" dirty="0">
-                <a:highlight>
-                  <a:srgbClr val="FFFF00"/>
-                </a:highlight>
-              </a:rPr>
-              <a:t> to be stored</a:t>
-            </a:r>
-          </a:p>
-          <a:p>
-            <a:pPr marL="685800" lvl="1" indent="-342900" fontAlgn="base">
-              <a:buFont typeface="+mj-lt"/>
-              <a:buAutoNum type="alphaLcParenR"/>
-            </a:pPr>
-            <a:r>
-              <a:rPr lang="en-US" b="1" dirty="0">
-                <a:highlight>
-                  <a:srgbClr val="FFFF00"/>
-                </a:highlight>
-              </a:rPr>
-              <a:t>Nouns should become classes</a:t>
-            </a:r>
-            <a:endParaRPr lang="en-US" dirty="0">
-              <a:highlight>
-                <a:srgbClr val="FFFF00"/>
-              </a:highlight>
-            </a:endParaRPr>
-          </a:p>
-          <a:p>
-            <a:pPr marL="685800" lvl="1" indent="-342900" fontAlgn="base">
-              <a:buFont typeface="+mj-lt"/>
-              <a:buAutoNum type="alphaLcParenR"/>
-            </a:pPr>
-            <a:r>
-              <a:rPr lang="en-US" b="1" dirty="0">
-                <a:highlight>
-                  <a:srgbClr val="FFFF00"/>
-                </a:highlight>
-              </a:rPr>
-              <a:t>Classes should have intelligent behaviors</a:t>
-            </a:r>
-            <a:r>
-              <a:rPr lang="en-US" dirty="0">
-                <a:highlight>
-                  <a:srgbClr val="FFFF00"/>
-                </a:highlight>
-              </a:rPr>
-              <a:t> (methods) </a:t>
-            </a:r>
-            <a:r>
-              <a:rPr lang="en-US" b="1" dirty="0">
-                <a:highlight>
-                  <a:srgbClr val="FFFF00"/>
-                </a:highlight>
-              </a:rPr>
-              <a:t>that may operate on their data</a:t>
-            </a:r>
-            <a:endParaRPr lang="en-US" dirty="0">
-              <a:highlight>
-                <a:srgbClr val="FFFF00"/>
-              </a:highlight>
-            </a:endParaRPr>
-          </a:p>
-          <a:p>
-            <a:pPr marL="457200" indent="-457200" fontAlgn="base">
-              <a:buFont typeface="+mj-lt"/>
-              <a:buAutoNum type="arabicPeriod"/>
-            </a:pPr>
-            <a:r>
-              <a:rPr lang="en-US" sz="2400" dirty="0">
-                <a:highlight>
-                  <a:srgbClr val="FFFF00"/>
-                </a:highlight>
-              </a:rPr>
-              <a:t>Functionality should be </a:t>
-            </a:r>
-            <a:r>
-              <a:rPr lang="en-US" sz="2400" b="1" dirty="0">
-                <a:highlight>
-                  <a:srgbClr val="FFFF00"/>
-                </a:highlight>
-              </a:rPr>
-              <a:t>distributed efficiently</a:t>
-            </a:r>
-            <a:endParaRPr lang="en-US" sz="2400" dirty="0">
-              <a:highlight>
-                <a:srgbClr val="FFFF00"/>
-              </a:highlight>
-            </a:endParaRPr>
-          </a:p>
-          <a:p>
-            <a:pPr marL="685800" lvl="1" indent="-342900" fontAlgn="base">
-              <a:buFont typeface="+mj-lt"/>
-              <a:buAutoNum type="alphaLcParenR"/>
-            </a:pPr>
-            <a:r>
-              <a:rPr lang="en-US" b="1" dirty="0">
-                <a:highlight>
-                  <a:srgbClr val="FFFF00"/>
-                </a:highlight>
-              </a:rPr>
-              <a:t>No class/part should get too large</a:t>
-            </a:r>
-          </a:p>
-          <a:p>
-            <a:pPr marL="685800" lvl="1" indent="-342900" fontAlgn="base">
-              <a:buFont typeface="+mj-lt"/>
-              <a:buAutoNum type="alphaLcParenR"/>
-            </a:pPr>
-            <a:r>
-              <a:rPr lang="en-US" b="1" dirty="0">
-                <a:highlight>
-                  <a:srgbClr val="FFFF00"/>
-                </a:highlight>
-              </a:rPr>
-              <a:t>Each class should have a single responsibility</a:t>
-            </a:r>
-            <a:r>
-              <a:rPr lang="en-US" dirty="0">
-                <a:highlight>
-                  <a:srgbClr val="FFFF00"/>
-                </a:highlight>
-              </a:rPr>
-              <a:t> it accomplishes</a:t>
-            </a:r>
-          </a:p>
-          <a:p>
-            <a:pPr marL="457200" indent="-457200" fontAlgn="base">
-              <a:buFont typeface="+mj-lt"/>
-              <a:buAutoNum type="arabicPeriod"/>
-            </a:pPr>
-            <a:r>
-              <a:rPr lang="en-US" sz="2400" b="1" dirty="0">
-                <a:highlight>
-                  <a:srgbClr val="FFFF00"/>
-                </a:highlight>
-              </a:rPr>
-              <a:t>Minimize dependencies</a:t>
-            </a:r>
-            <a:r>
-              <a:rPr lang="en-US" sz="2400" dirty="0">
-                <a:highlight>
-                  <a:srgbClr val="FFFF00"/>
-                </a:highlight>
-              </a:rPr>
-              <a:t> between objects when it does not disrupt usability or extendibility</a:t>
-            </a:r>
-          </a:p>
-          <a:p>
-            <a:pPr marL="685800" lvl="1" indent="-342900" fontAlgn="base">
-              <a:buFont typeface="+mj-lt"/>
-              <a:buAutoNum type="alphaLcParenR"/>
-            </a:pPr>
-            <a:r>
-              <a:rPr lang="en-US" dirty="0">
-                <a:highlight>
-                  <a:srgbClr val="FFFF00"/>
-                </a:highlight>
-              </a:rPr>
-              <a:t>Tell don't ask</a:t>
-            </a:r>
-          </a:p>
-          <a:p>
-            <a:pPr marL="685800" lvl="1" indent="-342900" fontAlgn="base">
-              <a:buFont typeface="+mj-lt"/>
-              <a:buAutoNum type="alphaLcParenR"/>
-            </a:pPr>
-            <a:r>
-              <a:rPr lang="en-US" dirty="0">
-                <a:highlight>
-                  <a:srgbClr val="FFFF00"/>
-                </a:highlight>
-              </a:rPr>
-              <a:t>Don't have message chains</a:t>
-            </a:r>
-          </a:p>
-          <a:p>
-            <a:pPr marL="457200" indent="-457200" fontAlgn="base">
-              <a:buFont typeface="+mj-lt"/>
-              <a:buAutoNum type="arabicPeriod"/>
-            </a:pPr>
-            <a:r>
-              <a:rPr lang="en-US" sz="2400" b="1" dirty="0">
-                <a:highlight>
-                  <a:srgbClr val="FFFF00"/>
-                </a:highlight>
-              </a:rPr>
-              <a:t>Don't duplicate</a:t>
-            </a:r>
-            <a:r>
-              <a:rPr lang="en-US" sz="2400" dirty="0">
-                <a:highlight>
-                  <a:srgbClr val="FFFF00"/>
-                </a:highlight>
-              </a:rPr>
-              <a:t> code</a:t>
-            </a:r>
-          </a:p>
-          <a:p>
-            <a:pPr marL="685800" lvl="1" indent="-342900" fontAlgn="base">
-              <a:buFont typeface="+mj-lt"/>
-              <a:buAutoNum type="alphaLcParenR"/>
-            </a:pPr>
-            <a:r>
-              <a:rPr lang="en-US" dirty="0">
-                <a:highlight>
-                  <a:srgbClr val="FFFF00"/>
-                </a:highlight>
-              </a:rPr>
-              <a:t>Similar "chunks" of code should be </a:t>
-            </a:r>
-            <a:r>
-              <a:rPr lang="en-US" b="1" dirty="0">
-                <a:highlight>
-                  <a:srgbClr val="FFFF00"/>
-                </a:highlight>
-              </a:rPr>
-              <a:t>unified into functions</a:t>
-            </a:r>
-            <a:endParaRPr lang="en-US" dirty="0">
-              <a:highlight>
-                <a:srgbClr val="FFFF00"/>
-              </a:highlight>
-            </a:endParaRPr>
-          </a:p>
-          <a:p>
-            <a:pPr marL="685800" lvl="1" indent="-342900" fontAlgn="base">
-              <a:buFont typeface="+mj-lt"/>
-              <a:buAutoNum type="alphaLcParenR"/>
-            </a:pPr>
-            <a:r>
-              <a:rPr lang="en-US" dirty="0"/>
-              <a:t>Classes with similar features should be given </a:t>
-            </a:r>
-            <a:r>
-              <a:rPr lang="en-US" b="1" dirty="0"/>
-              <a:t>common interfaces</a:t>
-            </a:r>
-            <a:endParaRPr lang="en-US" dirty="0"/>
-          </a:p>
-          <a:p>
-            <a:pPr marL="685800" lvl="1" indent="-342900">
-              <a:buFont typeface="+mj-lt"/>
-              <a:buAutoNum type="alphaLcParenR"/>
-            </a:pPr>
-            <a:r>
-              <a:rPr lang="en-US" dirty="0"/>
-              <a:t>Classes with similar internals should be simplified using </a:t>
-            </a:r>
-            <a:r>
-              <a:rPr lang="en-US" b="1" dirty="0"/>
-              <a:t>inheritance</a:t>
-            </a:r>
-            <a:endParaRPr lang="en-US" dirty="0"/>
-          </a:p>
-        </p:txBody>
-      </p:sp>
-    </p:spTree>
-    <p:extLst>
-      <p:ext uri="{BB962C8B-B14F-4D97-AF65-F5344CB8AC3E}">
-        <p14:creationId xmlns:p14="http://schemas.microsoft.com/office/powerpoint/2010/main" val="3813012996"/>
-      </p:ext>
-    </p:extLst>
-  </p:cSld>
-  <p:clrMapOvr>
-    <a:masterClrMapping/>
-  </p:clrMapOvr>
-</p:sld>
-</file>
-
-<file path=ppt/slides/slide7.xml><?xml version="1.0" encoding="utf-8"?>
-<p:sld xmlns:a="http://schemas.openxmlformats.org/drawingml/2006/main" xmlns:r="http://schemas.openxmlformats.org/officeDocument/2006/relationships" xmlns:p="http://schemas.openxmlformats.org/presentationml/2006/main">
-  <p:cSld>
-    <p:spTree>
-      <p:nvGrpSpPr>
-        <p:cNvPr id="1" name=""/>
-        <p:cNvGrpSpPr/>
-        <p:nvPr/>
-      </p:nvGrpSpPr>
-      <p:grpSpPr>
-        <a:xfrm>
-          <a:off x="0" y="0"/>
-          <a:ext cx="0" cy="0"/>
-          <a:chOff x="0" y="0"/>
-          <a:chExt cx="0" cy="0"/>
-        </a:xfrm>
-      </p:grpSpPr>
-      <p:sp>
-        <p:nvSpPr>
-          <p:cNvPr id="2" name="Title 1">
-            <a:extLst>
-              <a:ext uri="{FF2B5EF4-FFF2-40B4-BE49-F238E27FC236}">
-                <a16:creationId xmlns:a16="http://schemas.microsoft.com/office/drawing/2014/main" id="{86790ECD-8183-55EE-2AE4-41CF636EF5F6}"/>
-              </a:ext>
-            </a:extLst>
-          </p:cNvPr>
-          <p:cNvSpPr>
-            <a:spLocks noGrp="1"/>
-          </p:cNvSpPr>
-          <p:nvPr>
-            <p:ph type="title"/>
-          </p:nvPr>
-        </p:nvSpPr>
-        <p:spPr/>
-        <p:txBody>
-          <a:bodyPr/>
-          <a:lstStyle/>
-          <a:p>
-            <a:r>
-              <a:rPr lang="en-US" dirty="0"/>
-              <a:t>Example DPs for Practice!</a:t>
-            </a:r>
-          </a:p>
-        </p:txBody>
-      </p:sp>
-      <p:sp>
-        <p:nvSpPr>
-          <p:cNvPr id="3" name="Content Placeholder 2">
-            <a:extLst>
-              <a:ext uri="{FF2B5EF4-FFF2-40B4-BE49-F238E27FC236}">
-                <a16:creationId xmlns:a16="http://schemas.microsoft.com/office/drawing/2014/main" id="{3353406D-B5E3-38EB-E7A1-3B34C05703B3}"/>
-              </a:ext>
-            </a:extLst>
-          </p:cNvPr>
-          <p:cNvSpPr>
-            <a:spLocks noGrp="1"/>
-          </p:cNvSpPr>
-          <p:nvPr>
-            <p:ph idx="1"/>
-          </p:nvPr>
-        </p:nvSpPr>
-        <p:spPr>
-          <a:xfrm>
-            <a:off x="280219" y="1600200"/>
-            <a:ext cx="5114925" cy="2392363"/>
-          </a:xfrm>
-        </p:spPr>
-        <p:txBody>
-          <a:bodyPr/>
-          <a:lstStyle/>
-          <a:p>
-            <a:pPr marL="0" indent="0">
-              <a:buNone/>
-            </a:pPr>
-            <a:r>
-              <a:rPr lang="en-US" dirty="0">
-                <a:hlinkClick r:id="rId2"/>
-              </a:rPr>
-              <a:t>https://github.com/RHIT-CSSE/csse220/tree/master/Docs/ExampleDesignProblems</a:t>
-            </a:r>
-            <a:endParaRPr lang="en-US" dirty="0"/>
-          </a:p>
-          <a:p>
-            <a:endParaRPr lang="en-US" dirty="0"/>
-          </a:p>
-        </p:txBody>
-      </p:sp>
-      <p:pic>
-        <p:nvPicPr>
-          <p:cNvPr id="7" name="Picture 6">
-            <a:extLst>
-              <a:ext uri="{FF2B5EF4-FFF2-40B4-BE49-F238E27FC236}">
-                <a16:creationId xmlns:a16="http://schemas.microsoft.com/office/drawing/2014/main" id="{2E13484C-A117-05BB-2909-5FBE42364E7D}"/>
-              </a:ext>
-            </a:extLst>
-          </p:cNvPr>
-          <p:cNvPicPr>
-            <a:picLocks noChangeAspect="1"/>
-          </p:cNvPicPr>
-          <p:nvPr/>
-        </p:nvPicPr>
-        <p:blipFill>
-          <a:blip r:embed="rId3"/>
-          <a:stretch>
-            <a:fillRect/>
-          </a:stretch>
-        </p:blipFill>
-        <p:spPr>
-          <a:xfrm>
-            <a:off x="248264" y="3505200"/>
-            <a:ext cx="5387770" cy="2268063"/>
-          </a:xfrm>
-          <a:prstGeom prst="rect">
-            <a:avLst/>
-          </a:prstGeom>
-          <a:ln>
-            <a:solidFill>
-              <a:schemeClr val="tx1"/>
-            </a:solidFill>
-          </a:ln>
-        </p:spPr>
-      </p:pic>
-      <p:pic>
-        <p:nvPicPr>
-          <p:cNvPr id="6" name="Picture 5">
-            <a:extLst>
-              <a:ext uri="{FF2B5EF4-FFF2-40B4-BE49-F238E27FC236}">
-                <a16:creationId xmlns:a16="http://schemas.microsoft.com/office/drawing/2014/main" id="{363416B3-746A-CEDF-0C4E-E93A7CBC6819}"/>
-              </a:ext>
-            </a:extLst>
-          </p:cNvPr>
-          <p:cNvPicPr>
-            <a:picLocks noChangeAspect="1"/>
-          </p:cNvPicPr>
-          <p:nvPr/>
-        </p:nvPicPr>
-        <p:blipFill>
-          <a:blip r:embed="rId4"/>
-          <a:stretch>
-            <a:fillRect/>
-          </a:stretch>
-        </p:blipFill>
-        <p:spPr>
-          <a:xfrm>
-            <a:off x="6336437" y="1524000"/>
-            <a:ext cx="2593175" cy="5127912"/>
-          </a:xfrm>
-          <a:prstGeom prst="rect">
-            <a:avLst/>
-          </a:prstGeom>
-          <a:ln>
-            <a:solidFill>
-              <a:schemeClr val="tx1"/>
-            </a:solidFill>
-          </a:ln>
-        </p:spPr>
-      </p:pic>
-      <mc:AlternateContent xmlns:mc="http://schemas.openxmlformats.org/markup-compatibility/2006">
-        <mc:Choice xmlns:p14="http://schemas.microsoft.com/office/powerpoint/2010/main" Requires="p14">
-          <p:contentPart p14:bwMode="auto" r:id="rId5">
-            <p14:nvContentPartPr>
-              <p14:cNvPr id="8" name="Ink 7">
-                <a:extLst>
-                  <a:ext uri="{FF2B5EF4-FFF2-40B4-BE49-F238E27FC236}">
-                    <a16:creationId xmlns:a16="http://schemas.microsoft.com/office/drawing/2014/main" id="{F5D47A91-31E5-85CC-5987-139CB7F41541}"/>
-                  </a:ext>
-                </a:extLst>
-              </p14:cNvPr>
-              <p14:cNvContentPartPr/>
-              <p14:nvPr/>
-            </p14:nvContentPartPr>
-            <p14:xfrm>
-              <a:off x="6495145" y="5443796"/>
-              <a:ext cx="577440" cy="11880"/>
-            </p14:xfrm>
-          </p:contentPart>
-        </mc:Choice>
-        <mc:Fallback>
-          <p:pic>
-            <p:nvPicPr>
-              <p:cNvPr id="8" name="Ink 7">
-                <a:extLst>
-                  <a:ext uri="{FF2B5EF4-FFF2-40B4-BE49-F238E27FC236}">
-                    <a16:creationId xmlns:a16="http://schemas.microsoft.com/office/drawing/2014/main" id="{F5D47A91-31E5-85CC-5987-139CB7F41541}"/>
-                  </a:ext>
-                </a:extLst>
-              </p:cNvPr>
-              <p:cNvPicPr/>
-              <p:nvPr/>
-            </p:nvPicPr>
-            <p:blipFill>
-              <a:blip r:embed="rId6"/>
-              <a:stretch>
-                <a:fillRect/>
-              </a:stretch>
-            </p:blipFill>
-            <p:spPr>
-              <a:xfrm>
-                <a:off x="6486505" y="5434796"/>
-                <a:ext cx="595080" cy="29520"/>
-              </a:xfrm>
-              <a:prstGeom prst="rect">
-                <a:avLst/>
-              </a:prstGeom>
-            </p:spPr>
-          </p:pic>
-        </mc:Fallback>
-      </mc:AlternateContent>
-      <mc:AlternateContent xmlns:mc="http://schemas.openxmlformats.org/markup-compatibility/2006">
-        <mc:Choice xmlns:p14="http://schemas.microsoft.com/office/powerpoint/2010/main" Requires="p14">
-          <p:contentPart p14:bwMode="auto" r:id="rId7">
-            <p14:nvContentPartPr>
-              <p14:cNvPr id="9" name="Ink 8">
-                <a:extLst>
-                  <a:ext uri="{FF2B5EF4-FFF2-40B4-BE49-F238E27FC236}">
-                    <a16:creationId xmlns:a16="http://schemas.microsoft.com/office/drawing/2014/main" id="{D64EAF92-0FEB-149E-7A90-CC17D2302C26}"/>
-                  </a:ext>
-                </a:extLst>
-              </p14:cNvPr>
-              <p14:cNvContentPartPr/>
-              <p14:nvPr/>
-            </p14:nvContentPartPr>
-            <p14:xfrm>
-              <a:off x="6085105" y="6044996"/>
-              <a:ext cx="514440" cy="171720"/>
-            </p14:xfrm>
-          </p:contentPart>
-        </mc:Choice>
-        <mc:Fallback>
-          <p:pic>
-            <p:nvPicPr>
-              <p:cNvPr id="9" name="Ink 8">
-                <a:extLst>
-                  <a:ext uri="{FF2B5EF4-FFF2-40B4-BE49-F238E27FC236}">
-                    <a16:creationId xmlns:a16="http://schemas.microsoft.com/office/drawing/2014/main" id="{D64EAF92-0FEB-149E-7A90-CC17D2302C26}"/>
-                  </a:ext>
-                </a:extLst>
-              </p:cNvPr>
-              <p:cNvPicPr/>
-              <p:nvPr/>
-            </p:nvPicPr>
-            <p:blipFill>
-              <a:blip r:embed="rId8"/>
-              <a:stretch>
-                <a:fillRect/>
-              </a:stretch>
-            </p:blipFill>
-            <p:spPr>
-              <a:xfrm>
-                <a:off x="6076465" y="6036356"/>
-                <a:ext cx="532080" cy="189360"/>
-              </a:xfrm>
-              <a:prstGeom prst="rect">
-                <a:avLst/>
-              </a:prstGeom>
-            </p:spPr>
-          </p:pic>
-        </mc:Fallback>
-      </mc:AlternateContent>
-      <mc:AlternateContent xmlns:mc="http://schemas.openxmlformats.org/markup-compatibility/2006">
-        <mc:Choice xmlns:p14="http://schemas.microsoft.com/office/powerpoint/2010/main" Requires="p14">
-          <p:contentPart p14:bwMode="auto" r:id="rId9">
-            <p14:nvContentPartPr>
-              <p14:cNvPr id="10" name="Ink 9">
-                <a:extLst>
-                  <a:ext uri="{FF2B5EF4-FFF2-40B4-BE49-F238E27FC236}">
-                    <a16:creationId xmlns:a16="http://schemas.microsoft.com/office/drawing/2014/main" id="{0BE0050B-81D4-1CE5-762D-9ACFFAE5265C}"/>
-                  </a:ext>
-                </a:extLst>
-              </p14:cNvPr>
-              <p14:cNvContentPartPr/>
-              <p14:nvPr/>
-            </p14:nvContentPartPr>
-            <p14:xfrm>
-              <a:off x="6643465" y="6106196"/>
-              <a:ext cx="1060920" cy="53640"/>
-            </p14:xfrm>
-          </p:contentPart>
-        </mc:Choice>
-        <mc:Fallback>
-          <p:pic>
-            <p:nvPicPr>
-              <p:cNvPr id="10" name="Ink 9">
-                <a:extLst>
-                  <a:ext uri="{FF2B5EF4-FFF2-40B4-BE49-F238E27FC236}">
-                    <a16:creationId xmlns:a16="http://schemas.microsoft.com/office/drawing/2014/main" id="{0BE0050B-81D4-1CE5-762D-9ACFFAE5265C}"/>
-                  </a:ext>
-                </a:extLst>
-              </p:cNvPr>
-              <p:cNvPicPr/>
-              <p:nvPr/>
-            </p:nvPicPr>
-            <p:blipFill>
-              <a:blip r:embed="rId10"/>
-              <a:stretch>
-                <a:fillRect/>
-              </a:stretch>
-            </p:blipFill>
-            <p:spPr>
-              <a:xfrm>
-                <a:off x="6589465" y="5998196"/>
-                <a:ext cx="1168560" cy="269280"/>
-              </a:xfrm>
-              <a:prstGeom prst="rect">
-                <a:avLst/>
-              </a:prstGeom>
-            </p:spPr>
-          </p:pic>
-        </mc:Fallback>
-      </mc:AlternateContent>
-    </p:spTree>
-    <p:extLst>
-      <p:ext uri="{BB962C8B-B14F-4D97-AF65-F5344CB8AC3E}">
-        <p14:creationId xmlns:p14="http://schemas.microsoft.com/office/powerpoint/2010/main" val="837567995"/>
+        <p14:creationId xmlns:p14="http://schemas.microsoft.com/office/powerpoint/2010/main" val="629110769"/>
       </p:ext>
     </p:extLst>
   </p:cSld>

--- a/ClassMaterials/IntroToUnitTesting/Slides/Part1-DP-Review.pptx
+++ b/ClassMaterials/IntroToUnitTesting/Slides/Part1-DP-Review.pptx
@@ -5,15 +5,19 @@
     <p:sldMasterId id="2147483927" r:id="rId1"/>
   </p:sldMasterIdLst>
   <p:notesMasterIdLst>
-    <p:notesMasterId r:id="rId5"/>
+    <p:notesMasterId r:id="rId9"/>
   </p:notesMasterIdLst>
   <p:handoutMasterIdLst>
-    <p:handoutMasterId r:id="rId6"/>
+    <p:handoutMasterId r:id="rId10"/>
   </p:handoutMasterIdLst>
   <p:sldIdLst>
-    <p:sldId id="315" r:id="rId2"/>
-    <p:sldId id="316" r:id="rId3"/>
-    <p:sldId id="317" r:id="rId4"/>
+    <p:sldId id="256" r:id="rId2"/>
+    <p:sldId id="257" r:id="rId3"/>
+    <p:sldId id="305" r:id="rId4"/>
+    <p:sldId id="306" r:id="rId5"/>
+    <p:sldId id="293" r:id="rId6"/>
+    <p:sldId id="313" r:id="rId7"/>
+    <p:sldId id="314" r:id="rId8"/>
   </p:sldIdLst>
   <p:sldSz cx="9144000" cy="6858000" type="screen4x3"/>
   <p:notesSz cx="7010400" cy="9296400"/>
@@ -161,193 +165,6 @@
 </p:presentation>
 </file>
 
-<file path=ppt/revisionInfo.xml><?xml version="1.0" encoding="utf-8"?>
-<p1510:revInfo xmlns:a="http://schemas.openxmlformats.org/drawingml/2006/main" xmlns:r="http://schemas.openxmlformats.org/officeDocument/2006/relationships" xmlns:p1510="http://schemas.microsoft.com/office/powerpoint/2015/10/main">
-  <p1510:revLst>
-    <p1510:client id="{9FD5E74B-3D69-475E-A1EB-FAAB4718C682}" v="3" dt="2023-09-18T01:21:07.344"/>
-  </p1510:revLst>
-</p1510:revInfo>
-</file>
-
-<file path=ppt/changesInfos/changesInfo1.xml><?xml version="1.0" encoding="utf-8"?>
-<pc:chgInfo xmlns:a="http://schemas.openxmlformats.org/drawingml/2006/main" xmlns:r="http://schemas.openxmlformats.org/officeDocument/2006/relationships" xmlns:ac="http://schemas.microsoft.com/office/drawing/2013/main/command" xmlns:pc="http://schemas.microsoft.com/office/powerpoint/2013/main/command">
-  <pc:docChgLst>
-    <pc:chgData name="Yoder, Jason" userId="28f4d4d8-da04-4f86-b14d-a21675737bc5" providerId="ADAL" clId="{7917C0C9-FCCD-4A9A-A0EC-354BD2810A26}"/>
-    <pc:docChg chg="modSld">
-      <pc:chgData name="Yoder, Jason" userId="28f4d4d8-da04-4f86-b14d-a21675737bc5" providerId="ADAL" clId="{7917C0C9-FCCD-4A9A-A0EC-354BD2810A26}" dt="2023-09-03T17:46:15.914" v="9" actId="20577"/>
-      <pc:docMkLst>
-        <pc:docMk/>
-      </pc:docMkLst>
-      <pc:sldChg chg="modSp mod">
-        <pc:chgData name="Yoder, Jason" userId="28f4d4d8-da04-4f86-b14d-a21675737bc5" providerId="ADAL" clId="{7917C0C9-FCCD-4A9A-A0EC-354BD2810A26}" dt="2023-09-03T17:46:15.914" v="9" actId="20577"/>
-        <pc:sldMkLst>
-          <pc:docMk/>
-          <pc:sldMk cId="0" sldId="256"/>
-        </pc:sldMkLst>
-        <pc:spChg chg="mod">
-          <ac:chgData name="Yoder, Jason" userId="28f4d4d8-da04-4f86-b14d-a21675737bc5" providerId="ADAL" clId="{7917C0C9-FCCD-4A9A-A0EC-354BD2810A26}" dt="2023-09-03T17:46:15.914" v="9" actId="20577"/>
-          <ac:spMkLst>
-            <pc:docMk/>
-            <pc:sldMk cId="0" sldId="256"/>
-            <ac:spMk id="4" creationId="{58341497-5F64-FF61-176C-4F45ACBF6A1C}"/>
-          </ac:spMkLst>
-        </pc:spChg>
-      </pc:sldChg>
-    </pc:docChg>
-  </pc:docChgLst>
-  <pc:docChgLst>
-    <pc:chgData name="Yoder, Jason" userId="28f4d4d8-da04-4f86-b14d-a21675737bc5" providerId="ADAL" clId="{9FD5E74B-3D69-475E-A1EB-FAAB4718C682}"/>
-    <pc:docChg chg="undo custSel addSld delSld modSld">
-      <pc:chgData name="Yoder, Jason" userId="28f4d4d8-da04-4f86-b14d-a21675737bc5" providerId="ADAL" clId="{9FD5E74B-3D69-475E-A1EB-FAAB4718C682}" dt="2023-09-19T14:48:37.085" v="1364" actId="47"/>
-      <pc:docMkLst>
-        <pc:docMk/>
-      </pc:docMkLst>
-      <pc:sldChg chg="del">
-        <pc:chgData name="Yoder, Jason" userId="28f4d4d8-da04-4f86-b14d-a21675737bc5" providerId="ADAL" clId="{9FD5E74B-3D69-475E-A1EB-FAAB4718C682}" dt="2023-09-19T14:48:30.787" v="1363" actId="47"/>
-        <pc:sldMkLst>
-          <pc:docMk/>
-          <pc:sldMk cId="0" sldId="256"/>
-        </pc:sldMkLst>
-      </pc:sldChg>
-      <pc:sldChg chg="modSp del mod">
-        <pc:chgData name="Yoder, Jason" userId="28f4d4d8-da04-4f86-b14d-a21675737bc5" providerId="ADAL" clId="{9FD5E74B-3D69-475E-A1EB-FAAB4718C682}" dt="2023-09-19T14:48:37.085" v="1364" actId="47"/>
-        <pc:sldMkLst>
-          <pc:docMk/>
-          <pc:sldMk cId="357242820" sldId="257"/>
-        </pc:sldMkLst>
-        <pc:spChg chg="mod">
-          <ac:chgData name="Yoder, Jason" userId="28f4d4d8-da04-4f86-b14d-a21675737bc5" providerId="ADAL" clId="{9FD5E74B-3D69-475E-A1EB-FAAB4718C682}" dt="2023-09-18T11:38:34.964" v="1280" actId="20577"/>
-          <ac:spMkLst>
-            <pc:docMk/>
-            <pc:sldMk cId="357242820" sldId="257"/>
-            <ac:spMk id="2" creationId="{00000000-0000-0000-0000-000000000000}"/>
-          </ac:spMkLst>
-        </pc:spChg>
-      </pc:sldChg>
-      <pc:sldChg chg="del mod modShow">
-        <pc:chgData name="Yoder, Jason" userId="28f4d4d8-da04-4f86-b14d-a21675737bc5" providerId="ADAL" clId="{9FD5E74B-3D69-475E-A1EB-FAAB4718C682}" dt="2023-09-19T14:48:37.085" v="1364" actId="47"/>
-        <pc:sldMkLst>
-          <pc:docMk/>
-          <pc:sldMk cId="517551583" sldId="293"/>
-        </pc:sldMkLst>
-      </pc:sldChg>
-      <pc:sldChg chg="del">
-        <pc:chgData name="Yoder, Jason" userId="28f4d4d8-da04-4f86-b14d-a21675737bc5" providerId="ADAL" clId="{9FD5E74B-3D69-475E-A1EB-FAAB4718C682}" dt="2023-09-19T14:48:37.085" v="1364" actId="47"/>
-        <pc:sldMkLst>
-          <pc:docMk/>
-          <pc:sldMk cId="1488292398" sldId="305"/>
-        </pc:sldMkLst>
-      </pc:sldChg>
-      <pc:sldChg chg="del mod modShow">
-        <pc:chgData name="Yoder, Jason" userId="28f4d4d8-da04-4f86-b14d-a21675737bc5" providerId="ADAL" clId="{9FD5E74B-3D69-475E-A1EB-FAAB4718C682}" dt="2023-09-19T14:48:37.085" v="1364" actId="47"/>
-        <pc:sldMkLst>
-          <pc:docMk/>
-          <pc:sldMk cId="3160988734" sldId="306"/>
-        </pc:sldMkLst>
-      </pc:sldChg>
-      <pc:sldChg chg="del mod modShow">
-        <pc:chgData name="Yoder, Jason" userId="28f4d4d8-da04-4f86-b14d-a21675737bc5" providerId="ADAL" clId="{9FD5E74B-3D69-475E-A1EB-FAAB4718C682}" dt="2023-09-19T14:48:37.085" v="1364" actId="47"/>
-        <pc:sldMkLst>
-          <pc:docMk/>
-          <pc:sldMk cId="3813012996" sldId="313"/>
-        </pc:sldMkLst>
-      </pc:sldChg>
-      <pc:sldChg chg="del">
-        <pc:chgData name="Yoder, Jason" userId="28f4d4d8-da04-4f86-b14d-a21675737bc5" providerId="ADAL" clId="{9FD5E74B-3D69-475E-A1EB-FAAB4718C682}" dt="2023-09-19T14:48:37.085" v="1364" actId="47"/>
-        <pc:sldMkLst>
-          <pc:docMk/>
-          <pc:sldMk cId="837567995" sldId="314"/>
-        </pc:sldMkLst>
-      </pc:sldChg>
-      <pc:sldChg chg="modSp add mod">
-        <pc:chgData name="Yoder, Jason" userId="28f4d4d8-da04-4f86-b14d-a21675737bc5" providerId="ADAL" clId="{9FD5E74B-3D69-475E-A1EB-FAAB4718C682}" dt="2023-09-18T11:44:28.230" v="1362" actId="20577"/>
-        <pc:sldMkLst>
-          <pc:docMk/>
-          <pc:sldMk cId="2312808968" sldId="315"/>
-        </pc:sldMkLst>
-        <pc:spChg chg="mod">
-          <ac:chgData name="Yoder, Jason" userId="28f4d4d8-da04-4f86-b14d-a21675737bc5" providerId="ADAL" clId="{9FD5E74B-3D69-475E-A1EB-FAAB4718C682}" dt="2023-09-18T11:44:28.230" v="1362" actId="20577"/>
-          <ac:spMkLst>
-            <pc:docMk/>
-            <pc:sldMk cId="2312808968" sldId="315"/>
-            <ac:spMk id="2" creationId="{00000000-0000-0000-0000-000000000000}"/>
-          </ac:spMkLst>
-        </pc:spChg>
-        <pc:spChg chg="mod">
-          <ac:chgData name="Yoder, Jason" userId="28f4d4d8-da04-4f86-b14d-a21675737bc5" providerId="ADAL" clId="{9FD5E74B-3D69-475E-A1EB-FAAB4718C682}" dt="2023-09-18T01:17:09.723" v="13" actId="20577"/>
-          <ac:spMkLst>
-            <pc:docMk/>
-            <pc:sldMk cId="2312808968" sldId="315"/>
-            <ac:spMk id="3" creationId="{00000000-0000-0000-0000-000000000000}"/>
-          </ac:spMkLst>
-        </pc:spChg>
-      </pc:sldChg>
-      <pc:sldChg chg="modSp add mod">
-        <pc:chgData name="Yoder, Jason" userId="28f4d4d8-da04-4f86-b14d-a21675737bc5" providerId="ADAL" clId="{9FD5E74B-3D69-475E-A1EB-FAAB4718C682}" dt="2023-09-18T11:43:14.507" v="1352" actId="20577"/>
-        <pc:sldMkLst>
-          <pc:docMk/>
-          <pc:sldMk cId="371134595" sldId="316"/>
-        </pc:sldMkLst>
-        <pc:spChg chg="mod">
-          <ac:chgData name="Yoder, Jason" userId="28f4d4d8-da04-4f86-b14d-a21675737bc5" providerId="ADAL" clId="{9FD5E74B-3D69-475E-A1EB-FAAB4718C682}" dt="2023-09-18T11:43:14.507" v="1352" actId="20577"/>
-          <ac:spMkLst>
-            <pc:docMk/>
-            <pc:sldMk cId="371134595" sldId="316"/>
-            <ac:spMk id="2" creationId="{00000000-0000-0000-0000-000000000000}"/>
-          </ac:spMkLst>
-        </pc:spChg>
-      </pc:sldChg>
-      <pc:sldChg chg="modSp add mod">
-        <pc:chgData name="Yoder, Jason" userId="28f4d4d8-da04-4f86-b14d-a21675737bc5" providerId="ADAL" clId="{9FD5E74B-3D69-475E-A1EB-FAAB4718C682}" dt="2023-09-18T01:40:53.726" v="1260" actId="115"/>
-        <pc:sldMkLst>
-          <pc:docMk/>
-          <pc:sldMk cId="629110769" sldId="317"/>
-        </pc:sldMkLst>
-        <pc:spChg chg="mod">
-          <ac:chgData name="Yoder, Jason" userId="28f4d4d8-da04-4f86-b14d-a21675737bc5" providerId="ADAL" clId="{9FD5E74B-3D69-475E-A1EB-FAAB4718C682}" dt="2023-09-18T01:40:53.726" v="1260" actId="115"/>
-          <ac:spMkLst>
-            <pc:docMk/>
-            <pc:sldMk cId="629110769" sldId="317"/>
-            <ac:spMk id="2" creationId="{00000000-0000-0000-0000-000000000000}"/>
-          </ac:spMkLst>
-        </pc:spChg>
-      </pc:sldChg>
-      <pc:sldChg chg="addSp delSp modSp new del mod">
-        <pc:chgData name="Yoder, Jason" userId="28f4d4d8-da04-4f86-b14d-a21675737bc5" providerId="ADAL" clId="{9FD5E74B-3D69-475E-A1EB-FAAB4718C682}" dt="2023-09-19T14:48:37.085" v="1364" actId="47"/>
-        <pc:sldMkLst>
-          <pc:docMk/>
-          <pc:sldMk cId="817994095" sldId="318"/>
-        </pc:sldMkLst>
-        <pc:spChg chg="mod">
-          <ac:chgData name="Yoder, Jason" userId="28f4d4d8-da04-4f86-b14d-a21675737bc5" providerId="ADAL" clId="{9FD5E74B-3D69-475E-A1EB-FAAB4718C682}" dt="2023-09-18T01:43:12.608" v="1266"/>
-          <ac:spMkLst>
-            <pc:docMk/>
-            <pc:sldMk cId="817994095" sldId="318"/>
-            <ac:spMk id="2" creationId="{443B7840-AFBF-D44A-C98F-643CECA444FF}"/>
-          </ac:spMkLst>
-        </pc:spChg>
-        <pc:spChg chg="add del">
-          <ac:chgData name="Yoder, Jason" userId="28f4d4d8-da04-4f86-b14d-a21675737bc5" providerId="ADAL" clId="{9FD5E74B-3D69-475E-A1EB-FAAB4718C682}" dt="2023-09-18T01:43:11.688" v="1265" actId="22"/>
-          <ac:spMkLst>
-            <pc:docMk/>
-            <pc:sldMk cId="817994095" sldId="318"/>
-            <ac:spMk id="7" creationId="{9735AAE5-8261-2A26-0BBF-1282085DE42B}"/>
-          </ac:spMkLst>
-        </pc:spChg>
-        <pc:picChg chg="add mod">
-          <ac:chgData name="Yoder, Jason" userId="28f4d4d8-da04-4f86-b14d-a21675737bc5" providerId="ADAL" clId="{9FD5E74B-3D69-475E-A1EB-FAAB4718C682}" dt="2023-09-18T01:43:08.044" v="1263" actId="1076"/>
-          <ac:picMkLst>
-            <pc:docMk/>
-            <pc:sldMk cId="817994095" sldId="318"/>
-            <ac:picMk id="5" creationId="{F063FF5E-2779-931F-6EB9-66A92406B1F3}"/>
-          </ac:picMkLst>
-        </pc:picChg>
-      </pc:sldChg>
-    </pc:docChg>
-  </pc:docChgLst>
-</pc:chgInfo>
-</file>
-
 <file path=ppt/handoutMasters/handoutMaster1.xml><?xml version="1.0" encoding="utf-8"?>
 <p:handoutMaster xmlns:a="http://schemas.openxmlformats.org/drawingml/2006/main" xmlns:r="http://schemas.openxmlformats.org/officeDocument/2006/relationships" xmlns:p="http://schemas.openxmlformats.org/presentationml/2006/main">
   <p:cSld>
@@ -465,7 +282,7 @@
               <a:pPr>
                 <a:defRPr/>
               </a:pPr>
-              <a:t>9/19/2023</a:t>
+              <a:t>3/27/2023</a:t>
             </a:fld>
             <a:endParaRPr lang="en-US" dirty="0"/>
           </a:p>
@@ -581,6 +398,91 @@
   </p:cSld>
   <p:clrMap bg1="lt1" tx1="dk1" bg2="lt2" tx2="dk2" accent1="accent1" accent2="accent2" accent3="accent3" accent4="accent4" accent5="accent5" accent6="accent6" hlink="hlink" folHlink="folHlink"/>
 </p:handoutMaster>
+</file>
+
+<file path=ppt/ink/ink1.xml><?xml version="1.0" encoding="utf-8"?>
+<inkml:ink xmlns:inkml="http://www.w3.org/2003/InkML">
+  <inkml:definitions>
+    <inkml:context xml:id="ctx0">
+      <inkml:inkSource xml:id="inkSrc0">
+        <inkml:traceFormat>
+          <inkml:channel name="X" type="integer" min="-2.14748E9" max="2.14748E9" units="cm"/>
+          <inkml:channel name="Y" type="integer" min="-2.14748E9" max="2.14748E9" units="cm"/>
+          <inkml:channel name="F" type="integer" max="32767" units="dev"/>
+        </inkml:traceFormat>
+        <inkml:channelProperties>
+          <inkml:channelProperty channel="X" name="resolution" value="1000" units="1/cm"/>
+          <inkml:channelProperty channel="Y" name="resolution" value="1000" units="1/cm"/>
+          <inkml:channelProperty channel="F" name="resolution" value="0" units="1/dev"/>
+        </inkml:channelProperties>
+      </inkml:inkSource>
+      <inkml:timestamp xml:id="ts0" timeString="2023-03-27T16:11:19.741"/>
+    </inkml:context>
+    <inkml:brush xml:id="br0">
+      <inkml:brushProperty name="width" value="0.05" units="cm"/>
+      <inkml:brushProperty name="height" value="0.05" units="cm"/>
+      <inkml:brushProperty name="color" value="#E71224"/>
+    </inkml:brush>
+  </inkml:definitions>
+  <inkml:trace contextRef="#ctx0" brushRef="#br0">1 0 24575,'182'16'0,"-19"-1"0,482-13 0,-310-4 0,-82 2-1365,-228 0-5461</inkml:trace>
+</inkml:ink>
+</file>
+
+<file path=ppt/ink/ink2.xml><?xml version="1.0" encoding="utf-8"?>
+<inkml:ink xmlns:inkml="http://www.w3.org/2003/InkML">
+  <inkml:definitions>
+    <inkml:context xml:id="ctx0">
+      <inkml:inkSource xml:id="inkSrc0">
+        <inkml:traceFormat>
+          <inkml:channel name="X" type="integer" min="-2.14748E9" max="2.14748E9" units="cm"/>
+          <inkml:channel name="Y" type="integer" min="-2.14748E9" max="2.14748E9" units="cm"/>
+          <inkml:channel name="F" type="integer" max="32767" units="dev"/>
+        </inkml:traceFormat>
+        <inkml:channelProperties>
+          <inkml:channelProperty channel="X" name="resolution" value="1000" units="1/cm"/>
+          <inkml:channelProperty channel="Y" name="resolution" value="1000" units="1/cm"/>
+          <inkml:channelProperty channel="F" name="resolution" value="0" units="1/dev"/>
+        </inkml:channelProperties>
+      </inkml:inkSource>
+      <inkml:timestamp xml:id="ts0" timeString="2023-03-27T16:11:25.393"/>
+    </inkml:context>
+    <inkml:brush xml:id="br0">
+      <inkml:brushProperty name="width" value="0.05" units="cm"/>
+      <inkml:brushProperty name="height" value="0.05" units="cm"/>
+      <inkml:brushProperty name="color" value="#E71224"/>
+    </inkml:brush>
+  </inkml:definitions>
+  <inkml:trace contextRef="#ctx0" brushRef="#br0">1 257 24575,'931'0'0,"-860"-3"0,72-13 0,-57 5 0,86-16 0,-172 27 0,0 0 0,0 0 0,0 0 0,0 0 0,0 0 0,1 0 0,-1 0 0,0 0 0,0 0 0,0 0 0,1 0 0,-1 0 0,0 0 0,0 0 0,0 0 0,0 0 0,1 0 0,-1 0 0,0 0 0,0 0 0,0 0 0,0 0 0,1 0 0,-1 0 0,0-1 0,0 1 0,0 0 0,0 0 0,0 0 0,1 0 0,-1 0 0,0 0 0,0 0 0,0-1 0,0 1 0,0 0 0,0 0 0,0 0 0,0 0 0,0-1 0,0 1 0,0 0 0,1 0 0,-1 0 0,0 0 0,0-1 0,0 1 0,0 0 0,0 0 0,0 0 0,0-1 0,-1 1 0,1 0 0,0 0 0,0 0 0,0 0 0,0-1 0,0 1 0,0 0 0,0 0 0,0 0 0,0 0 0,0 0 0,-1-1 0,-15-11 0,-27-11 0,20 13 0,3 2 0,-1-2 0,-27-16 0,44 23 0,0 1 0,0-1 0,1 0 0,-1 0 0,1 0 0,-1 0 0,1-1 0,0 1 0,1-1 0,-1 0 0,0 0 0,1 0 0,0 0 0,0 0 0,0-1 0,1 1 0,-3-9 0,4 12 0,0 0 0,0 0 0,0 0 0,0 0 0,-1 0 0,1 0 0,1 0 0,-1 0 0,0 0 0,0 0 0,0 0 0,0 0 0,1 0 0,-1 0 0,1 0 0,-1 0 0,0 0 0,1 0 0,0 0 0,-1 1 0,1-1 0,-1 0 0,1 0 0,0 0 0,0 1 0,-1-1 0,3-1 0,-1 2 0,0-1 0,0 0 0,0 1 0,1 0 0,-1-1 0,0 1 0,0 0 0,0 0 0,1 0 0,-1 0 0,0 0 0,3 1 0,6 2 0,-1 0 0,0 0 0,0 1 0,12 7 0,-9-5 0,-1 1 0,0 1 0,-1 0 0,0 0 0,0 1 0,-1 1 0,0 0 0,10 13 0,-16-18 0,-1 0 0,0 1 0,0 0 0,0 0 0,0 0 0,-1 0 0,0 0 0,0 0 0,-1 1 0,0-1 0,0 0 0,0 1 0,-1-1 0,0 1 0,0-1 0,-1 1 0,1-1 0,-2 1 0,-2 10 0,0-5 0,-1-1 0,0-1 0,0 1 0,-1-1 0,0 0 0,-15 17 0,-13 23 0,6 19-1365,20-51-5461</inkml:trace>
+</inkml:ink>
+</file>
+
+<file path=ppt/ink/ink3.xml><?xml version="1.0" encoding="utf-8"?>
+<inkml:ink xmlns:inkml="http://www.w3.org/2003/InkML">
+  <inkml:definitions>
+    <inkml:context xml:id="ctx0">
+      <inkml:inkSource xml:id="inkSrc0">
+        <inkml:traceFormat>
+          <inkml:channel name="X" type="integer" min="-2.14748E9" max="2.14748E9" units="cm"/>
+          <inkml:channel name="Y" type="integer" min="-2.14748E9" max="2.14748E9" units="cm"/>
+        </inkml:traceFormat>
+        <inkml:channelProperties>
+          <inkml:channelProperty channel="X" name="resolution" value="1000" units="1/cm"/>
+          <inkml:channelProperty channel="Y" name="resolution" value="1000" units="1/cm"/>
+        </inkml:channelProperties>
+      </inkml:inkSource>
+      <inkml:timestamp xml:id="ts0" timeString="2023-03-27T16:11:29.058"/>
+    </inkml:context>
+    <inkml:brush xml:id="br0">
+      <inkml:brushProperty name="width" value="0.3" units="cm"/>
+      <inkml:brushProperty name="height" value="0.6" units="cm"/>
+      <inkml:brushProperty name="color" value="#FFFC00"/>
+      <inkml:brushProperty name="tip" value="rectangle"/>
+      <inkml:brushProperty name="rasterOp" value="maskPen"/>
+      <inkml:brushProperty name="ignorePressure" value="1"/>
+    </inkml:brush>
+  </inkml:definitions>
+  <inkml:trace contextRef="#ctx0" brushRef="#br0">2946 0,'-1575'0,"1528"3,0 2,-76 17,-46 5,115-21,-77 20,34-5,13-6,-2-4,-119 2,-85-15,252 2</inkml:trace>
+</inkml:ink>
 </file>
 
 <file path=ppt/notesMasters/notesMaster1.xml><?xml version="1.0" encoding="utf-8"?>
@@ -700,7 +602,7 @@
               <a:pPr>
                 <a:defRPr/>
               </a:pPr>
-              <a:t>9/19/2023</a:t>
+              <a:t>3/27/2023</a:t>
             </a:fld>
             <a:endParaRPr lang="en-US" dirty="0"/>
           </a:p>
@@ -1063,19 +965,29 @@
       </p:grpSpPr>
       <p:sp>
         <p:nvSpPr>
-          <p:cNvPr id="2" name="Slide Image Placeholder 1"/>
-          <p:cNvSpPr>
-            <a:spLocks noGrp="1" noRot="1" noChangeAspect="1"/>
+          <p:cNvPr id="26626" name="Slide Image Placeholder 1"/>
+          <p:cNvSpPr>
+            <a:spLocks noGrp="1" noRot="1" noChangeAspect="1" noTextEdit="1"/>
           </p:cNvSpPr>
           <p:nvPr>
             <p:ph type="sldImg"/>
           </p:nvPr>
         </p:nvSpPr>
-        <p:spPr/>
-      </p:sp>
-      <p:sp>
-        <p:nvSpPr>
-          <p:cNvPr id="3" name="Notes Placeholder 2"/>
+        <p:spPr bwMode="auto">
+          <a:noFill/>
+          <a:ln>
+            <a:solidFill>
+              <a:srgbClr val="000000"/>
+            </a:solidFill>
+            <a:miter lim="800000"/>
+            <a:headEnd/>
+            <a:tailEnd/>
+          </a:ln>
+        </p:spPr>
+      </p:sp>
+      <p:sp>
+        <p:nvSpPr>
+          <p:cNvPr id="26627" name="Notes Placeholder 2"/>
           <p:cNvSpPr>
             <a:spLocks noGrp="1"/>
           </p:cNvSpPr>
@@ -1083,38 +995,47 @@
             <p:ph type="body" idx="1"/>
           </p:nvPr>
         </p:nvSpPr>
-        <p:spPr/>
+        <p:spPr>
+          <a:noFill/>
+          <a:ln/>
+        </p:spPr>
         <p:txBody>
           <a:bodyPr/>
           <a:lstStyle/>
           <a:p>
-            <a:endParaRPr lang="en-US" dirty="0"/>
-          </a:p>
-        </p:txBody>
-      </p:sp>
-      <p:sp>
-        <p:nvSpPr>
-          <p:cNvPr id="4" name="Slide Number Placeholder 3"/>
-          <p:cNvSpPr>
-            <a:spLocks noGrp="1"/>
-          </p:cNvSpPr>
-          <p:nvPr>
-            <p:ph type="sldNum" sz="quarter" idx="10"/>
-          </p:nvPr>
-        </p:nvSpPr>
-        <p:spPr/>
+            <a:pPr eaLnBrk="1" hangingPunct="1">
+              <a:spcBef>
+                <a:spcPct val="0"/>
+              </a:spcBef>
+            </a:pPr>
+            <a:r>
+              <a:rPr lang="en-US" dirty="0"/>
+              <a:t>Bring hard copy of code from UnitTesting</a:t>
+            </a:r>
+            <a:endParaRPr lang="en-US" baseline="0" dirty="0"/>
+          </a:p>
+        </p:txBody>
+      </p:sp>
+      <p:sp>
+        <p:nvSpPr>
+          <p:cNvPr id="26628" name="Slide Number Placeholder 3"/>
+          <p:cNvSpPr>
+            <a:spLocks noGrp="1"/>
+          </p:cNvSpPr>
+          <p:nvPr>
+            <p:ph type="sldNum" sz="quarter" idx="5"/>
+          </p:nvPr>
+        </p:nvSpPr>
+        <p:spPr>
+          <a:noFill/>
+        </p:spPr>
         <p:txBody>
           <a:bodyPr/>
           <a:lstStyle/>
           <a:p>
-            <a:pPr>
-              <a:defRPr/>
-            </a:pPr>
-            <a:fld id="{41BB943A-C3B9-42AE-8B54-C2335812312E}" type="slidenum">
+            <a:fld id="{DE2D2F29-D266-4A73-9105-1080FD86BA46}" type="slidenum">
               <a:rPr lang="en-US" smtClean="0"/>
-              <a:pPr>
-                <a:defRPr/>
-              </a:pPr>
+              <a:pPr/>
               <a:t>1</a:t>
             </a:fld>
             <a:endParaRPr lang="en-US" dirty="0"/>
@@ -1124,7 +1045,7 @@
     </p:spTree>
     <p:extLst>
       <p:ext uri="{BB962C8B-B14F-4D97-AF65-F5344CB8AC3E}">
-        <p14:creationId xmlns:p14="http://schemas.microsoft.com/office/powerpoint/2010/main" val="3283092778"/>
+        <p14:creationId xmlns:p14="http://schemas.microsoft.com/office/powerpoint/2010/main" val="2849490060"/>
       </p:ext>
     </p:extLst>
   </p:cSld>
@@ -1214,97 +1135,7 @@
     </p:spTree>
     <p:extLst>
       <p:ext uri="{BB962C8B-B14F-4D97-AF65-F5344CB8AC3E}">
-        <p14:creationId xmlns:p14="http://schemas.microsoft.com/office/powerpoint/2010/main" val="586339663"/>
-      </p:ext>
-    </p:extLst>
-  </p:cSld>
-  <p:clrMapOvr>
-    <a:masterClrMapping/>
-  </p:clrMapOvr>
-</p:notes>
-</file>
-
-<file path=ppt/notesSlides/notesSlide3.xml><?xml version="1.0" encoding="utf-8"?>
-<p:notes xmlns:a="http://schemas.openxmlformats.org/drawingml/2006/main" xmlns:r="http://schemas.openxmlformats.org/officeDocument/2006/relationships" xmlns:p="http://schemas.openxmlformats.org/presentationml/2006/main">
-  <p:cSld>
-    <p:spTree>
-      <p:nvGrpSpPr>
-        <p:cNvPr id="1" name=""/>
-        <p:cNvGrpSpPr/>
-        <p:nvPr/>
-      </p:nvGrpSpPr>
-      <p:grpSpPr>
-        <a:xfrm>
-          <a:off x="0" y="0"/>
-          <a:ext cx="0" cy="0"/>
-          <a:chOff x="0" y="0"/>
-          <a:chExt cx="0" cy="0"/>
-        </a:xfrm>
-      </p:grpSpPr>
-      <p:sp>
-        <p:nvSpPr>
-          <p:cNvPr id="2" name="Slide Image Placeholder 1"/>
-          <p:cNvSpPr>
-            <a:spLocks noGrp="1" noRot="1" noChangeAspect="1"/>
-          </p:cNvSpPr>
-          <p:nvPr>
-            <p:ph type="sldImg"/>
-          </p:nvPr>
-        </p:nvSpPr>
-        <p:spPr/>
-      </p:sp>
-      <p:sp>
-        <p:nvSpPr>
-          <p:cNvPr id="3" name="Notes Placeholder 2"/>
-          <p:cNvSpPr>
-            <a:spLocks noGrp="1"/>
-          </p:cNvSpPr>
-          <p:nvPr>
-            <p:ph type="body" idx="1"/>
-          </p:nvPr>
-        </p:nvSpPr>
-        <p:spPr/>
-        <p:txBody>
-          <a:bodyPr/>
-          <a:lstStyle/>
-          <a:p>
-            <a:endParaRPr lang="en-US" dirty="0"/>
-          </a:p>
-        </p:txBody>
-      </p:sp>
-      <p:sp>
-        <p:nvSpPr>
-          <p:cNvPr id="4" name="Slide Number Placeholder 3"/>
-          <p:cNvSpPr>
-            <a:spLocks noGrp="1"/>
-          </p:cNvSpPr>
-          <p:nvPr>
-            <p:ph type="sldNum" sz="quarter" idx="10"/>
-          </p:nvPr>
-        </p:nvSpPr>
-        <p:spPr/>
-        <p:txBody>
-          <a:bodyPr/>
-          <a:lstStyle/>
-          <a:p>
-            <a:pPr>
-              <a:defRPr/>
-            </a:pPr>
-            <a:fld id="{41BB943A-C3B9-42AE-8B54-C2335812312E}" type="slidenum">
-              <a:rPr lang="en-US" smtClean="0"/>
-              <a:pPr>
-                <a:defRPr/>
-              </a:pPr>
-              <a:t>3</a:t>
-            </a:fld>
-            <a:endParaRPr lang="en-US" dirty="0"/>
-          </a:p>
-        </p:txBody>
-      </p:sp>
-    </p:spTree>
-    <p:extLst>
-      <p:ext uri="{BB962C8B-B14F-4D97-AF65-F5344CB8AC3E}">
-        <p14:creationId xmlns:p14="http://schemas.microsoft.com/office/powerpoint/2010/main" val="3087487739"/>
+        <p14:creationId xmlns:p14="http://schemas.microsoft.com/office/powerpoint/2010/main" val="3645018809"/>
       </p:ext>
     </p:extLst>
   </p:cSld>
@@ -1499,7 +1330,7 @@
               <a:pPr>
                 <a:defRPr/>
               </a:pPr>
-              <a:t>Tuesday, September 19, 2023</a:t>
+              <a:t>Monday, March 27, 2023</a:t>
             </a:fld>
             <a:endParaRPr lang="en-US" dirty="0"/>
           </a:p>
@@ -1682,7 +1513,7 @@
               <a:pPr>
                 <a:defRPr/>
               </a:pPr>
-              <a:t>Tuesday, September 19, 2023</a:t>
+              <a:t>Monday, March 27, 2023</a:t>
             </a:fld>
             <a:endParaRPr lang="en-US" dirty="0"/>
           </a:p>
@@ -1875,7 +1706,7 @@
               <a:pPr>
                 <a:defRPr/>
               </a:pPr>
-              <a:t>Tuesday, September 19, 2023</a:t>
+              <a:t>Monday, March 27, 2023</a:t>
             </a:fld>
             <a:endParaRPr lang="en-US" dirty="0"/>
           </a:p>
@@ -2058,7 +1889,7 @@
               <a:pPr>
                 <a:defRPr/>
               </a:pPr>
-              <a:t>Tuesday, September 19, 2023</a:t>
+              <a:t>Monday, March 27, 2023</a:t>
             </a:fld>
             <a:endParaRPr lang="en-US" dirty="0"/>
           </a:p>
@@ -2318,7 +2149,7 @@
               <a:pPr>
                 <a:defRPr/>
               </a:pPr>
-              <a:t>Tuesday, September 19, 2023</a:t>
+              <a:t>Monday, March 27, 2023</a:t>
             </a:fld>
             <a:endParaRPr lang="en-US" dirty="0"/>
           </a:p>
@@ -2618,7 +2449,7 @@
               <a:pPr>
                 <a:defRPr/>
               </a:pPr>
-              <a:t>Tuesday, September 19, 2023</a:t>
+              <a:t>Monday, March 27, 2023</a:t>
             </a:fld>
             <a:endParaRPr lang="en-US" dirty="0"/>
           </a:p>
@@ -3052,7 +2883,7 @@
               <a:pPr>
                 <a:defRPr/>
               </a:pPr>
-              <a:t>Tuesday, September 19, 2023</a:t>
+              <a:t>Monday, March 27, 2023</a:t>
             </a:fld>
             <a:endParaRPr lang="en-US" dirty="0"/>
           </a:p>
@@ -3184,7 +3015,7 @@
               <a:pPr>
                 <a:defRPr/>
               </a:pPr>
-              <a:t>Tuesday, September 19, 2023</a:t>
+              <a:t>Monday, March 27, 2023</a:t>
             </a:fld>
             <a:endParaRPr lang="en-US" dirty="0"/>
           </a:p>
@@ -3294,7 +3125,7 @@
               <a:pPr>
                 <a:defRPr/>
               </a:pPr>
-              <a:t>Tuesday, September 19, 2023</a:t>
+              <a:t>Monday, March 27, 2023</a:t>
             </a:fld>
             <a:endParaRPr lang="en-US" dirty="0"/>
           </a:p>
@@ -3584,7 +3415,7 @@
               <a:pPr>
                 <a:defRPr/>
               </a:pPr>
-              <a:t>Tuesday, September 19, 2023</a:t>
+              <a:t>Monday, March 27, 2023</a:t>
             </a:fld>
             <a:endParaRPr lang="en-US" dirty="0"/>
           </a:p>
@@ -3851,7 +3682,7 @@
               <a:pPr>
                 <a:defRPr/>
               </a:pPr>
-              <a:t>Tuesday, September 19, 2023</a:t>
+              <a:t>Monday, March 27, 2023</a:t>
             </a:fld>
             <a:endParaRPr lang="en-US" dirty="0"/>
           </a:p>
@@ -4077,7 +3908,7 @@
               <a:pPr>
                 <a:defRPr/>
               </a:pPr>
-              <a:t>Tuesday, September 19, 2023</a:t>
+              <a:t>Monday, March 27, 2023</a:t>
             </a:fld>
             <a:endParaRPr lang="en-US" dirty="0"/>
           </a:p>
@@ -4463,12 +4294,12 @@
       </p:grpSpPr>
       <p:sp>
         <p:nvSpPr>
-          <p:cNvPr id="3" name="Title 2"/>
-          <p:cNvSpPr>
-            <a:spLocks noGrp="1"/>
-          </p:cNvSpPr>
-          <p:nvPr>
-            <p:ph type="title"/>
+          <p:cNvPr id="2" name="Rectangle 1"/>
+          <p:cNvSpPr>
+            <a:spLocks noGrp="1"/>
+          </p:cNvSpPr>
+          <p:nvPr>
+            <p:ph type="ctrTitle"/>
           </p:nvPr>
         </p:nvSpPr>
         <p:spPr/>
@@ -4478,82 +4309,240 @@
           <a:p>
             <a:r>
               <a:rPr lang="en-US" dirty="0"/>
-              <a:t>Announcement</a:t>
-            </a:r>
-          </a:p>
-        </p:txBody>
-      </p:sp>
-      <p:sp>
-        <p:nvSpPr>
-          <p:cNvPr id="2" name="Content Placeholder 1"/>
-          <p:cNvSpPr>
-            <a:spLocks noGrp="1"/>
-          </p:cNvSpPr>
-          <p:nvPr>
-            <p:ph idx="1"/>
+              <a:t>CSSE 220</a:t>
+            </a:r>
+          </a:p>
+        </p:txBody>
+      </p:sp>
+      <p:sp>
+        <p:nvSpPr>
+          <p:cNvPr id="9219" name="Rectangle 2"/>
+          <p:cNvSpPr>
+            <a:spLocks noGrp="1"/>
+          </p:cNvSpPr>
+          <p:nvPr>
+            <p:ph type="subTitle" idx="1"/>
           </p:nvPr>
         </p:nvSpPr>
         <p:spPr>
           <a:xfrm>
-            <a:off x="457200" y="1600200"/>
-            <a:ext cx="8458200" cy="4525963"/>
+            <a:off x="1371600" y="3124200"/>
+            <a:ext cx="6400800" cy="1752600"/>
           </a:xfrm>
         </p:spPr>
         <p:txBody>
-          <a:bodyPr>
-            <a:normAutofit/>
+          <a:bodyPr/>
+          <a:lstStyle/>
+          <a:p>
+            <a:r>
+              <a:rPr lang="en-US" dirty="0"/>
+              <a:t>Variable Scope</a:t>
+            </a:r>
+          </a:p>
+          <a:p>
+            <a:r>
+              <a:rPr lang="en-US" dirty="0"/>
+              <a:t>Console Input</a:t>
+            </a:r>
+          </a:p>
+          <a:p>
+            <a:r>
+              <a:rPr lang="en-US" dirty="0"/>
+              <a:t>Unit Testing</a:t>
+            </a:r>
+          </a:p>
+        </p:txBody>
+      </p:sp>
+      <p:sp>
+        <p:nvSpPr>
+          <p:cNvPr id="3" name="Rectangle 2">
+            <a:extLst>
+              <a:ext uri="{FF2B5EF4-FFF2-40B4-BE49-F238E27FC236}">
+                <a16:creationId xmlns:a16="http://schemas.microsoft.com/office/drawing/2014/main" id="{0AF4B67C-EF48-998C-3AFC-31304802D527}"/>
+              </a:ext>
+            </a:extLst>
+          </p:cNvPr>
+          <p:cNvSpPr/>
+          <p:nvPr/>
+        </p:nvSpPr>
+        <p:spPr>
+          <a:xfrm>
+            <a:off x="304800" y="5105400"/>
+            <a:ext cx="8534400" cy="1295400"/>
+          </a:xfrm>
+          <a:prstGeom prst="rect">
+            <a:avLst/>
+          </a:prstGeom>
+          <a:solidFill>
+            <a:schemeClr val="accent3"/>
+          </a:solidFill>
+        </p:spPr>
+        <p:style>
+          <a:lnRef idx="2">
+            <a:schemeClr val="accent3">
+              <a:shade val="50000"/>
+            </a:schemeClr>
+          </a:lnRef>
+          <a:fillRef idx="1">
+            <a:schemeClr val="accent3"/>
+          </a:fillRef>
+          <a:effectRef idx="0">
+            <a:schemeClr val="accent3"/>
+          </a:effectRef>
+          <a:fontRef idx="minor">
+            <a:schemeClr val="lt1"/>
+          </a:fontRef>
+        </p:style>
+        <p:txBody>
+          <a:bodyPr rtlCol="0" anchor="ctr"/>
+          <a:lstStyle/>
+          <a:p>
+            <a:r>
+              <a:rPr lang="en-US" sz="2400" dirty="0">
+                <a:solidFill>
+                  <a:srgbClr val="FFFFFF"/>
+                </a:solidFill>
+              </a:rPr>
+              <a:t>The </a:t>
+            </a:r>
+            <a:r>
+              <a:rPr lang="en-US" sz="2400" i="1" dirty="0">
+                <a:solidFill>
+                  <a:srgbClr val="FFFFFF"/>
+                </a:solidFill>
+              </a:rPr>
+              <a:t>git</a:t>
+            </a:r>
+            <a:r>
+              <a:rPr lang="en-US" sz="2400" dirty="0">
+                <a:solidFill>
+                  <a:srgbClr val="FFFFFF"/>
+                </a:solidFill>
+              </a:rPr>
+              <a:t> projects for today are:</a:t>
+            </a:r>
+          </a:p>
+          <a:p>
+            <a:pPr marL="342900" indent="-342900">
+              <a:buFont typeface="Arial" panose="020B0604020202020204" pitchFamily="34" charset="0"/>
+              <a:buChar char="•"/>
+            </a:pPr>
+            <a:r>
+              <a:rPr lang="en-US" sz="2400" i="1" dirty="0" err="1"/>
+              <a:t>PracticeConsoleAndUnitTesting</a:t>
+            </a:r>
+            <a:endParaRPr lang="en-US" sz="2400" i="1" dirty="0"/>
+          </a:p>
+          <a:p>
+            <a:pPr marL="342900" indent="-342900">
+              <a:buFont typeface="Arial" panose="020B0604020202020204" pitchFamily="34" charset="0"/>
+              <a:buChar char="•"/>
+            </a:pPr>
+            <a:r>
+              <a:rPr lang="en-US" sz="2400" i="1" dirty="0" err="1"/>
+              <a:t>PracticeConsoleAndUnitTestingSolution</a:t>
+            </a:r>
+            <a:endParaRPr lang="en-US" sz="2400" i="1" dirty="0"/>
+          </a:p>
+        </p:txBody>
+      </p:sp>
+      <p:sp>
+        <p:nvSpPr>
+          <p:cNvPr id="4" name="TextBox 3">
+            <a:extLst>
+              <a:ext uri="{FF2B5EF4-FFF2-40B4-BE49-F238E27FC236}">
+                <a16:creationId xmlns:a16="http://schemas.microsoft.com/office/drawing/2014/main" id="{58341497-5F64-FF61-176C-4F45ACBF6A1C}"/>
+              </a:ext>
+            </a:extLst>
+          </p:cNvPr>
+          <p:cNvSpPr txBox="1"/>
+          <p:nvPr/>
+        </p:nvSpPr>
+        <p:spPr>
+          <a:xfrm>
+            <a:off x="4585447" y="-10818"/>
+            <a:ext cx="4619625" cy="1046440"/>
+          </a:xfrm>
+          <a:prstGeom prst="rect">
+            <a:avLst/>
+          </a:prstGeom>
+          <a:noFill/>
+          <a:ln w="12700" cap="flat">
+            <a:noFill/>
+            <a:miter lim="400000"/>
+          </a:ln>
+          <a:effectLst/>
+        </p:spPr>
+        <p:style>
+          <a:lnRef idx="0">
+            <a:scrgbClr r="0" g="0" b="0"/>
+          </a:lnRef>
+          <a:fillRef idx="0">
+            <a:scrgbClr r="0" g="0" b="0"/>
+          </a:fillRef>
+          <a:effectRef idx="0">
+            <a:scrgbClr r="0" g="0" b="0"/>
+          </a:effectRef>
+          <a:fontRef idx="none"/>
+        </p:style>
+        <p:txBody>
+          <a:bodyPr wrap="square">
+            <a:spAutoFit/>
           </a:bodyPr>
           <a:lstStyle/>
           <a:p>
             <a:r>
-              <a:rPr lang="en-US" sz="2800" dirty="0"/>
-              <a:t>Next Week: 9-25 to 9-29</a:t>
-            </a:r>
-          </a:p>
-          <a:p>
-            <a:r>
-              <a:rPr lang="en-US" sz="2800" dirty="0"/>
-              <a:t>Due to a family health matter, I am not planning to be here on campus at all next week. </a:t>
-            </a:r>
-          </a:p>
-          <a:p>
-            <a:r>
-              <a:rPr lang="en-US" sz="2800" dirty="0"/>
-              <a:t>Monday – “Non-coding Exam”</a:t>
-            </a:r>
-          </a:p>
-          <a:p>
-            <a:r>
-              <a:rPr lang="en-US" sz="2800" dirty="0"/>
-              <a:t>Tuesday – “Coding Exam”</a:t>
-            </a:r>
-          </a:p>
-          <a:p>
-            <a:r>
-              <a:rPr lang="en-US" sz="2800" dirty="0"/>
-              <a:t>Thursday – Introduction to Recursion</a:t>
-            </a:r>
-          </a:p>
-          <a:p>
-            <a:pPr lvl="1"/>
-            <a:r>
-              <a:rPr lang="en-US" dirty="0"/>
-              <a:t>One of the other instructors will most likely give the lecture that day. There are also </a:t>
-            </a:r>
-            <a:r>
-              <a:rPr lang="en-US"/>
-              <a:t>videos available</a:t>
-            </a:r>
-            <a:endParaRPr lang="en-US" dirty="0"/>
-          </a:p>
-        </p:txBody>
-      </p:sp>
+              <a:rPr lang="en-US" dirty="0">
+                <a:highlight>
+                  <a:srgbClr val="FFFF00"/>
+                </a:highlight>
+              </a:rPr>
+              <a:t>Today’s Attendance password</a:t>
+            </a:r>
+          </a:p>
+          <a:p>
+            <a:r>
+              <a:rPr lang="en-US" sz="4400" dirty="0">
+                <a:highlight>
+                  <a:srgbClr val="FFFF00"/>
+                </a:highlight>
+              </a:rPr>
+              <a:t>__________</a:t>
+            </a:r>
+          </a:p>
+        </p:txBody>
+      </p:sp>
+      <p:pic>
+        <p:nvPicPr>
+          <p:cNvPr id="5" name="Picture 4">
+            <a:extLst>
+              <a:ext uri="{FF2B5EF4-FFF2-40B4-BE49-F238E27FC236}">
+                <a16:creationId xmlns:a16="http://schemas.microsoft.com/office/drawing/2014/main" id="{8A23E0AB-8988-4BB4-9454-AAE0781EEBE9}"/>
+              </a:ext>
+            </a:extLst>
+          </p:cNvPr>
+          <p:cNvPicPr>
+            <a:picLocks noChangeAspect="1"/>
+          </p:cNvPicPr>
+          <p:nvPr/>
+        </p:nvPicPr>
+        <p:blipFill>
+          <a:blip r:embed="rId3"/>
+          <a:stretch>
+            <a:fillRect/>
+          </a:stretch>
+        </p:blipFill>
+        <p:spPr>
+          <a:xfrm>
+            <a:off x="5937409" y="1015626"/>
+            <a:ext cx="2816626" cy="2439173"/>
+          </a:xfrm>
+          <a:prstGeom prst="rect">
+            <a:avLst/>
+          </a:prstGeom>
+        </p:spPr>
+      </p:pic>
     </p:spTree>
-    <p:extLst>
-      <p:ext uri="{BB962C8B-B14F-4D97-AF65-F5344CB8AC3E}">
-        <p14:creationId xmlns:p14="http://schemas.microsoft.com/office/powerpoint/2010/main" val="2312808968"/>
-      </p:ext>
-    </p:extLst>
   </p:cSld>
   <p:clrMapOvr>
     <a:masterClrMapping/>
@@ -4595,7 +4584,7 @@
           <a:p>
             <a:r>
               <a:rPr lang="en-US" dirty="0"/>
-              <a:t>Announcement</a:t>
+              <a:t>Outline</a:t>
             </a:r>
           </a:p>
         </p:txBody>
@@ -4612,63 +4601,30 @@
         </p:nvSpPr>
         <p:spPr/>
         <p:txBody>
-          <a:bodyPr>
-            <a:normAutofit lnSpcReduction="10000"/>
-          </a:bodyPr>
+          <a:bodyPr/>
           <a:lstStyle/>
           <a:p>
             <a:r>
               <a:rPr lang="en-US" dirty="0"/>
-              <a:t>Two weeks from now: (</a:t>
-            </a:r>
-            <a:r>
-              <a:rPr lang="en-US" b="0" i="0" dirty="0">
-                <a:solidFill>
-                  <a:srgbClr val="000000"/>
-                </a:solidFill>
-                <a:effectLst/>
-                <a:latin typeface="Aptos" panose="020B0004020202020204" pitchFamily="34" charset="0"/>
-              </a:rPr>
-              <a:t>10-2 to 10-3)</a:t>
-            </a:r>
-            <a:endParaRPr lang="en-US" dirty="0"/>
+              <a:t>Review: Dependencies, Coupling, Cohesion</a:t>
+            </a:r>
           </a:p>
           <a:p>
             <a:r>
               <a:rPr lang="en-US" dirty="0"/>
-              <a:t>Depending on the state of the family health matter, I might or might not return the following week </a:t>
+              <a:t>Variable Scoping</a:t>
             </a:r>
           </a:p>
           <a:p>
             <a:r>
               <a:rPr lang="en-US" dirty="0"/>
-              <a:t>Monday – “Coupling and Cohesion”</a:t>
-            </a:r>
-          </a:p>
-          <a:p>
-            <a:pPr lvl="1"/>
+              <a:t>Console Input</a:t>
+            </a:r>
+          </a:p>
+          <a:p>
             <a:r>
               <a:rPr lang="en-US" dirty="0"/>
-              <a:t>Guest lecturer or Videos available</a:t>
-            </a:r>
-          </a:p>
-          <a:p>
-            <a:r>
-              <a:rPr lang="en-US" dirty="0"/>
-              <a:t>Tuesday – “More Recursion More Interfaces”</a:t>
-            </a:r>
-          </a:p>
-          <a:p>
-            <a:pPr lvl="1"/>
-            <a:r>
-              <a:rPr lang="en-US" dirty="0"/>
-              <a:t>Guest lecturer or Videos available</a:t>
-            </a:r>
-          </a:p>
-          <a:p>
-            <a:r>
-              <a:rPr lang="en-US" dirty="0"/>
-              <a:t>Thursday – Fall Break begins</a:t>
+              <a:t>Unit Testing</a:t>
             </a:r>
           </a:p>
         </p:txBody>
@@ -4676,7 +4632,7 @@
     </p:spTree>
     <p:extLst>
       <p:ext uri="{BB962C8B-B14F-4D97-AF65-F5344CB8AC3E}">
-        <p14:creationId xmlns:p14="http://schemas.microsoft.com/office/powerpoint/2010/main" val="371134595"/>
+        <p14:creationId xmlns:p14="http://schemas.microsoft.com/office/powerpoint/2010/main" val="357242820"/>
       </p:ext>
     </p:extLst>
   </p:cSld>
@@ -4705,7 +4661,7 @@
       </p:grpSpPr>
       <p:sp>
         <p:nvSpPr>
-          <p:cNvPr id="3" name="Title 2"/>
+          <p:cNvPr id="2" name="Title 1"/>
           <p:cNvSpPr>
             <a:spLocks noGrp="1"/>
           </p:cNvSpPr>
@@ -4720,14 +4676,118 @@
           <a:p>
             <a:r>
               <a:rPr lang="en-US" dirty="0"/>
-              <a:t>Announcement</a:t>
-            </a:r>
-          </a:p>
-        </p:txBody>
-      </p:sp>
-      <p:sp>
-        <p:nvSpPr>
-          <p:cNvPr id="2" name="Content Placeholder 1"/>
+              <a:t>Review</a:t>
+            </a:r>
+          </a:p>
+        </p:txBody>
+      </p:sp>
+      <p:sp>
+        <p:nvSpPr>
+          <p:cNvPr id="3" name="Content Placeholder 2"/>
+          <p:cNvSpPr>
+            <a:spLocks noGrp="1"/>
+          </p:cNvSpPr>
+          <p:nvPr>
+            <p:ph idx="1"/>
+          </p:nvPr>
+        </p:nvSpPr>
+        <p:spPr/>
+        <p:txBody>
+          <a:bodyPr/>
+          <a:lstStyle/>
+          <a:p>
+            <a:pPr marL="0" indent="0">
+              <a:buNone/>
+            </a:pPr>
+            <a:r>
+              <a:rPr lang="en-US" b="1" dirty="0"/>
+              <a:t>Encapsulation</a:t>
+            </a:r>
+          </a:p>
+          <a:p>
+            <a:r>
+              <a:rPr lang="en-US" dirty="0"/>
+              <a:t>Collocate within a class data fields and the methods that work on those fields</a:t>
+            </a:r>
+          </a:p>
+          <a:p>
+            <a:r>
+              <a:rPr lang="en-US" dirty="0"/>
+              <a:t>Use </a:t>
+            </a:r>
+            <a:r>
+              <a:rPr lang="en-US" dirty="0">
+                <a:latin typeface="Courier New" panose="02070309020205020404" pitchFamily="49" charset="0"/>
+                <a:cs typeface="Courier New" panose="02070309020205020404" pitchFamily="49" charset="0"/>
+              </a:rPr>
+              <a:t>private</a:t>
+            </a:r>
+            <a:r>
+              <a:rPr lang="en-US" dirty="0"/>
+              <a:t> keyword for most data fields, this is called </a:t>
+            </a:r>
+            <a:r>
+              <a:rPr lang="en-US" i="1" dirty="0"/>
+              <a:t>compiler enforced encapsulation</a:t>
+            </a:r>
+          </a:p>
+        </p:txBody>
+      </p:sp>
+    </p:spTree>
+    <p:extLst>
+      <p:ext uri="{BB962C8B-B14F-4D97-AF65-F5344CB8AC3E}">
+        <p14:creationId xmlns:p14="http://schemas.microsoft.com/office/powerpoint/2010/main" val="1488292398"/>
+      </p:ext>
+    </p:extLst>
+  </p:cSld>
+  <p:clrMapOvr>
+    <a:masterClrMapping/>
+  </p:clrMapOvr>
+</p:sld>
+</file>
+
+<file path=ppt/slides/slide4.xml><?xml version="1.0" encoding="utf-8"?>
+<p:sld xmlns:a="http://schemas.openxmlformats.org/drawingml/2006/main" xmlns:r="http://schemas.openxmlformats.org/officeDocument/2006/relationships" xmlns:p="http://schemas.openxmlformats.org/presentationml/2006/main">
+  <p:cSld>
+    <p:spTree>
+      <p:nvGrpSpPr>
+        <p:cNvPr id="1" name=""/>
+        <p:cNvGrpSpPr/>
+        <p:nvPr/>
+      </p:nvGrpSpPr>
+      <p:grpSpPr>
+        <a:xfrm>
+          <a:off x="0" y="0"/>
+          <a:ext cx="0" cy="0"/>
+          <a:chOff x="0" y="0"/>
+          <a:chExt cx="0" cy="0"/>
+        </a:xfrm>
+      </p:grpSpPr>
+      <p:sp>
+        <p:nvSpPr>
+          <p:cNvPr id="2" name="Title 1"/>
+          <p:cNvSpPr>
+            <a:spLocks noGrp="1"/>
+          </p:cNvSpPr>
+          <p:nvPr>
+            <p:ph type="title"/>
+          </p:nvPr>
+        </p:nvSpPr>
+        <p:spPr/>
+        <p:txBody>
+          <a:bodyPr/>
+          <a:lstStyle/>
+          <a:p>
+            <a:r>
+              <a:rPr lang="en-US" dirty="0"/>
+              <a:t>Review</a:t>
+            </a:r>
+          </a:p>
+        </p:txBody>
+      </p:sp>
+      <p:sp>
+        <p:nvSpPr>
+          <p:cNvPr id="3" name="Content Placeholder 2"/>
           <p:cNvSpPr>
             <a:spLocks noGrp="1"/>
           </p:cNvSpPr>
@@ -4742,35 +4802,87 @@
           </a:bodyPr>
           <a:lstStyle/>
           <a:p>
+            <a:pPr marL="0" indent="0">
+              <a:buNone/>
+            </a:pPr>
+            <a:r>
+              <a:rPr lang="en-US" b="1" dirty="0"/>
+              <a:t>Minimize Dependencies by (low coupling)</a:t>
+            </a:r>
             <a:r>
               <a:rPr lang="en-US" dirty="0"/>
-              <a:t>During periods of my absence due to the nature of the family matter I might not be quick to reply to emails or messages</a:t>
-            </a:r>
-          </a:p>
-          <a:p>
+              <a:t>:</a:t>
+            </a:r>
+          </a:p>
+          <a:p>
+            <a:pPr marL="971550" lvl="1" indent="-514350">
+              <a:buFont typeface="+mj-lt"/>
+              <a:buAutoNum type="arabicPeriod"/>
+            </a:pPr>
             <a:r>
               <a:rPr lang="en-US" dirty="0"/>
-              <a:t>Please utilize </a:t>
+              <a:t>Using </a:t>
+            </a:r>
+            <a:r>
+              <a:rPr lang="en-US" i="1" dirty="0"/>
+              <a:t>tell don’t ask</a:t>
+            </a:r>
+            <a:r>
+              <a:rPr lang="en-US" dirty="0"/>
+              <a:t> – when a </a:t>
             </a:r>
             <a:r>
               <a:rPr lang="en-US" u="sng" dirty="0"/>
-              <a:t>Piazza</a:t>
+              <a:t>client</a:t>
             </a:r>
             <a:r>
               <a:rPr lang="en-US" dirty="0"/>
-              <a:t> during this time so that multiple people can respond in a timely manner.</a:t>
-            </a:r>
-          </a:p>
-          <a:p>
+              <a:t> of a class has an algorithm that could be located within that class (this is an </a:t>
+            </a:r>
+            <a:r>
+              <a:rPr lang="en-US" i="1" dirty="0"/>
+              <a:t>ask</a:t>
+            </a:r>
             <a:r>
               <a:rPr lang="en-US" dirty="0"/>
-              <a:t>I look forward to returning soon!</a:t>
-            </a:r>
-          </a:p>
-          <a:p>
+              <a:t> algorithm), move that algorithm/method from client into the class (so it becomes a </a:t>
+            </a:r>
+            <a:r>
+              <a:rPr lang="en-US" i="1" dirty="0"/>
+              <a:t>tell</a:t>
+            </a:r>
             <a:r>
               <a:rPr lang="en-US" dirty="0"/>
-              <a:t>If you have any questions, please reach out this week, I am happy to answer them.</a:t>
+              <a:t> algorithm)</a:t>
+            </a:r>
+          </a:p>
+          <a:p>
+            <a:pPr marL="971550" lvl="1" indent="-514350">
+              <a:buFont typeface="+mj-lt"/>
+              <a:buAutoNum type="arabicPeriod"/>
+            </a:pPr>
+            <a:r>
+              <a:rPr lang="en-US" dirty="0"/>
+              <a:t>Don’t use message chains – instead instrument the called-on classes to provide methods to do the work</a:t>
+            </a:r>
+          </a:p>
+          <a:p>
+            <a:pPr lvl="1"/>
+            <a:r>
+              <a:rPr lang="en-US" i="1" dirty="0"/>
+              <a:t>Low</a:t>
+            </a:r>
+            <a:r>
+              <a:rPr lang="en-US" dirty="0"/>
+              <a:t> </a:t>
+            </a:r>
+            <a:r>
+              <a:rPr lang="en-US" i="1" dirty="0"/>
+              <a:t>coupling</a:t>
+            </a:r>
+            <a:r>
+              <a:rPr lang="en-US" dirty="0"/>
+              <a:t> means dependencies are minimized</a:t>
             </a:r>
           </a:p>
         </p:txBody>
@@ -4778,7 +4890,922 @@
     </p:spTree>
     <p:extLst>
       <p:ext uri="{BB962C8B-B14F-4D97-AF65-F5344CB8AC3E}">
-        <p14:creationId xmlns:p14="http://schemas.microsoft.com/office/powerpoint/2010/main" val="629110769"/>
+        <p14:creationId xmlns:p14="http://schemas.microsoft.com/office/powerpoint/2010/main" val="3160988734"/>
+      </p:ext>
+    </p:extLst>
+  </p:cSld>
+  <p:clrMapOvr>
+    <a:masterClrMapping/>
+  </p:clrMapOvr>
+</p:sld>
+</file>
+
+<file path=ppt/slides/slide5.xml><?xml version="1.0" encoding="utf-8"?>
+<p:sld xmlns:a="http://schemas.openxmlformats.org/drawingml/2006/main" xmlns:r="http://schemas.openxmlformats.org/officeDocument/2006/relationships" xmlns:p="http://schemas.openxmlformats.org/presentationml/2006/main">
+  <p:cSld>
+    <p:spTree>
+      <p:nvGrpSpPr>
+        <p:cNvPr id="1" name=""/>
+        <p:cNvGrpSpPr/>
+        <p:nvPr/>
+      </p:nvGrpSpPr>
+      <p:grpSpPr>
+        <a:xfrm>
+          <a:off x="0" y="0"/>
+          <a:ext cx="0" cy="0"/>
+          <a:chOff x="0" y="0"/>
+          <a:chExt cx="0" cy="0"/>
+        </a:xfrm>
+      </p:grpSpPr>
+      <p:sp>
+        <p:nvSpPr>
+          <p:cNvPr id="2" name="Title 1"/>
+          <p:cNvSpPr>
+            <a:spLocks noGrp="1"/>
+          </p:cNvSpPr>
+          <p:nvPr>
+            <p:ph type="title"/>
+          </p:nvPr>
+        </p:nvSpPr>
+        <p:spPr/>
+        <p:txBody>
+          <a:bodyPr/>
+          <a:lstStyle/>
+          <a:p>
+            <a:r>
+              <a:rPr lang="en-US" dirty="0"/>
+              <a:t>Review</a:t>
+            </a:r>
+          </a:p>
+        </p:txBody>
+      </p:sp>
+      <p:sp>
+        <p:nvSpPr>
+          <p:cNvPr id="3" name="Content Placeholder 2"/>
+          <p:cNvSpPr>
+            <a:spLocks noGrp="1"/>
+          </p:cNvSpPr>
+          <p:nvPr>
+            <p:ph idx="1"/>
+          </p:nvPr>
+        </p:nvSpPr>
+        <p:spPr>
+          <a:xfrm>
+            <a:off x="457200" y="1600200"/>
+            <a:ext cx="8382000" cy="4525963"/>
+          </a:xfrm>
+        </p:spPr>
+        <p:txBody>
+          <a:bodyPr/>
+          <a:lstStyle/>
+          <a:p>
+            <a:pPr marL="0" indent="0">
+              <a:buNone/>
+            </a:pPr>
+            <a:r>
+              <a:rPr lang="en-US" b="1" dirty="0"/>
+              <a:t>High Cohesion Rule for Classes</a:t>
+            </a:r>
+          </a:p>
+          <a:p>
+            <a:r>
+              <a:rPr lang="en-US" dirty="0"/>
+              <a:t>Make each class do one thing well</a:t>
+            </a:r>
+          </a:p>
+          <a:p>
+            <a:endParaRPr lang="en-US" dirty="0"/>
+          </a:p>
+          <a:p>
+            <a:pPr marL="0" indent="0">
+              <a:buNone/>
+            </a:pPr>
+            <a:r>
+              <a:rPr lang="en-US" b="1" dirty="0"/>
+              <a:t>Micro-Cohesion Rules for Class Implementations</a:t>
+            </a:r>
+          </a:p>
+          <a:p>
+            <a:r>
+              <a:rPr lang="en-US" dirty="0"/>
+              <a:t>Make each operation do one thing well</a:t>
+            </a:r>
+          </a:p>
+          <a:p>
+            <a:r>
+              <a:rPr lang="en-US" dirty="0"/>
+              <a:t>Make each loop do only one thing</a:t>
+            </a:r>
+          </a:p>
+        </p:txBody>
+      </p:sp>
+    </p:spTree>
+    <p:extLst>
+      <p:ext uri="{BB962C8B-B14F-4D97-AF65-F5344CB8AC3E}">
+        <p14:creationId xmlns:p14="http://schemas.microsoft.com/office/powerpoint/2010/main" val="517551583"/>
+      </p:ext>
+    </p:extLst>
+  </p:cSld>
+  <p:clrMapOvr>
+    <a:masterClrMapping/>
+  </p:clrMapOvr>
+</p:sld>
+</file>
+
+<file path=ppt/slides/slide6.xml><?xml version="1.0" encoding="utf-8"?>
+<p:sld xmlns:a="http://schemas.openxmlformats.org/drawingml/2006/main" xmlns:r="http://schemas.openxmlformats.org/officeDocument/2006/relationships" xmlns:p="http://schemas.openxmlformats.org/presentationml/2006/main">
+  <p:cSld>
+    <p:spTree>
+      <p:nvGrpSpPr>
+        <p:cNvPr id="1" name=""/>
+        <p:cNvGrpSpPr/>
+        <p:nvPr/>
+      </p:nvGrpSpPr>
+      <p:grpSpPr>
+        <a:xfrm>
+          <a:off x="0" y="0"/>
+          <a:ext cx="0" cy="0"/>
+          <a:chOff x="0" y="0"/>
+          <a:chExt cx="0" cy="0"/>
+        </a:xfrm>
+      </p:grpSpPr>
+      <p:sp>
+        <p:nvSpPr>
+          <p:cNvPr id="2" name="Title 1"/>
+          <p:cNvSpPr>
+            <a:spLocks noGrp="1"/>
+          </p:cNvSpPr>
+          <p:nvPr>
+            <p:ph type="title"/>
+          </p:nvPr>
+        </p:nvSpPr>
+        <p:spPr>
+          <a:xfrm>
+            <a:off x="628650" y="365127"/>
+            <a:ext cx="7886700" cy="922498"/>
+          </a:xfrm>
+        </p:spPr>
+        <p:txBody>
+          <a:bodyPr>
+            <a:normAutofit/>
+          </a:bodyPr>
+          <a:lstStyle/>
+          <a:p>
+            <a:r>
+              <a:rPr lang="en-US" dirty="0"/>
+              <a:t>Questions about DPs thus far?</a:t>
+            </a:r>
+          </a:p>
+        </p:txBody>
+      </p:sp>
+      <p:sp>
+        <p:nvSpPr>
+          <p:cNvPr id="3" name="Content Placeholder 2"/>
+          <p:cNvSpPr>
+            <a:spLocks noGrp="1"/>
+          </p:cNvSpPr>
+          <p:nvPr>
+            <p:ph idx="1"/>
+          </p:nvPr>
+        </p:nvSpPr>
+        <p:spPr>
+          <a:xfrm>
+            <a:off x="335901" y="1287625"/>
+            <a:ext cx="8546841" cy="5570375"/>
+          </a:xfrm>
+        </p:spPr>
+        <p:txBody>
+          <a:bodyPr>
+            <a:normAutofit fontScale="62500" lnSpcReduction="20000"/>
+          </a:bodyPr>
+          <a:lstStyle/>
+          <a:p>
+            <a:pPr marL="457200" indent="-457200" fontAlgn="base">
+              <a:buFont typeface="+mj-lt"/>
+              <a:buAutoNum type="arabicPeriod"/>
+            </a:pPr>
+            <a:r>
+              <a:rPr lang="en-US" sz="2400" dirty="0">
+                <a:highlight>
+                  <a:srgbClr val="FFFF00"/>
+                </a:highlight>
+              </a:rPr>
+              <a:t>Make sure your design </a:t>
+            </a:r>
+            <a:r>
+              <a:rPr lang="en-US" sz="2400" b="1" dirty="0">
+                <a:highlight>
+                  <a:srgbClr val="FFFF00"/>
+                </a:highlight>
+              </a:rPr>
+              <a:t>allows proper functionality</a:t>
+            </a:r>
+            <a:endParaRPr lang="en-US" sz="2400" dirty="0">
+              <a:highlight>
+                <a:srgbClr val="FFFF00"/>
+              </a:highlight>
+            </a:endParaRPr>
+          </a:p>
+          <a:p>
+            <a:pPr marL="685800" lvl="1" indent="-342900" fontAlgn="base">
+              <a:buFont typeface="+mj-lt"/>
+              <a:buAutoNum type="alphaLcParenR"/>
+            </a:pPr>
+            <a:r>
+              <a:rPr lang="en-US" dirty="0">
+                <a:highlight>
+                  <a:srgbClr val="FFFF00"/>
+                </a:highlight>
+              </a:rPr>
+              <a:t>Must be able to </a:t>
+            </a:r>
+            <a:r>
+              <a:rPr lang="en-US" b="1" dirty="0">
+                <a:highlight>
+                  <a:srgbClr val="FFFF00"/>
+                </a:highlight>
+              </a:rPr>
+              <a:t>store required information</a:t>
+            </a:r>
+            <a:r>
+              <a:rPr lang="en-US" dirty="0">
+                <a:highlight>
+                  <a:srgbClr val="FFFF00"/>
+                </a:highlight>
+              </a:rPr>
+              <a:t> (one/many to one/many relationships)</a:t>
+            </a:r>
+          </a:p>
+          <a:p>
+            <a:pPr marL="685800" lvl="1" indent="-342900" fontAlgn="base">
+              <a:buFont typeface="+mj-lt"/>
+              <a:buAutoNum type="alphaLcParenR"/>
+            </a:pPr>
+            <a:r>
+              <a:rPr lang="en-US" dirty="0">
+                <a:highlight>
+                  <a:srgbClr val="FFFF00"/>
+                </a:highlight>
+              </a:rPr>
+              <a:t>Must be able to </a:t>
+            </a:r>
+            <a:r>
+              <a:rPr lang="en-US" b="1" dirty="0">
+                <a:highlight>
+                  <a:srgbClr val="FFFF00"/>
+                </a:highlight>
+              </a:rPr>
+              <a:t>access the required information</a:t>
+            </a:r>
+            <a:r>
+              <a:rPr lang="en-US" dirty="0">
+                <a:highlight>
+                  <a:srgbClr val="FFFF00"/>
+                </a:highlight>
+              </a:rPr>
+              <a:t> to accomplish tasks</a:t>
+            </a:r>
+          </a:p>
+          <a:p>
+            <a:pPr marL="685800" lvl="1" indent="-342900" fontAlgn="base">
+              <a:buFont typeface="+mj-lt"/>
+              <a:buAutoNum type="alphaLcParenR"/>
+            </a:pPr>
+            <a:r>
+              <a:rPr lang="en-US" dirty="0">
+                <a:highlight>
+                  <a:srgbClr val="FFFF00"/>
+                </a:highlight>
+              </a:rPr>
+              <a:t>Data should </a:t>
+            </a:r>
+            <a:r>
+              <a:rPr lang="en-US" b="1" dirty="0">
+                <a:highlight>
+                  <a:srgbClr val="FFFF00"/>
+                </a:highlight>
+              </a:rPr>
+              <a:t>not be duplicated</a:t>
+            </a:r>
+            <a:r>
+              <a:rPr lang="en-US" dirty="0">
+                <a:highlight>
+                  <a:srgbClr val="FFFF00"/>
+                </a:highlight>
+              </a:rPr>
+              <a:t> (id/identifiers are OK!)</a:t>
+            </a:r>
+            <a:endParaRPr lang="en-US" sz="2400" dirty="0">
+              <a:highlight>
+                <a:srgbClr val="FFFF00"/>
+              </a:highlight>
+            </a:endParaRPr>
+          </a:p>
+          <a:p>
+            <a:pPr marL="457200" indent="-457200">
+              <a:buFont typeface="+mj-lt"/>
+              <a:buAutoNum type="arabicPeriod"/>
+            </a:pPr>
+            <a:r>
+              <a:rPr lang="en-US" sz="2400" dirty="0">
+                <a:highlight>
+                  <a:srgbClr val="FFFF00"/>
+                </a:highlight>
+              </a:rPr>
+              <a:t>Structure design </a:t>
+            </a:r>
+            <a:r>
+              <a:rPr lang="en-US" sz="2400" b="1" dirty="0">
+                <a:highlight>
+                  <a:srgbClr val="FFFF00"/>
+                </a:highlight>
+              </a:rPr>
+              <a:t>around the data</a:t>
+            </a:r>
+            <a:r>
+              <a:rPr lang="en-US" sz="2400" dirty="0">
+                <a:highlight>
+                  <a:srgbClr val="FFFF00"/>
+                </a:highlight>
+              </a:rPr>
+              <a:t> to be stored</a:t>
+            </a:r>
+          </a:p>
+          <a:p>
+            <a:pPr marL="685800" lvl="1" indent="-342900" fontAlgn="base">
+              <a:buFont typeface="+mj-lt"/>
+              <a:buAutoNum type="alphaLcParenR"/>
+            </a:pPr>
+            <a:r>
+              <a:rPr lang="en-US" b="1" dirty="0">
+                <a:highlight>
+                  <a:srgbClr val="FFFF00"/>
+                </a:highlight>
+              </a:rPr>
+              <a:t>Nouns should become classes</a:t>
+            </a:r>
+            <a:endParaRPr lang="en-US" dirty="0">
+              <a:highlight>
+                <a:srgbClr val="FFFF00"/>
+              </a:highlight>
+            </a:endParaRPr>
+          </a:p>
+          <a:p>
+            <a:pPr marL="685800" lvl="1" indent="-342900" fontAlgn="base">
+              <a:buFont typeface="+mj-lt"/>
+              <a:buAutoNum type="alphaLcParenR"/>
+            </a:pPr>
+            <a:r>
+              <a:rPr lang="en-US" b="1" dirty="0">
+                <a:highlight>
+                  <a:srgbClr val="FFFF00"/>
+                </a:highlight>
+              </a:rPr>
+              <a:t>Classes should have intelligent behaviors</a:t>
+            </a:r>
+            <a:r>
+              <a:rPr lang="en-US" dirty="0">
+                <a:highlight>
+                  <a:srgbClr val="FFFF00"/>
+                </a:highlight>
+              </a:rPr>
+              <a:t> (methods) </a:t>
+            </a:r>
+            <a:r>
+              <a:rPr lang="en-US" b="1" dirty="0">
+                <a:highlight>
+                  <a:srgbClr val="FFFF00"/>
+                </a:highlight>
+              </a:rPr>
+              <a:t>that may operate on their data</a:t>
+            </a:r>
+            <a:endParaRPr lang="en-US" dirty="0">
+              <a:highlight>
+                <a:srgbClr val="FFFF00"/>
+              </a:highlight>
+            </a:endParaRPr>
+          </a:p>
+          <a:p>
+            <a:pPr marL="457200" indent="-457200" fontAlgn="base">
+              <a:buFont typeface="+mj-lt"/>
+              <a:buAutoNum type="arabicPeriod"/>
+            </a:pPr>
+            <a:r>
+              <a:rPr lang="en-US" sz="2400" dirty="0">
+                <a:highlight>
+                  <a:srgbClr val="FFFF00"/>
+                </a:highlight>
+              </a:rPr>
+              <a:t>Functionality should be </a:t>
+            </a:r>
+            <a:r>
+              <a:rPr lang="en-US" sz="2400" b="1" dirty="0">
+                <a:highlight>
+                  <a:srgbClr val="FFFF00"/>
+                </a:highlight>
+              </a:rPr>
+              <a:t>distributed efficiently</a:t>
+            </a:r>
+            <a:endParaRPr lang="en-US" sz="2400" dirty="0">
+              <a:highlight>
+                <a:srgbClr val="FFFF00"/>
+              </a:highlight>
+            </a:endParaRPr>
+          </a:p>
+          <a:p>
+            <a:pPr marL="685800" lvl="1" indent="-342900" fontAlgn="base">
+              <a:buFont typeface="+mj-lt"/>
+              <a:buAutoNum type="alphaLcParenR"/>
+            </a:pPr>
+            <a:r>
+              <a:rPr lang="en-US" b="1" dirty="0">
+                <a:highlight>
+                  <a:srgbClr val="FFFF00"/>
+                </a:highlight>
+              </a:rPr>
+              <a:t>No class/part should get too large</a:t>
+            </a:r>
+          </a:p>
+          <a:p>
+            <a:pPr marL="685800" lvl="1" indent="-342900" fontAlgn="base">
+              <a:buFont typeface="+mj-lt"/>
+              <a:buAutoNum type="alphaLcParenR"/>
+            </a:pPr>
+            <a:r>
+              <a:rPr lang="en-US" b="1" dirty="0">
+                <a:highlight>
+                  <a:srgbClr val="FFFF00"/>
+                </a:highlight>
+              </a:rPr>
+              <a:t>Each class should have a single responsibility</a:t>
+            </a:r>
+            <a:r>
+              <a:rPr lang="en-US" dirty="0">
+                <a:highlight>
+                  <a:srgbClr val="FFFF00"/>
+                </a:highlight>
+              </a:rPr>
+              <a:t> it accomplishes</a:t>
+            </a:r>
+          </a:p>
+          <a:p>
+            <a:pPr marL="457200" indent="-457200" fontAlgn="base">
+              <a:buFont typeface="+mj-lt"/>
+              <a:buAutoNum type="arabicPeriod"/>
+            </a:pPr>
+            <a:r>
+              <a:rPr lang="en-US" sz="2400" b="1" dirty="0">
+                <a:highlight>
+                  <a:srgbClr val="FFFF00"/>
+                </a:highlight>
+              </a:rPr>
+              <a:t>Minimize dependencies</a:t>
+            </a:r>
+            <a:r>
+              <a:rPr lang="en-US" sz="2400" dirty="0">
+                <a:highlight>
+                  <a:srgbClr val="FFFF00"/>
+                </a:highlight>
+              </a:rPr>
+              <a:t> between objects when it does not disrupt usability or extendibility</a:t>
+            </a:r>
+          </a:p>
+          <a:p>
+            <a:pPr marL="685800" lvl="1" indent="-342900" fontAlgn="base">
+              <a:buFont typeface="+mj-lt"/>
+              <a:buAutoNum type="alphaLcParenR"/>
+            </a:pPr>
+            <a:r>
+              <a:rPr lang="en-US" dirty="0">
+                <a:highlight>
+                  <a:srgbClr val="FFFF00"/>
+                </a:highlight>
+              </a:rPr>
+              <a:t>Tell don't ask</a:t>
+            </a:r>
+          </a:p>
+          <a:p>
+            <a:pPr marL="685800" lvl="1" indent="-342900" fontAlgn="base">
+              <a:buFont typeface="+mj-lt"/>
+              <a:buAutoNum type="alphaLcParenR"/>
+            </a:pPr>
+            <a:r>
+              <a:rPr lang="en-US" dirty="0">
+                <a:highlight>
+                  <a:srgbClr val="FFFF00"/>
+                </a:highlight>
+              </a:rPr>
+              <a:t>Don't have message chains</a:t>
+            </a:r>
+          </a:p>
+          <a:p>
+            <a:pPr marL="457200" indent="-457200" fontAlgn="base">
+              <a:buFont typeface="+mj-lt"/>
+              <a:buAutoNum type="arabicPeriod"/>
+            </a:pPr>
+            <a:r>
+              <a:rPr lang="en-US" sz="2400" b="1" dirty="0">
+                <a:highlight>
+                  <a:srgbClr val="FFFF00"/>
+                </a:highlight>
+              </a:rPr>
+              <a:t>Don't duplicate</a:t>
+            </a:r>
+            <a:r>
+              <a:rPr lang="en-US" sz="2400" dirty="0">
+                <a:highlight>
+                  <a:srgbClr val="FFFF00"/>
+                </a:highlight>
+              </a:rPr>
+              <a:t> code</a:t>
+            </a:r>
+          </a:p>
+          <a:p>
+            <a:pPr marL="685800" lvl="1" indent="-342900" fontAlgn="base">
+              <a:buFont typeface="+mj-lt"/>
+              <a:buAutoNum type="alphaLcParenR"/>
+            </a:pPr>
+            <a:r>
+              <a:rPr lang="en-US" dirty="0">
+                <a:highlight>
+                  <a:srgbClr val="FFFF00"/>
+                </a:highlight>
+              </a:rPr>
+              <a:t>Similar "chunks" of code should be </a:t>
+            </a:r>
+            <a:r>
+              <a:rPr lang="en-US" b="1" dirty="0">
+                <a:highlight>
+                  <a:srgbClr val="FFFF00"/>
+                </a:highlight>
+              </a:rPr>
+              <a:t>unified into functions</a:t>
+            </a:r>
+            <a:endParaRPr lang="en-US" dirty="0">
+              <a:highlight>
+                <a:srgbClr val="FFFF00"/>
+              </a:highlight>
+            </a:endParaRPr>
+          </a:p>
+          <a:p>
+            <a:pPr marL="685800" lvl="1" indent="-342900" fontAlgn="base">
+              <a:buFont typeface="+mj-lt"/>
+              <a:buAutoNum type="alphaLcParenR"/>
+            </a:pPr>
+            <a:r>
+              <a:rPr lang="en-US" dirty="0"/>
+              <a:t>Classes with similar features should be given </a:t>
+            </a:r>
+            <a:r>
+              <a:rPr lang="en-US" b="1" dirty="0"/>
+              <a:t>common interfaces</a:t>
+            </a:r>
+            <a:endParaRPr lang="en-US" dirty="0"/>
+          </a:p>
+          <a:p>
+            <a:pPr marL="685800" lvl="1" indent="-342900">
+              <a:buFont typeface="+mj-lt"/>
+              <a:buAutoNum type="alphaLcParenR"/>
+            </a:pPr>
+            <a:r>
+              <a:rPr lang="en-US" dirty="0"/>
+              <a:t>Classes with similar internals should be simplified using </a:t>
+            </a:r>
+            <a:r>
+              <a:rPr lang="en-US" b="1" dirty="0"/>
+              <a:t>inheritance</a:t>
+            </a:r>
+            <a:endParaRPr lang="en-US" dirty="0"/>
+          </a:p>
+        </p:txBody>
+      </p:sp>
+    </p:spTree>
+    <p:extLst>
+      <p:ext uri="{BB962C8B-B14F-4D97-AF65-F5344CB8AC3E}">
+        <p14:creationId xmlns:p14="http://schemas.microsoft.com/office/powerpoint/2010/main" val="3813012996"/>
+      </p:ext>
+    </p:extLst>
+  </p:cSld>
+  <p:clrMapOvr>
+    <a:masterClrMapping/>
+  </p:clrMapOvr>
+</p:sld>
+</file>
+
+<file path=ppt/slides/slide7.xml><?xml version="1.0" encoding="utf-8"?>
+<p:sld xmlns:a="http://schemas.openxmlformats.org/drawingml/2006/main" xmlns:r="http://schemas.openxmlformats.org/officeDocument/2006/relationships" xmlns:p="http://schemas.openxmlformats.org/presentationml/2006/main">
+  <p:cSld>
+    <p:spTree>
+      <p:nvGrpSpPr>
+        <p:cNvPr id="1" name=""/>
+        <p:cNvGrpSpPr/>
+        <p:nvPr/>
+      </p:nvGrpSpPr>
+      <p:grpSpPr>
+        <a:xfrm>
+          <a:off x="0" y="0"/>
+          <a:ext cx="0" cy="0"/>
+          <a:chOff x="0" y="0"/>
+          <a:chExt cx="0" cy="0"/>
+        </a:xfrm>
+      </p:grpSpPr>
+      <p:sp>
+        <p:nvSpPr>
+          <p:cNvPr id="2" name="Title 1">
+            <a:extLst>
+              <a:ext uri="{FF2B5EF4-FFF2-40B4-BE49-F238E27FC236}">
+                <a16:creationId xmlns:a16="http://schemas.microsoft.com/office/drawing/2014/main" id="{86790ECD-8183-55EE-2AE4-41CF636EF5F6}"/>
+              </a:ext>
+            </a:extLst>
+          </p:cNvPr>
+          <p:cNvSpPr>
+            <a:spLocks noGrp="1"/>
+          </p:cNvSpPr>
+          <p:nvPr>
+            <p:ph type="title"/>
+          </p:nvPr>
+        </p:nvSpPr>
+        <p:spPr/>
+        <p:txBody>
+          <a:bodyPr/>
+          <a:lstStyle/>
+          <a:p>
+            <a:r>
+              <a:rPr lang="en-US" dirty="0"/>
+              <a:t>Example DPs for Practice!</a:t>
+            </a:r>
+          </a:p>
+        </p:txBody>
+      </p:sp>
+      <p:sp>
+        <p:nvSpPr>
+          <p:cNvPr id="3" name="Content Placeholder 2">
+            <a:extLst>
+              <a:ext uri="{FF2B5EF4-FFF2-40B4-BE49-F238E27FC236}">
+                <a16:creationId xmlns:a16="http://schemas.microsoft.com/office/drawing/2014/main" id="{3353406D-B5E3-38EB-E7A1-3B34C05703B3}"/>
+              </a:ext>
+            </a:extLst>
+          </p:cNvPr>
+          <p:cNvSpPr>
+            <a:spLocks noGrp="1"/>
+          </p:cNvSpPr>
+          <p:nvPr>
+            <p:ph idx="1"/>
+          </p:nvPr>
+        </p:nvSpPr>
+        <p:spPr>
+          <a:xfrm>
+            <a:off x="280219" y="1600200"/>
+            <a:ext cx="5114925" cy="2392363"/>
+          </a:xfrm>
+        </p:spPr>
+        <p:txBody>
+          <a:bodyPr/>
+          <a:lstStyle/>
+          <a:p>
+            <a:pPr marL="0" indent="0">
+              <a:buNone/>
+            </a:pPr>
+            <a:r>
+              <a:rPr lang="en-US" dirty="0">
+                <a:hlinkClick r:id="rId2"/>
+              </a:rPr>
+              <a:t>https://github.com/RHIT-CSSE/csse220/tree/master/Docs/ExampleDesignProblems</a:t>
+            </a:r>
+            <a:endParaRPr lang="en-US" dirty="0"/>
+          </a:p>
+          <a:p>
+            <a:endParaRPr lang="en-US" dirty="0"/>
+          </a:p>
+        </p:txBody>
+      </p:sp>
+      <p:pic>
+        <p:nvPicPr>
+          <p:cNvPr id="7" name="Picture 6">
+            <a:extLst>
+              <a:ext uri="{FF2B5EF4-FFF2-40B4-BE49-F238E27FC236}">
+                <a16:creationId xmlns:a16="http://schemas.microsoft.com/office/drawing/2014/main" id="{2E13484C-A117-05BB-2909-5FBE42364E7D}"/>
+              </a:ext>
+            </a:extLst>
+          </p:cNvPr>
+          <p:cNvPicPr>
+            <a:picLocks noChangeAspect="1"/>
+          </p:cNvPicPr>
+          <p:nvPr/>
+        </p:nvPicPr>
+        <p:blipFill>
+          <a:blip r:embed="rId3"/>
+          <a:stretch>
+            <a:fillRect/>
+          </a:stretch>
+        </p:blipFill>
+        <p:spPr>
+          <a:xfrm>
+            <a:off x="248264" y="3505200"/>
+            <a:ext cx="5387770" cy="2268063"/>
+          </a:xfrm>
+          <a:prstGeom prst="rect">
+            <a:avLst/>
+          </a:prstGeom>
+          <a:ln>
+            <a:solidFill>
+              <a:schemeClr val="tx1"/>
+            </a:solidFill>
+          </a:ln>
+        </p:spPr>
+      </p:pic>
+      <p:pic>
+        <p:nvPicPr>
+          <p:cNvPr id="6" name="Picture 5">
+            <a:extLst>
+              <a:ext uri="{FF2B5EF4-FFF2-40B4-BE49-F238E27FC236}">
+                <a16:creationId xmlns:a16="http://schemas.microsoft.com/office/drawing/2014/main" id="{363416B3-746A-CEDF-0C4E-E93A7CBC6819}"/>
+              </a:ext>
+            </a:extLst>
+          </p:cNvPr>
+          <p:cNvPicPr>
+            <a:picLocks noChangeAspect="1"/>
+          </p:cNvPicPr>
+          <p:nvPr/>
+        </p:nvPicPr>
+        <p:blipFill>
+          <a:blip r:embed="rId4"/>
+          <a:stretch>
+            <a:fillRect/>
+          </a:stretch>
+        </p:blipFill>
+        <p:spPr>
+          <a:xfrm>
+            <a:off x="6336437" y="1524000"/>
+            <a:ext cx="2593175" cy="5127912"/>
+          </a:xfrm>
+          <a:prstGeom prst="rect">
+            <a:avLst/>
+          </a:prstGeom>
+          <a:ln>
+            <a:solidFill>
+              <a:schemeClr val="tx1"/>
+            </a:solidFill>
+          </a:ln>
+        </p:spPr>
+      </p:pic>
+      <mc:AlternateContent xmlns:mc="http://schemas.openxmlformats.org/markup-compatibility/2006">
+        <mc:Choice xmlns:p14="http://schemas.microsoft.com/office/powerpoint/2010/main" Requires="p14">
+          <p:contentPart p14:bwMode="auto" r:id="rId5">
+            <p14:nvContentPartPr>
+              <p14:cNvPr id="8" name="Ink 7">
+                <a:extLst>
+                  <a:ext uri="{FF2B5EF4-FFF2-40B4-BE49-F238E27FC236}">
+                    <a16:creationId xmlns:a16="http://schemas.microsoft.com/office/drawing/2014/main" id="{F5D47A91-31E5-85CC-5987-139CB7F41541}"/>
+                  </a:ext>
+                </a:extLst>
+              </p14:cNvPr>
+              <p14:cNvContentPartPr/>
+              <p14:nvPr/>
+            </p14:nvContentPartPr>
+            <p14:xfrm>
+              <a:off x="6495145" y="5443796"/>
+              <a:ext cx="577440" cy="11880"/>
+            </p14:xfrm>
+          </p:contentPart>
+        </mc:Choice>
+        <mc:Fallback>
+          <p:pic>
+            <p:nvPicPr>
+              <p:cNvPr id="8" name="Ink 7">
+                <a:extLst>
+                  <a:ext uri="{FF2B5EF4-FFF2-40B4-BE49-F238E27FC236}">
+                    <a16:creationId xmlns:a16="http://schemas.microsoft.com/office/drawing/2014/main" id="{F5D47A91-31E5-85CC-5987-139CB7F41541}"/>
+                  </a:ext>
+                </a:extLst>
+              </p:cNvPr>
+              <p:cNvPicPr/>
+              <p:nvPr/>
+            </p:nvPicPr>
+            <p:blipFill>
+              <a:blip r:embed="rId6"/>
+              <a:stretch>
+                <a:fillRect/>
+              </a:stretch>
+            </p:blipFill>
+            <p:spPr>
+              <a:xfrm>
+                <a:off x="6486505" y="5434796"/>
+                <a:ext cx="595080" cy="29520"/>
+              </a:xfrm>
+              <a:prstGeom prst="rect">
+                <a:avLst/>
+              </a:prstGeom>
+            </p:spPr>
+          </p:pic>
+        </mc:Fallback>
+      </mc:AlternateContent>
+      <mc:AlternateContent xmlns:mc="http://schemas.openxmlformats.org/markup-compatibility/2006">
+        <mc:Choice xmlns:p14="http://schemas.microsoft.com/office/powerpoint/2010/main" Requires="p14">
+          <p:contentPart p14:bwMode="auto" r:id="rId7">
+            <p14:nvContentPartPr>
+              <p14:cNvPr id="9" name="Ink 8">
+                <a:extLst>
+                  <a:ext uri="{FF2B5EF4-FFF2-40B4-BE49-F238E27FC236}">
+                    <a16:creationId xmlns:a16="http://schemas.microsoft.com/office/drawing/2014/main" id="{D64EAF92-0FEB-149E-7A90-CC17D2302C26}"/>
+                  </a:ext>
+                </a:extLst>
+              </p14:cNvPr>
+              <p14:cNvContentPartPr/>
+              <p14:nvPr/>
+            </p14:nvContentPartPr>
+            <p14:xfrm>
+              <a:off x="6085105" y="6044996"/>
+              <a:ext cx="514440" cy="171720"/>
+            </p14:xfrm>
+          </p:contentPart>
+        </mc:Choice>
+        <mc:Fallback>
+          <p:pic>
+            <p:nvPicPr>
+              <p:cNvPr id="9" name="Ink 8">
+                <a:extLst>
+                  <a:ext uri="{FF2B5EF4-FFF2-40B4-BE49-F238E27FC236}">
+                    <a16:creationId xmlns:a16="http://schemas.microsoft.com/office/drawing/2014/main" id="{D64EAF92-0FEB-149E-7A90-CC17D2302C26}"/>
+                  </a:ext>
+                </a:extLst>
+              </p:cNvPr>
+              <p:cNvPicPr/>
+              <p:nvPr/>
+            </p:nvPicPr>
+            <p:blipFill>
+              <a:blip r:embed="rId8"/>
+              <a:stretch>
+                <a:fillRect/>
+              </a:stretch>
+            </p:blipFill>
+            <p:spPr>
+              <a:xfrm>
+                <a:off x="6076465" y="6036356"/>
+                <a:ext cx="532080" cy="189360"/>
+              </a:xfrm>
+              <a:prstGeom prst="rect">
+                <a:avLst/>
+              </a:prstGeom>
+            </p:spPr>
+          </p:pic>
+        </mc:Fallback>
+      </mc:AlternateContent>
+      <mc:AlternateContent xmlns:mc="http://schemas.openxmlformats.org/markup-compatibility/2006">
+        <mc:Choice xmlns:p14="http://schemas.microsoft.com/office/powerpoint/2010/main" Requires="p14">
+          <p:contentPart p14:bwMode="auto" r:id="rId9">
+            <p14:nvContentPartPr>
+              <p14:cNvPr id="10" name="Ink 9">
+                <a:extLst>
+                  <a:ext uri="{FF2B5EF4-FFF2-40B4-BE49-F238E27FC236}">
+                    <a16:creationId xmlns:a16="http://schemas.microsoft.com/office/drawing/2014/main" id="{0BE0050B-81D4-1CE5-762D-9ACFFAE5265C}"/>
+                  </a:ext>
+                </a:extLst>
+              </p14:cNvPr>
+              <p14:cNvContentPartPr/>
+              <p14:nvPr/>
+            </p14:nvContentPartPr>
+            <p14:xfrm>
+              <a:off x="6643465" y="6106196"/>
+              <a:ext cx="1060920" cy="53640"/>
+            </p14:xfrm>
+          </p:contentPart>
+        </mc:Choice>
+        <mc:Fallback>
+          <p:pic>
+            <p:nvPicPr>
+              <p:cNvPr id="10" name="Ink 9">
+                <a:extLst>
+                  <a:ext uri="{FF2B5EF4-FFF2-40B4-BE49-F238E27FC236}">
+                    <a16:creationId xmlns:a16="http://schemas.microsoft.com/office/drawing/2014/main" id="{0BE0050B-81D4-1CE5-762D-9ACFFAE5265C}"/>
+                  </a:ext>
+                </a:extLst>
+              </p:cNvPr>
+              <p:cNvPicPr/>
+              <p:nvPr/>
+            </p:nvPicPr>
+            <p:blipFill>
+              <a:blip r:embed="rId10"/>
+              <a:stretch>
+                <a:fillRect/>
+              </a:stretch>
+            </p:blipFill>
+            <p:spPr>
+              <a:xfrm>
+                <a:off x="6589465" y="5998196"/>
+                <a:ext cx="1168560" cy="269280"/>
+              </a:xfrm>
+              <a:prstGeom prst="rect">
+                <a:avLst/>
+              </a:prstGeom>
+            </p:spPr>
+          </p:pic>
+        </mc:Fallback>
+      </mc:AlternateContent>
+    </p:spTree>
+    <p:extLst>
+      <p:ext uri="{BB962C8B-B14F-4D97-AF65-F5344CB8AC3E}">
+        <p14:creationId xmlns:p14="http://schemas.microsoft.com/office/powerpoint/2010/main" val="837567995"/>
       </p:ext>
     </p:extLst>
   </p:cSld>

--- a/ClassMaterials/IntroToUnitTesting/Slides/Part1-DP-Review.pptx
+++ b/ClassMaterials/IntroToUnitTesting/Slides/Part1-DP-Review.pptx
@@ -165,6 +165,51 @@
 </p:presentation>
 </file>
 
+<file path=ppt/changesInfos/changesInfo1.xml><?xml version="1.0" encoding="utf-8"?>
+<pc:chgInfo xmlns:a="http://schemas.openxmlformats.org/drawingml/2006/main" xmlns:r="http://schemas.openxmlformats.org/officeDocument/2006/relationships" xmlns:ac="http://schemas.microsoft.com/office/drawing/2013/main/command" xmlns:pc="http://schemas.microsoft.com/office/powerpoint/2013/main/command">
+  <pc:docChgLst>
+    <pc:chgData name="Yoder, Jason" userId="28f4d4d8-da04-4f86-b14d-a21675737bc5" providerId="ADAL" clId="{CD68BC9C-59DF-45A3-AD28-EDCA1771A65A}"/>
+    <pc:docChg chg="modSld">
+      <pc:chgData name="Yoder, Jason" userId="28f4d4d8-da04-4f86-b14d-a21675737bc5" providerId="ADAL" clId="{CD68BC9C-59DF-45A3-AD28-EDCA1771A65A}" dt="2023-11-21T17:16:22.411" v="49" actId="6549"/>
+      <pc:docMkLst>
+        <pc:docMk/>
+      </pc:docMkLst>
+      <pc:sldChg chg="modSp mod">
+        <pc:chgData name="Yoder, Jason" userId="28f4d4d8-da04-4f86-b14d-a21675737bc5" providerId="ADAL" clId="{CD68BC9C-59DF-45A3-AD28-EDCA1771A65A}" dt="2023-11-21T17:16:22.411" v="49" actId="6549"/>
+        <pc:sldMkLst>
+          <pc:docMk/>
+          <pc:sldMk cId="0" sldId="256"/>
+        </pc:sldMkLst>
+        <pc:spChg chg="mod">
+          <ac:chgData name="Yoder, Jason" userId="28f4d4d8-da04-4f86-b14d-a21675737bc5" providerId="ADAL" clId="{CD68BC9C-59DF-45A3-AD28-EDCA1771A65A}" dt="2023-11-21T17:16:11.198" v="44" actId="1076"/>
+          <ac:spMkLst>
+            <pc:docMk/>
+            <pc:sldMk cId="0" sldId="256"/>
+            <ac:spMk id="2" creationId="{00000000-0000-0000-0000-000000000000}"/>
+          </ac:spMkLst>
+        </pc:spChg>
+        <pc:spChg chg="mod">
+          <ac:chgData name="Yoder, Jason" userId="28f4d4d8-da04-4f86-b14d-a21675737bc5" providerId="ADAL" clId="{CD68BC9C-59DF-45A3-AD28-EDCA1771A65A}" dt="2023-11-21T17:16:22.411" v="49" actId="6549"/>
+          <ac:spMkLst>
+            <pc:docMk/>
+            <pc:sldMk cId="0" sldId="256"/>
+            <ac:spMk id="3" creationId="{0AF4B67C-EF48-998C-3AFC-31304802D527}"/>
+          </ac:spMkLst>
+        </pc:spChg>
+        <pc:spChg chg="mod">
+          <ac:chgData name="Yoder, Jason" userId="28f4d4d8-da04-4f86-b14d-a21675737bc5" providerId="ADAL" clId="{CD68BC9C-59DF-45A3-AD28-EDCA1771A65A}" dt="2023-11-21T17:16:11.198" v="44" actId="1076"/>
+          <ac:spMkLst>
+            <pc:docMk/>
+            <pc:sldMk cId="0" sldId="256"/>
+            <ac:spMk id="9219" creationId="{00000000-0000-0000-0000-000000000000}"/>
+          </ac:spMkLst>
+        </pc:spChg>
+      </pc:sldChg>
+    </pc:docChg>
+  </pc:docChgLst>
+</pc:chgInfo>
+</file>
+
 <file path=ppt/handoutMasters/handoutMaster1.xml><?xml version="1.0" encoding="utf-8"?>
 <p:handoutMaster xmlns:a="http://schemas.openxmlformats.org/drawingml/2006/main" xmlns:r="http://schemas.openxmlformats.org/officeDocument/2006/relationships" xmlns:p="http://schemas.openxmlformats.org/presentationml/2006/main">
   <p:cSld>
@@ -282,7 +327,7 @@
               <a:pPr>
                 <a:defRPr/>
               </a:pPr>
-              <a:t>3/27/2023</a:t>
+              <a:t>11/21/2023</a:t>
             </a:fld>
             <a:endParaRPr lang="en-US" dirty="0"/>
           </a:p>
@@ -602,7 +647,7 @@
               <a:pPr>
                 <a:defRPr/>
               </a:pPr>
-              <a:t>3/27/2023</a:t>
+              <a:t>11/21/2023</a:t>
             </a:fld>
             <a:endParaRPr lang="en-US" dirty="0"/>
           </a:p>
@@ -1330,7 +1375,7 @@
               <a:pPr>
                 <a:defRPr/>
               </a:pPr>
-              <a:t>Monday, March 27, 2023</a:t>
+              <a:t>Tuesday, November 21, 2023</a:t>
             </a:fld>
             <a:endParaRPr lang="en-US" dirty="0"/>
           </a:p>
@@ -1513,7 +1558,7 @@
               <a:pPr>
                 <a:defRPr/>
               </a:pPr>
-              <a:t>Monday, March 27, 2023</a:t>
+              <a:t>Tuesday, November 21, 2023</a:t>
             </a:fld>
             <a:endParaRPr lang="en-US" dirty="0"/>
           </a:p>
@@ -1706,7 +1751,7 @@
               <a:pPr>
                 <a:defRPr/>
               </a:pPr>
-              <a:t>Monday, March 27, 2023</a:t>
+              <a:t>Tuesday, November 21, 2023</a:t>
             </a:fld>
             <a:endParaRPr lang="en-US" dirty="0"/>
           </a:p>
@@ -1889,7 +1934,7 @@
               <a:pPr>
                 <a:defRPr/>
               </a:pPr>
-              <a:t>Monday, March 27, 2023</a:t>
+              <a:t>Tuesday, November 21, 2023</a:t>
             </a:fld>
             <a:endParaRPr lang="en-US" dirty="0"/>
           </a:p>
@@ -2149,7 +2194,7 @@
               <a:pPr>
                 <a:defRPr/>
               </a:pPr>
-              <a:t>Monday, March 27, 2023</a:t>
+              <a:t>Tuesday, November 21, 2023</a:t>
             </a:fld>
             <a:endParaRPr lang="en-US" dirty="0"/>
           </a:p>
@@ -2449,7 +2494,7 @@
               <a:pPr>
                 <a:defRPr/>
               </a:pPr>
-              <a:t>Monday, March 27, 2023</a:t>
+              <a:t>Tuesday, November 21, 2023</a:t>
             </a:fld>
             <a:endParaRPr lang="en-US" dirty="0"/>
           </a:p>
@@ -2883,7 +2928,7 @@
               <a:pPr>
                 <a:defRPr/>
               </a:pPr>
-              <a:t>Monday, March 27, 2023</a:t>
+              <a:t>Tuesday, November 21, 2023</a:t>
             </a:fld>
             <a:endParaRPr lang="en-US" dirty="0"/>
           </a:p>
@@ -3015,7 +3060,7 @@
               <a:pPr>
                 <a:defRPr/>
               </a:pPr>
-              <a:t>Monday, March 27, 2023</a:t>
+              <a:t>Tuesday, November 21, 2023</a:t>
             </a:fld>
             <a:endParaRPr lang="en-US" dirty="0"/>
           </a:p>
@@ -3125,7 +3170,7 @@
               <a:pPr>
                 <a:defRPr/>
               </a:pPr>
-              <a:t>Monday, March 27, 2023</a:t>
+              <a:t>Tuesday, November 21, 2023</a:t>
             </a:fld>
             <a:endParaRPr lang="en-US" dirty="0"/>
           </a:p>
@@ -3415,7 +3460,7 @@
               <a:pPr>
                 <a:defRPr/>
               </a:pPr>
-              <a:t>Monday, March 27, 2023</a:t>
+              <a:t>Tuesday, November 21, 2023</a:t>
             </a:fld>
             <a:endParaRPr lang="en-US" dirty="0"/>
           </a:p>
@@ -3682,7 +3727,7 @@
               <a:pPr>
                 <a:defRPr/>
               </a:pPr>
-              <a:t>Monday, March 27, 2023</a:t>
+              <a:t>Tuesday, November 21, 2023</a:t>
             </a:fld>
             <a:endParaRPr lang="en-US" dirty="0"/>
           </a:p>
@@ -3908,7 +3953,7 @@
               <a:pPr>
                 <a:defRPr/>
               </a:pPr>
-              <a:t>Monday, March 27, 2023</a:t>
+              <a:t>Tuesday, November 21, 2023</a:t>
             </a:fld>
             <a:endParaRPr lang="en-US" dirty="0"/>
           </a:p>
@@ -4302,7 +4347,12 @@
             <p:ph type="ctrTitle"/>
           </p:nvPr>
         </p:nvSpPr>
-        <p:spPr/>
+        <p:spPr>
+          <a:xfrm>
+            <a:off x="606425" y="1654175"/>
+            <a:ext cx="7772400" cy="1470025"/>
+          </a:xfrm>
+        </p:spPr>
         <p:txBody>
           <a:bodyPr/>
           <a:lstStyle/>
@@ -4326,7 +4376,7 @@
         </p:nvSpPr>
         <p:spPr>
           <a:xfrm>
-            <a:off x="1371600" y="3124200"/>
+            <a:off x="1292225" y="2647950"/>
             <a:ext cx="6400800" cy="1752600"/>
           </a:xfrm>
         </p:spPr>
@@ -4367,8 +4417,8 @@
         </p:nvSpPr>
         <p:spPr>
           <a:xfrm>
-            <a:off x="304800" y="5105400"/>
-            <a:ext cx="8534400" cy="1295400"/>
+            <a:off x="304800" y="4481243"/>
+            <a:ext cx="8534400" cy="2000250"/>
           </a:xfrm>
           <a:prstGeom prst="rect">
             <a:avLst/>
@@ -4441,6 +4491,43 @@
             <a:r>
               <a:rPr lang="en-US" sz="2400" i="1" dirty="0" err="1"/>
               <a:t>PracticeConsoleAndUnitTestingSolution</a:t>
+            </a:r>
+            <a:endParaRPr lang="en-US" sz="2400" i="1" dirty="0"/>
+          </a:p>
+          <a:p>
+            <a:r>
+              <a:rPr lang="en-US" sz="2400" dirty="0">
+                <a:solidFill>
+                  <a:srgbClr val="FFFFFF"/>
+                </a:solidFill>
+              </a:rPr>
+              <a:t>The </a:t>
+            </a:r>
+            <a:r>
+              <a:rPr lang="en-US" sz="2400">
+                <a:solidFill>
+                  <a:srgbClr val="FFFFFF"/>
+                </a:solidFill>
+              </a:rPr>
+              <a:t>Quiz for </a:t>
+            </a:r>
+            <a:r>
+              <a:rPr lang="en-US" sz="2400" dirty="0">
+                <a:solidFill>
+                  <a:srgbClr val="FFFFFF"/>
+                </a:solidFill>
+              </a:rPr>
+              <a:t>today is:</a:t>
+            </a:r>
+          </a:p>
+          <a:p>
+            <a:pPr marL="342900" indent="-342900">
+              <a:buFont typeface="Arial" panose="020B0604020202020204" pitchFamily="34" charset="0"/>
+              <a:buChar char="•"/>
+            </a:pPr>
+            <a:r>
+              <a:rPr lang="en-US" sz="2400" i="1" dirty="0" err="1"/>
+              <a:t>IntroToUnitTestingQuiz</a:t>
             </a:r>
             <a:endParaRPr lang="en-US" sz="2400" i="1" dirty="0"/>
           </a:p>
@@ -5649,8 +5736,8 @@
           </a:ln>
         </p:spPr>
       </p:pic>
-      <mc:AlternateContent xmlns:mc="http://schemas.openxmlformats.org/markup-compatibility/2006">
-        <mc:Choice xmlns:p14="http://schemas.microsoft.com/office/powerpoint/2010/main" Requires="p14">
+      <mc:AlternateContent xmlns:mc="http://schemas.openxmlformats.org/markup-compatibility/2006" xmlns:p14="http://schemas.microsoft.com/office/powerpoint/2010/main">
+        <mc:Choice Requires="p14">
           <p:contentPart p14:bwMode="auto" r:id="rId5">
             <p14:nvContentPartPr>
               <p14:cNvPr id="8" name="Ink 7">
@@ -5669,7 +5756,7 @@
             </p14:xfrm>
           </p:contentPart>
         </mc:Choice>
-        <mc:Fallback>
+        <mc:Fallback xmlns="">
           <p:pic>
             <p:nvPicPr>
               <p:cNvPr id="8" name="Ink 7">
@@ -5700,8 +5787,8 @@
           </p:pic>
         </mc:Fallback>
       </mc:AlternateContent>
-      <mc:AlternateContent xmlns:mc="http://schemas.openxmlformats.org/markup-compatibility/2006">
-        <mc:Choice xmlns:p14="http://schemas.microsoft.com/office/powerpoint/2010/main" Requires="p14">
+      <mc:AlternateContent xmlns:mc="http://schemas.openxmlformats.org/markup-compatibility/2006" xmlns:p14="http://schemas.microsoft.com/office/powerpoint/2010/main">
+        <mc:Choice Requires="p14">
           <p:contentPart p14:bwMode="auto" r:id="rId7">
             <p14:nvContentPartPr>
               <p14:cNvPr id="9" name="Ink 8">
@@ -5720,7 +5807,7 @@
             </p14:xfrm>
           </p:contentPart>
         </mc:Choice>
-        <mc:Fallback>
+        <mc:Fallback xmlns="">
           <p:pic>
             <p:nvPicPr>
               <p:cNvPr id="9" name="Ink 8">
@@ -5751,8 +5838,8 @@
           </p:pic>
         </mc:Fallback>
       </mc:AlternateContent>
-      <mc:AlternateContent xmlns:mc="http://schemas.openxmlformats.org/markup-compatibility/2006">
-        <mc:Choice xmlns:p14="http://schemas.microsoft.com/office/powerpoint/2010/main" Requires="p14">
+      <mc:AlternateContent xmlns:mc="http://schemas.openxmlformats.org/markup-compatibility/2006" xmlns:p14="http://schemas.microsoft.com/office/powerpoint/2010/main">
+        <mc:Choice Requires="p14">
           <p:contentPart p14:bwMode="auto" r:id="rId9">
             <p14:nvContentPartPr>
               <p14:cNvPr id="10" name="Ink 9">
@@ -5771,7 +5858,7 @@
             </p14:xfrm>
           </p:contentPart>
         </mc:Choice>
-        <mc:Fallback>
+        <mc:Fallback xmlns="">
           <p:pic>
             <p:nvPicPr>
               <p:cNvPr id="10" name="Ink 9">

--- a/ClassMaterials/IntroToUnitTesting/Slides/Part1-DP-Review.pptx
+++ b/ClassMaterials/IntroToUnitTesting/Slides/Part1-DP-Review.pptx
@@ -5,10 +5,10 @@
     <p:sldMasterId id="2147483927" r:id="rId1"/>
   </p:sldMasterIdLst>
   <p:notesMasterIdLst>
-    <p:notesMasterId r:id="rId9"/>
+    <p:notesMasterId r:id="rId12"/>
   </p:notesMasterIdLst>
   <p:handoutMasterIdLst>
-    <p:handoutMasterId r:id="rId10"/>
+    <p:handoutMasterId r:id="rId13"/>
   </p:handoutMasterIdLst>
   <p:sldIdLst>
     <p:sldId id="256" r:id="rId2"/>
@@ -18,6 +18,9 @@
     <p:sldId id="293" r:id="rId6"/>
     <p:sldId id="313" r:id="rId7"/>
     <p:sldId id="314" r:id="rId8"/>
+    <p:sldId id="315" r:id="rId9"/>
+    <p:sldId id="316" r:id="rId10"/>
+    <p:sldId id="317" r:id="rId11"/>
   </p:sldIdLst>
   <p:sldSz cx="9144000" cy="6858000" type="screen4x3"/>
   <p:notesSz cx="7010400" cy="9296400"/>
@@ -327,7 +330,7 @@
               <a:pPr>
                 <a:defRPr/>
               </a:pPr>
-              <a:t>11/21/2023</a:t>
+              <a:t>2/26/2024</a:t>
             </a:fld>
             <a:endParaRPr lang="en-US" dirty="0"/>
           </a:p>
@@ -647,7 +650,7 @@
               <a:pPr>
                 <a:defRPr/>
               </a:pPr>
-              <a:t>11/21/2023</a:t>
+              <a:t>2/26/2024</a:t>
             </a:fld>
             <a:endParaRPr lang="en-US" dirty="0"/>
           </a:p>
@@ -1190,6 +1193,96 @@
 </p:notes>
 </file>
 
+<file path=ppt/notesSlides/notesSlide3.xml><?xml version="1.0" encoding="utf-8"?>
+<p:notes xmlns:a="http://schemas.openxmlformats.org/drawingml/2006/main" xmlns:r="http://schemas.openxmlformats.org/officeDocument/2006/relationships" xmlns:p="http://schemas.openxmlformats.org/presentationml/2006/main">
+  <p:cSld>
+    <p:spTree>
+      <p:nvGrpSpPr>
+        <p:cNvPr id="1" name=""/>
+        <p:cNvGrpSpPr/>
+        <p:nvPr/>
+      </p:nvGrpSpPr>
+      <p:grpSpPr>
+        <a:xfrm>
+          <a:off x="0" y="0"/>
+          <a:ext cx="0" cy="0"/>
+          <a:chOff x="0" y="0"/>
+          <a:chExt cx="0" cy="0"/>
+        </a:xfrm>
+      </p:grpSpPr>
+      <p:sp>
+        <p:nvSpPr>
+          <p:cNvPr id="2" name="Slide Image Placeholder 1"/>
+          <p:cNvSpPr>
+            <a:spLocks noGrp="1" noRot="1" noChangeAspect="1"/>
+          </p:cNvSpPr>
+          <p:nvPr>
+            <p:ph type="sldImg"/>
+          </p:nvPr>
+        </p:nvSpPr>
+        <p:spPr/>
+      </p:sp>
+      <p:sp>
+        <p:nvSpPr>
+          <p:cNvPr id="3" name="Notes Placeholder 2"/>
+          <p:cNvSpPr>
+            <a:spLocks noGrp="1"/>
+          </p:cNvSpPr>
+          <p:nvPr>
+            <p:ph type="body" idx="1"/>
+          </p:nvPr>
+        </p:nvSpPr>
+        <p:spPr/>
+        <p:txBody>
+          <a:bodyPr/>
+          <a:lstStyle/>
+          <a:p>
+            <a:endParaRPr lang="en-US" dirty="0"/>
+          </a:p>
+        </p:txBody>
+      </p:sp>
+      <p:sp>
+        <p:nvSpPr>
+          <p:cNvPr id="4" name="Slide Number Placeholder 3"/>
+          <p:cNvSpPr>
+            <a:spLocks noGrp="1"/>
+          </p:cNvSpPr>
+          <p:nvPr>
+            <p:ph type="sldNum" sz="quarter" idx="5"/>
+          </p:nvPr>
+        </p:nvSpPr>
+        <p:spPr/>
+        <p:txBody>
+          <a:bodyPr/>
+          <a:lstStyle/>
+          <a:p>
+            <a:pPr>
+              <a:defRPr/>
+            </a:pPr>
+            <a:fld id="{41BB943A-C3B9-42AE-8B54-C2335812312E}" type="slidenum">
+              <a:rPr lang="en-US" smtClean="0"/>
+              <a:pPr>
+                <a:defRPr/>
+              </a:pPr>
+              <a:t>9</a:t>
+            </a:fld>
+            <a:endParaRPr lang="en-US" dirty="0"/>
+          </a:p>
+        </p:txBody>
+      </p:sp>
+    </p:spTree>
+    <p:extLst>
+      <p:ext uri="{BB962C8B-B14F-4D97-AF65-F5344CB8AC3E}">
+        <p14:creationId xmlns:p14="http://schemas.microsoft.com/office/powerpoint/2010/main" val="3954490140"/>
+      </p:ext>
+    </p:extLst>
+  </p:cSld>
+  <p:clrMapOvr>
+    <a:masterClrMapping/>
+  </p:clrMapOvr>
+</p:notes>
+</file>
+
 <file path=ppt/slideLayouts/slideLayout1.xml><?xml version="1.0" encoding="utf-8"?>
 <p:sldLayout xmlns:a="http://schemas.openxmlformats.org/drawingml/2006/main" xmlns:r="http://schemas.openxmlformats.org/officeDocument/2006/relationships" xmlns:p="http://schemas.openxmlformats.org/presentationml/2006/main" type="title" preserve="1">
   <p:cSld name="Title Slide">
@@ -1375,7 +1468,7 @@
               <a:pPr>
                 <a:defRPr/>
               </a:pPr>
-              <a:t>Tuesday, November 21, 2023</a:t>
+              <a:t>Monday, February 26, 2024</a:t>
             </a:fld>
             <a:endParaRPr lang="en-US" dirty="0"/>
           </a:p>
@@ -1558,7 +1651,7 @@
               <a:pPr>
                 <a:defRPr/>
               </a:pPr>
-              <a:t>Tuesday, November 21, 2023</a:t>
+              <a:t>Monday, February 26, 2024</a:t>
             </a:fld>
             <a:endParaRPr lang="en-US" dirty="0"/>
           </a:p>
@@ -1751,7 +1844,7 @@
               <a:pPr>
                 <a:defRPr/>
               </a:pPr>
-              <a:t>Tuesday, November 21, 2023</a:t>
+              <a:t>Monday, February 26, 2024</a:t>
             </a:fld>
             <a:endParaRPr lang="en-US" dirty="0"/>
           </a:p>
@@ -1934,7 +2027,7 @@
               <a:pPr>
                 <a:defRPr/>
               </a:pPr>
-              <a:t>Tuesday, November 21, 2023</a:t>
+              <a:t>Monday, February 26, 2024</a:t>
             </a:fld>
             <a:endParaRPr lang="en-US" dirty="0"/>
           </a:p>
@@ -2194,7 +2287,7 @@
               <a:pPr>
                 <a:defRPr/>
               </a:pPr>
-              <a:t>Tuesday, November 21, 2023</a:t>
+              <a:t>Monday, February 26, 2024</a:t>
             </a:fld>
             <a:endParaRPr lang="en-US" dirty="0"/>
           </a:p>
@@ -2494,7 +2587,7 @@
               <a:pPr>
                 <a:defRPr/>
               </a:pPr>
-              <a:t>Tuesday, November 21, 2023</a:t>
+              <a:t>Monday, February 26, 2024</a:t>
             </a:fld>
             <a:endParaRPr lang="en-US" dirty="0"/>
           </a:p>
@@ -2928,7 +3021,7 @@
               <a:pPr>
                 <a:defRPr/>
               </a:pPr>
-              <a:t>Tuesday, November 21, 2023</a:t>
+              <a:t>Monday, February 26, 2024</a:t>
             </a:fld>
             <a:endParaRPr lang="en-US" dirty="0"/>
           </a:p>
@@ -3060,7 +3153,7 @@
               <a:pPr>
                 <a:defRPr/>
               </a:pPr>
-              <a:t>Tuesday, November 21, 2023</a:t>
+              <a:t>Monday, February 26, 2024</a:t>
             </a:fld>
             <a:endParaRPr lang="en-US" dirty="0"/>
           </a:p>
@@ -3170,7 +3263,7 @@
               <a:pPr>
                 <a:defRPr/>
               </a:pPr>
-              <a:t>Tuesday, November 21, 2023</a:t>
+              <a:t>Monday, February 26, 2024</a:t>
             </a:fld>
             <a:endParaRPr lang="en-US" dirty="0"/>
           </a:p>
@@ -3460,7 +3553,7 @@
               <a:pPr>
                 <a:defRPr/>
               </a:pPr>
-              <a:t>Tuesday, November 21, 2023</a:t>
+              <a:t>Monday, February 26, 2024</a:t>
             </a:fld>
             <a:endParaRPr lang="en-US" dirty="0"/>
           </a:p>
@@ -3727,7 +3820,7 @@
               <a:pPr>
                 <a:defRPr/>
               </a:pPr>
-              <a:t>Tuesday, November 21, 2023</a:t>
+              <a:t>Monday, February 26, 2024</a:t>
             </a:fld>
             <a:endParaRPr lang="en-US" dirty="0"/>
           </a:p>
@@ -3953,7 +4046,7 @@
               <a:pPr>
                 <a:defRPr/>
               </a:pPr>
-              <a:t>Tuesday, November 21, 2023</a:t>
+              <a:t>Monday, February 26, 2024</a:t>
             </a:fld>
             <a:endParaRPr lang="en-US" dirty="0"/>
           </a:p>
@@ -4637,6 +4730,103 @@
 </p:sld>
 </file>
 
+<file path=ppt/slides/slide10.xml><?xml version="1.0" encoding="utf-8"?>
+<p:sld xmlns:a="http://schemas.openxmlformats.org/drawingml/2006/main" xmlns:r="http://schemas.openxmlformats.org/officeDocument/2006/relationships" xmlns:p="http://schemas.openxmlformats.org/presentationml/2006/main">
+  <p:cSld>
+    <p:spTree>
+      <p:nvGrpSpPr>
+        <p:cNvPr id="1" name=""/>
+        <p:cNvGrpSpPr/>
+        <p:nvPr/>
+      </p:nvGrpSpPr>
+      <p:grpSpPr>
+        <a:xfrm>
+          <a:off x="0" y="0"/>
+          <a:ext cx="0" cy="0"/>
+          <a:chOff x="0" y="0"/>
+          <a:chExt cx="0" cy="0"/>
+        </a:xfrm>
+      </p:grpSpPr>
+      <p:sp>
+        <p:nvSpPr>
+          <p:cNvPr id="2" name="Title 1">
+            <a:extLst>
+              <a:ext uri="{FF2B5EF4-FFF2-40B4-BE49-F238E27FC236}">
+                <a16:creationId xmlns:a16="http://schemas.microsoft.com/office/drawing/2014/main" id="{FBD48D17-B83C-B961-4CE1-50A0FDE8F4ED}"/>
+              </a:ext>
+            </a:extLst>
+          </p:cNvPr>
+          <p:cNvSpPr>
+            <a:spLocks noGrp="1"/>
+          </p:cNvSpPr>
+          <p:nvPr>
+            <p:ph type="title"/>
+          </p:nvPr>
+        </p:nvSpPr>
+        <p:spPr/>
+        <p:txBody>
+          <a:bodyPr>
+            <a:normAutofit fontScale="90000"/>
+          </a:bodyPr>
+          <a:lstStyle/>
+          <a:p>
+            <a:r>
+              <a:rPr lang="en-US" dirty="0"/>
+              <a:t>DP 3, 4, 5 </a:t>
+            </a:r>
+            <a:br>
+              <a:rPr lang="en-US" dirty="0"/>
+            </a:br>
+            <a:r>
+              <a:rPr lang="en-US" dirty="0"/>
+              <a:t>(best as practice for Exam2)</a:t>
+            </a:r>
+          </a:p>
+        </p:txBody>
+      </p:sp>
+      <p:pic>
+        <p:nvPicPr>
+          <p:cNvPr id="5" name="Picture 4">
+            <a:extLst>
+              <a:ext uri="{FF2B5EF4-FFF2-40B4-BE49-F238E27FC236}">
+                <a16:creationId xmlns:a16="http://schemas.microsoft.com/office/drawing/2014/main" id="{67AEB6FA-49A0-152F-A1CA-B90DEF021507}"/>
+              </a:ext>
+            </a:extLst>
+          </p:cNvPr>
+          <p:cNvPicPr>
+            <a:picLocks noChangeAspect="1"/>
+          </p:cNvPicPr>
+          <p:nvPr/>
+        </p:nvPicPr>
+        <p:blipFill>
+          <a:blip r:embed="rId2"/>
+          <a:stretch>
+            <a:fillRect/>
+          </a:stretch>
+        </p:blipFill>
+        <p:spPr>
+          <a:xfrm>
+            <a:off x="575705" y="1890498"/>
+            <a:ext cx="7992590" cy="3077004"/>
+          </a:xfrm>
+          <a:prstGeom prst="rect">
+            <a:avLst/>
+          </a:prstGeom>
+        </p:spPr>
+      </p:pic>
+    </p:spTree>
+    <p:extLst>
+      <p:ext uri="{BB962C8B-B14F-4D97-AF65-F5344CB8AC3E}">
+        <p14:creationId xmlns:p14="http://schemas.microsoft.com/office/powerpoint/2010/main" val="1319079108"/>
+      </p:ext>
+    </p:extLst>
+  </p:cSld>
+  <p:clrMapOvr>
+    <a:masterClrMapping/>
+  </p:clrMapOvr>
+</p:sld>
+</file>
+
 <file path=ppt/slides/slide2.xml><?xml version="1.0" encoding="utf-8"?>
 <p:sld xmlns:a="http://schemas.openxmlformats.org/drawingml/2006/main" xmlns:r="http://schemas.openxmlformats.org/officeDocument/2006/relationships" xmlns:p="http://schemas.openxmlformats.org/presentationml/2006/main">
   <p:cSld>
@@ -5668,41 +5858,6 @@
       </p:sp>
       <p:pic>
         <p:nvPicPr>
-          <p:cNvPr id="7" name="Picture 6">
-            <a:extLst>
-              <a:ext uri="{FF2B5EF4-FFF2-40B4-BE49-F238E27FC236}">
-                <a16:creationId xmlns:a16="http://schemas.microsoft.com/office/drawing/2014/main" id="{2E13484C-A117-05BB-2909-5FBE42364E7D}"/>
-              </a:ext>
-            </a:extLst>
-          </p:cNvPr>
-          <p:cNvPicPr>
-            <a:picLocks noChangeAspect="1"/>
-          </p:cNvPicPr>
-          <p:nvPr/>
-        </p:nvPicPr>
-        <p:blipFill>
-          <a:blip r:embed="rId3"/>
-          <a:stretch>
-            <a:fillRect/>
-          </a:stretch>
-        </p:blipFill>
-        <p:spPr>
-          <a:xfrm>
-            <a:off x="248264" y="3505200"/>
-            <a:ext cx="5387770" cy="2268063"/>
-          </a:xfrm>
-          <a:prstGeom prst="rect">
-            <a:avLst/>
-          </a:prstGeom>
-          <a:ln>
-            <a:solidFill>
-              <a:schemeClr val="tx1"/>
-            </a:solidFill>
-          </a:ln>
-        </p:spPr>
-      </p:pic>
-      <p:pic>
-        <p:nvPicPr>
           <p:cNvPr id="6" name="Picture 5">
             <a:extLst>
               <a:ext uri="{FF2B5EF4-FFF2-40B4-BE49-F238E27FC236}">
@@ -5716,7 +5871,7 @@
           <p:nvPr/>
         </p:nvPicPr>
         <p:blipFill>
-          <a:blip r:embed="rId4"/>
+          <a:blip r:embed="rId3"/>
           <a:stretch>
             <a:fillRect/>
           </a:stretch>
@@ -5738,7 +5893,7 @@
       </p:pic>
       <mc:AlternateContent xmlns:mc="http://schemas.openxmlformats.org/markup-compatibility/2006" xmlns:p14="http://schemas.microsoft.com/office/powerpoint/2010/main">
         <mc:Choice Requires="p14">
-          <p:contentPart p14:bwMode="auto" r:id="rId5">
+          <p:contentPart p14:bwMode="auto" r:id="rId4">
             <p14:nvContentPartPr>
               <p14:cNvPr id="8" name="Ink 7">
                 <a:extLst>
@@ -5889,10 +6044,285 @@
           </p:pic>
         </mc:Fallback>
       </mc:AlternateContent>
+      <p:pic>
+        <p:nvPicPr>
+          <p:cNvPr id="5" name="Picture 4">
+            <a:extLst>
+              <a:ext uri="{FF2B5EF4-FFF2-40B4-BE49-F238E27FC236}">
+                <a16:creationId xmlns:a16="http://schemas.microsoft.com/office/drawing/2014/main" id="{E8B831C4-DB55-7726-C93B-53D6E830E9E0}"/>
+              </a:ext>
+            </a:extLst>
+          </p:cNvPr>
+          <p:cNvPicPr>
+            <a:picLocks noChangeAspect="1"/>
+          </p:cNvPicPr>
+          <p:nvPr/>
+        </p:nvPicPr>
+        <p:blipFill>
+          <a:blip r:embed="rId11"/>
+          <a:stretch>
+            <a:fillRect/>
+          </a:stretch>
+        </p:blipFill>
+        <p:spPr>
+          <a:xfrm>
+            <a:off x="570400" y="3399168"/>
+            <a:ext cx="4067718" cy="3178157"/>
+          </a:xfrm>
+          <a:prstGeom prst="rect">
+            <a:avLst/>
+          </a:prstGeom>
+        </p:spPr>
+      </p:pic>
     </p:spTree>
     <p:extLst>
       <p:ext uri="{BB962C8B-B14F-4D97-AF65-F5344CB8AC3E}">
         <p14:creationId xmlns:p14="http://schemas.microsoft.com/office/powerpoint/2010/main" val="837567995"/>
+      </p:ext>
+    </p:extLst>
+  </p:cSld>
+  <p:clrMapOvr>
+    <a:masterClrMapping/>
+  </p:clrMapOvr>
+</p:sld>
+</file>
+
+<file path=ppt/slides/slide8.xml><?xml version="1.0" encoding="utf-8"?>
+<p:sld xmlns:a="http://schemas.openxmlformats.org/drawingml/2006/main" xmlns:r="http://schemas.openxmlformats.org/officeDocument/2006/relationships" xmlns:p="http://schemas.openxmlformats.org/presentationml/2006/main">
+  <p:cSld>
+    <p:spTree>
+      <p:nvGrpSpPr>
+        <p:cNvPr id="1" name=""/>
+        <p:cNvGrpSpPr/>
+        <p:nvPr/>
+      </p:nvGrpSpPr>
+      <p:grpSpPr>
+        <a:xfrm>
+          <a:off x="0" y="0"/>
+          <a:ext cx="0" cy="0"/>
+          <a:chOff x="0" y="0"/>
+          <a:chExt cx="0" cy="0"/>
+        </a:xfrm>
+      </p:grpSpPr>
+      <p:sp>
+        <p:nvSpPr>
+          <p:cNvPr id="2" name="Title 1">
+            <a:extLst>
+              <a:ext uri="{FF2B5EF4-FFF2-40B4-BE49-F238E27FC236}">
+                <a16:creationId xmlns:a16="http://schemas.microsoft.com/office/drawing/2014/main" id="{545BA363-4285-BC80-95BD-F41F7ABBDEF0}"/>
+              </a:ext>
+            </a:extLst>
+          </p:cNvPr>
+          <p:cNvSpPr>
+            <a:spLocks noGrp="1"/>
+          </p:cNvSpPr>
+          <p:nvPr>
+            <p:ph type="title"/>
+          </p:nvPr>
+        </p:nvSpPr>
+        <p:spPr/>
+        <p:txBody>
+          <a:bodyPr>
+            <a:normAutofit fontScale="90000"/>
+          </a:bodyPr>
+          <a:lstStyle/>
+          <a:p>
+            <a:r>
+              <a:rPr lang="en-US" dirty="0"/>
+              <a:t>DP1 and DP2 </a:t>
+            </a:r>
+            <a:br>
+              <a:rPr lang="en-US" dirty="0"/>
+            </a:br>
+            <a:r>
+              <a:rPr lang="en-US" dirty="0"/>
+              <a:t>(best as practice for Exam1)</a:t>
+            </a:r>
+          </a:p>
+        </p:txBody>
+      </p:sp>
+      <p:pic>
+        <p:nvPicPr>
+          <p:cNvPr id="5" name="Picture 4">
+            <a:extLst>
+              <a:ext uri="{FF2B5EF4-FFF2-40B4-BE49-F238E27FC236}">
+                <a16:creationId xmlns:a16="http://schemas.microsoft.com/office/drawing/2014/main" id="{367AB429-48AA-4921-A3A3-78283B856B5A}"/>
+              </a:ext>
+            </a:extLst>
+          </p:cNvPr>
+          <p:cNvPicPr>
+            <a:picLocks noChangeAspect="1"/>
+          </p:cNvPicPr>
+          <p:nvPr/>
+        </p:nvPicPr>
+        <p:blipFill>
+          <a:blip r:embed="rId2"/>
+          <a:stretch>
+            <a:fillRect/>
+          </a:stretch>
+        </p:blipFill>
+        <p:spPr>
+          <a:xfrm>
+            <a:off x="533400" y="1676400"/>
+            <a:ext cx="7859222" cy="2886478"/>
+          </a:xfrm>
+          <a:prstGeom prst="rect">
+            <a:avLst/>
+          </a:prstGeom>
+        </p:spPr>
+      </p:pic>
+      <p:sp>
+        <p:nvSpPr>
+          <p:cNvPr id="6" name="TextBox 5">
+            <a:extLst>
+              <a:ext uri="{FF2B5EF4-FFF2-40B4-BE49-F238E27FC236}">
+                <a16:creationId xmlns:a16="http://schemas.microsoft.com/office/drawing/2014/main" id="{2740001C-FE07-BDF0-FA25-2F0363A4C608}"/>
+              </a:ext>
+            </a:extLst>
+          </p:cNvPr>
+          <p:cNvSpPr txBox="1"/>
+          <p:nvPr/>
+        </p:nvSpPr>
+        <p:spPr>
+          <a:xfrm>
+            <a:off x="457200" y="4918188"/>
+            <a:ext cx="7859222" cy="369332"/>
+          </a:xfrm>
+          <a:prstGeom prst="rect">
+            <a:avLst/>
+          </a:prstGeom>
+          <a:noFill/>
+        </p:spPr>
+        <p:txBody>
+          <a:bodyPr wrap="square" rtlCol="0">
+            <a:spAutoFit/>
+          </a:bodyPr>
+          <a:lstStyle/>
+          <a:p>
+            <a:r>
+              <a:rPr lang="en-US" dirty="0"/>
+              <a:t>There are a number of DP for you to practice and review (first three)</a:t>
+            </a:r>
+          </a:p>
+        </p:txBody>
+      </p:sp>
+    </p:spTree>
+    <p:extLst>
+      <p:ext uri="{BB962C8B-B14F-4D97-AF65-F5344CB8AC3E}">
+        <p14:creationId xmlns:p14="http://schemas.microsoft.com/office/powerpoint/2010/main" val="683457481"/>
+      </p:ext>
+    </p:extLst>
+  </p:cSld>
+  <p:clrMapOvr>
+    <a:masterClrMapping/>
+  </p:clrMapOvr>
+</p:sld>
+</file>
+
+<file path=ppt/slides/slide9.xml><?xml version="1.0" encoding="utf-8"?>
+<p:sld xmlns:a="http://schemas.openxmlformats.org/drawingml/2006/main" xmlns:r="http://schemas.openxmlformats.org/officeDocument/2006/relationships" xmlns:p="http://schemas.openxmlformats.org/presentationml/2006/main">
+  <p:cSld>
+    <p:spTree>
+      <p:nvGrpSpPr>
+        <p:cNvPr id="1" name=""/>
+        <p:cNvGrpSpPr/>
+        <p:nvPr/>
+      </p:nvGrpSpPr>
+      <p:grpSpPr>
+        <a:xfrm>
+          <a:off x="0" y="0"/>
+          <a:ext cx="0" cy="0"/>
+          <a:chOff x="0" y="0"/>
+          <a:chExt cx="0" cy="0"/>
+        </a:xfrm>
+      </p:grpSpPr>
+      <p:pic>
+        <p:nvPicPr>
+          <p:cNvPr id="5" name="Picture 4">
+            <a:extLst>
+              <a:ext uri="{FF2B5EF4-FFF2-40B4-BE49-F238E27FC236}">
+                <a16:creationId xmlns:a16="http://schemas.microsoft.com/office/drawing/2014/main" id="{8E6ABD40-7F56-A394-3819-91CD56ED4A20}"/>
+              </a:ext>
+            </a:extLst>
+          </p:cNvPr>
+          <p:cNvPicPr>
+            <a:picLocks noChangeAspect="1"/>
+          </p:cNvPicPr>
+          <p:nvPr/>
+        </p:nvPicPr>
+        <p:blipFill>
+          <a:blip r:embed="rId3"/>
+          <a:stretch>
+            <a:fillRect/>
+          </a:stretch>
+        </p:blipFill>
+        <p:spPr>
+          <a:xfrm>
+            <a:off x="0" y="0"/>
+            <a:ext cx="5659270" cy="6858000"/>
+          </a:xfrm>
+          <a:prstGeom prst="rect">
+            <a:avLst/>
+          </a:prstGeom>
+        </p:spPr>
+      </p:pic>
+      <p:sp>
+        <p:nvSpPr>
+          <p:cNvPr id="6" name="TextBox 5">
+            <a:extLst>
+              <a:ext uri="{FF2B5EF4-FFF2-40B4-BE49-F238E27FC236}">
+                <a16:creationId xmlns:a16="http://schemas.microsoft.com/office/drawing/2014/main" id="{556A63A0-C20B-088E-1050-7D71DC6BE0E8}"/>
+              </a:ext>
+            </a:extLst>
+          </p:cNvPr>
+          <p:cNvSpPr txBox="1"/>
+          <p:nvPr/>
+        </p:nvSpPr>
+        <p:spPr>
+          <a:xfrm>
+            <a:off x="5867400" y="609600"/>
+            <a:ext cx="2830022" cy="2862322"/>
+          </a:xfrm>
+          <a:prstGeom prst="rect">
+            <a:avLst/>
+          </a:prstGeom>
+          <a:noFill/>
+        </p:spPr>
+        <p:txBody>
+          <a:bodyPr wrap="square" rtlCol="0">
+            <a:spAutoFit/>
+          </a:bodyPr>
+          <a:lstStyle/>
+          <a:p>
+            <a:r>
+              <a:rPr lang="en-US" dirty="0"/>
+              <a:t>We provide explanations</a:t>
+            </a:r>
+          </a:p>
+          <a:p>
+            <a:r>
+              <a:rPr lang="en-US" dirty="0"/>
+              <a:t>in the solutions document</a:t>
+            </a:r>
+          </a:p>
+          <a:p>
+            <a:endParaRPr lang="en-US" dirty="0"/>
+          </a:p>
+          <a:p>
+            <a:endParaRPr lang="en-US" dirty="0"/>
+          </a:p>
+          <a:p>
+            <a:r>
+              <a:rPr lang="en-US" dirty="0"/>
+              <a:t>To maximize your benefit we recommend trying to work through the problem yourself first and then review the solution afterward.</a:t>
+            </a:r>
+          </a:p>
+        </p:txBody>
+      </p:sp>
+    </p:spTree>
+    <p:extLst>
+      <p:ext uri="{BB962C8B-B14F-4D97-AF65-F5344CB8AC3E}">
+        <p14:creationId xmlns:p14="http://schemas.microsoft.com/office/powerpoint/2010/main" val="3193190889"/>
       </p:ext>
     </p:extLst>
   </p:cSld>

--- a/ClassMaterials/IntroToUnitTesting/Slides/Part1-DP-Review.pptx
+++ b/ClassMaterials/IntroToUnitTesting/Slides/Part1-DP-Review.pptx
@@ -330,7 +330,7 @@
               <a:pPr>
                 <a:defRPr/>
               </a:pPr>
-              <a:t>2/26/2024</a:t>
+              <a:t>3/30/2025</a:t>
             </a:fld>
             <a:endParaRPr lang="en-US" dirty="0"/>
           </a:p>
@@ -650,7 +650,7 @@
               <a:pPr>
                 <a:defRPr/>
               </a:pPr>
-              <a:t>2/26/2024</a:t>
+              <a:t>3/30/2025</a:t>
             </a:fld>
             <a:endParaRPr lang="en-US" dirty="0"/>
           </a:p>
@@ -1468,7 +1468,7 @@
               <a:pPr>
                 <a:defRPr/>
               </a:pPr>
-              <a:t>Monday, February 26, 2024</a:t>
+              <a:t>Sunday, March 30, 2025</a:t>
             </a:fld>
             <a:endParaRPr lang="en-US" dirty="0"/>
           </a:p>
@@ -1651,7 +1651,7 @@
               <a:pPr>
                 <a:defRPr/>
               </a:pPr>
-              <a:t>Monday, February 26, 2024</a:t>
+              <a:t>Sunday, March 30, 2025</a:t>
             </a:fld>
             <a:endParaRPr lang="en-US" dirty="0"/>
           </a:p>
@@ -1844,7 +1844,7 @@
               <a:pPr>
                 <a:defRPr/>
               </a:pPr>
-              <a:t>Monday, February 26, 2024</a:t>
+              <a:t>Sunday, March 30, 2025</a:t>
             </a:fld>
             <a:endParaRPr lang="en-US" dirty="0"/>
           </a:p>
@@ -2027,7 +2027,7 @@
               <a:pPr>
                 <a:defRPr/>
               </a:pPr>
-              <a:t>Monday, February 26, 2024</a:t>
+              <a:t>Sunday, March 30, 2025</a:t>
             </a:fld>
             <a:endParaRPr lang="en-US" dirty="0"/>
           </a:p>
@@ -2287,7 +2287,7 @@
               <a:pPr>
                 <a:defRPr/>
               </a:pPr>
-              <a:t>Monday, February 26, 2024</a:t>
+              <a:t>Sunday, March 30, 2025</a:t>
             </a:fld>
             <a:endParaRPr lang="en-US" dirty="0"/>
           </a:p>
@@ -2587,7 +2587,7 @@
               <a:pPr>
                 <a:defRPr/>
               </a:pPr>
-              <a:t>Monday, February 26, 2024</a:t>
+              <a:t>Sunday, March 30, 2025</a:t>
             </a:fld>
             <a:endParaRPr lang="en-US" dirty="0"/>
           </a:p>
@@ -3021,7 +3021,7 @@
               <a:pPr>
                 <a:defRPr/>
               </a:pPr>
-              <a:t>Monday, February 26, 2024</a:t>
+              <a:t>Sunday, March 30, 2025</a:t>
             </a:fld>
             <a:endParaRPr lang="en-US" dirty="0"/>
           </a:p>
@@ -3153,7 +3153,7 @@
               <a:pPr>
                 <a:defRPr/>
               </a:pPr>
-              <a:t>Monday, February 26, 2024</a:t>
+              <a:t>Sunday, March 30, 2025</a:t>
             </a:fld>
             <a:endParaRPr lang="en-US" dirty="0"/>
           </a:p>
@@ -3263,7 +3263,7 @@
               <a:pPr>
                 <a:defRPr/>
               </a:pPr>
-              <a:t>Monday, February 26, 2024</a:t>
+              <a:t>Sunday, March 30, 2025</a:t>
             </a:fld>
             <a:endParaRPr lang="en-US" dirty="0"/>
           </a:p>
@@ -3553,7 +3553,7 @@
               <a:pPr>
                 <a:defRPr/>
               </a:pPr>
-              <a:t>Monday, February 26, 2024</a:t>
+              <a:t>Sunday, March 30, 2025</a:t>
             </a:fld>
             <a:endParaRPr lang="en-US" dirty="0"/>
           </a:p>
@@ -3820,7 +3820,7 @@
               <a:pPr>
                 <a:defRPr/>
               </a:pPr>
-              <a:t>Monday, February 26, 2024</a:t>
+              <a:t>Sunday, March 30, 2025</a:t>
             </a:fld>
             <a:endParaRPr lang="en-US" dirty="0"/>
           </a:p>
@@ -4046,7 +4046,7 @@
               <a:pPr>
                 <a:defRPr/>
               </a:pPr>
-              <a:t>Monday, February 26, 2024</a:t>
+              <a:t>Sunday, March 30, 2025</a:t>
             </a:fld>
             <a:endParaRPr lang="en-US" dirty="0"/>
           </a:p>
@@ -4682,13 +4682,18 @@
           </a:p>
           <a:p>
             <a:r>
-              <a:rPr lang="en-US" sz="4400" dirty="0">
+              <a:rPr lang="en-US" sz="4400" dirty="0" err="1">
                 <a:highlight>
                   <a:srgbClr val="FFFF00"/>
                 </a:highlight>
               </a:rPr>
-              <a:t>__________</a:t>
-            </a:r>
+              <a:t>howToTest</a:t>
+            </a:r>
+            <a:endParaRPr lang="en-US" sz="4400" dirty="0">
+              <a:highlight>
+                <a:srgbClr val="FFFF00"/>
+              </a:highlight>
+            </a:endParaRPr>
           </a:p>
         </p:txBody>
       </p:sp>

--- a/ClassMaterials/IntroToUnitTesting/Slides/Part1-DP-Review.pptx
+++ b/ClassMaterials/IntroToUnitTesting/Slides/Part1-DP-Review.pptx
@@ -330,7 +330,7 @@
               <a:pPr>
                 <a:defRPr/>
               </a:pPr>
-              <a:t>3/30/2025</a:t>
+              <a:t>4/22/2025</a:t>
             </a:fld>
             <a:endParaRPr lang="en-US" dirty="0"/>
           </a:p>
@@ -650,7 +650,7 @@
               <a:pPr>
                 <a:defRPr/>
               </a:pPr>
-              <a:t>3/30/2025</a:t>
+              <a:t>4/22/2025</a:t>
             </a:fld>
             <a:endParaRPr lang="en-US" dirty="0"/>
           </a:p>
@@ -1468,7 +1468,7 @@
               <a:pPr>
                 <a:defRPr/>
               </a:pPr>
-              <a:t>Sunday, March 30, 2025</a:t>
+              <a:t>Tuesday, April 22, 2025</a:t>
             </a:fld>
             <a:endParaRPr lang="en-US" dirty="0"/>
           </a:p>
@@ -1651,7 +1651,7 @@
               <a:pPr>
                 <a:defRPr/>
               </a:pPr>
-              <a:t>Sunday, March 30, 2025</a:t>
+              <a:t>Tuesday, April 22, 2025</a:t>
             </a:fld>
             <a:endParaRPr lang="en-US" dirty="0"/>
           </a:p>
@@ -1844,7 +1844,7 @@
               <a:pPr>
                 <a:defRPr/>
               </a:pPr>
-              <a:t>Sunday, March 30, 2025</a:t>
+              <a:t>Tuesday, April 22, 2025</a:t>
             </a:fld>
             <a:endParaRPr lang="en-US" dirty="0"/>
           </a:p>
@@ -2027,7 +2027,7 @@
               <a:pPr>
                 <a:defRPr/>
               </a:pPr>
-              <a:t>Sunday, March 30, 2025</a:t>
+              <a:t>Tuesday, April 22, 2025</a:t>
             </a:fld>
             <a:endParaRPr lang="en-US" dirty="0"/>
           </a:p>
@@ -2287,7 +2287,7 @@
               <a:pPr>
                 <a:defRPr/>
               </a:pPr>
-              <a:t>Sunday, March 30, 2025</a:t>
+              <a:t>Tuesday, April 22, 2025</a:t>
             </a:fld>
             <a:endParaRPr lang="en-US" dirty="0"/>
           </a:p>
@@ -2587,7 +2587,7 @@
               <a:pPr>
                 <a:defRPr/>
               </a:pPr>
-              <a:t>Sunday, March 30, 2025</a:t>
+              <a:t>Tuesday, April 22, 2025</a:t>
             </a:fld>
             <a:endParaRPr lang="en-US" dirty="0"/>
           </a:p>
@@ -3021,7 +3021,7 @@
               <a:pPr>
                 <a:defRPr/>
               </a:pPr>
-              <a:t>Sunday, March 30, 2025</a:t>
+              <a:t>Tuesday, April 22, 2025</a:t>
             </a:fld>
             <a:endParaRPr lang="en-US" dirty="0"/>
           </a:p>
@@ -3153,7 +3153,7 @@
               <a:pPr>
                 <a:defRPr/>
               </a:pPr>
-              <a:t>Sunday, March 30, 2025</a:t>
+              <a:t>Tuesday, April 22, 2025</a:t>
             </a:fld>
             <a:endParaRPr lang="en-US" dirty="0"/>
           </a:p>
@@ -3263,7 +3263,7 @@
               <a:pPr>
                 <a:defRPr/>
               </a:pPr>
-              <a:t>Sunday, March 30, 2025</a:t>
+              <a:t>Tuesday, April 22, 2025</a:t>
             </a:fld>
             <a:endParaRPr lang="en-US" dirty="0"/>
           </a:p>
@@ -3553,7 +3553,7 @@
               <a:pPr>
                 <a:defRPr/>
               </a:pPr>
-              <a:t>Sunday, March 30, 2025</a:t>
+              <a:t>Tuesday, April 22, 2025</a:t>
             </a:fld>
             <a:endParaRPr lang="en-US" dirty="0"/>
           </a:p>
@@ -3820,7 +3820,7 @@
               <a:pPr>
                 <a:defRPr/>
               </a:pPr>
-              <a:t>Sunday, March 30, 2025</a:t>
+              <a:t>Tuesday, April 22, 2025</a:t>
             </a:fld>
             <a:endParaRPr lang="en-US" dirty="0"/>
           </a:p>
@@ -4046,7 +4046,7 @@
               <a:pPr>
                 <a:defRPr/>
               </a:pPr>
-              <a:t>Sunday, March 30, 2025</a:t>
+              <a:t>Tuesday, April 22, 2025</a:t>
             </a:fld>
             <a:endParaRPr lang="en-US" dirty="0"/>
           </a:p>
@@ -4626,77 +4626,6 @@
           </a:p>
         </p:txBody>
       </p:sp>
-      <p:sp>
-        <p:nvSpPr>
-          <p:cNvPr id="4" name="TextBox 3">
-            <a:extLst>
-              <a:ext uri="{FF2B5EF4-FFF2-40B4-BE49-F238E27FC236}">
-                <a16:creationId xmlns:a16="http://schemas.microsoft.com/office/drawing/2014/main" id="{58341497-5F64-FF61-176C-4F45ACBF6A1C}"/>
-              </a:ext>
-            </a:extLst>
-          </p:cNvPr>
-          <p:cNvSpPr txBox="1"/>
-          <p:nvPr/>
-        </p:nvSpPr>
-        <p:spPr>
-          <a:xfrm>
-            <a:off x="4585447" y="-10818"/>
-            <a:ext cx="4619625" cy="1046440"/>
-          </a:xfrm>
-          <a:prstGeom prst="rect">
-            <a:avLst/>
-          </a:prstGeom>
-          <a:noFill/>
-          <a:ln w="12700" cap="flat">
-            <a:noFill/>
-            <a:miter lim="400000"/>
-          </a:ln>
-          <a:effectLst/>
-        </p:spPr>
-        <p:style>
-          <a:lnRef idx="0">
-            <a:scrgbClr r="0" g="0" b="0"/>
-          </a:lnRef>
-          <a:fillRef idx="0">
-            <a:scrgbClr r="0" g="0" b="0"/>
-          </a:fillRef>
-          <a:effectRef idx="0">
-            <a:scrgbClr r="0" g="0" b="0"/>
-          </a:effectRef>
-          <a:fontRef idx="none"/>
-        </p:style>
-        <p:txBody>
-          <a:bodyPr wrap="square">
-            <a:spAutoFit/>
-          </a:bodyPr>
-          <a:lstStyle/>
-          <a:p>
-            <a:r>
-              <a:rPr lang="en-US" dirty="0">
-                <a:highlight>
-                  <a:srgbClr val="FFFF00"/>
-                </a:highlight>
-              </a:rPr>
-              <a:t>Today’s Attendance password</a:t>
-            </a:r>
-          </a:p>
-          <a:p>
-            <a:r>
-              <a:rPr lang="en-US" sz="4400" dirty="0" err="1">
-                <a:highlight>
-                  <a:srgbClr val="FFFF00"/>
-                </a:highlight>
-              </a:rPr>
-              <a:t>howToTest</a:t>
-            </a:r>
-            <a:endParaRPr lang="en-US" sz="4400" dirty="0">
-              <a:highlight>
-                <a:srgbClr val="FFFF00"/>
-              </a:highlight>
-            </a:endParaRPr>
-          </a:p>
-        </p:txBody>
-      </p:sp>
       <p:pic>
         <p:nvPicPr>
           <p:cNvPr id="5" name="Picture 4">
@@ -4727,6 +4656,69 @@
           </a:prstGeom>
         </p:spPr>
       </p:pic>
+      <p:sp>
+        <p:nvSpPr>
+          <p:cNvPr id="6" name="Shape 54">
+            <a:extLst>
+              <a:ext uri="{FF2B5EF4-FFF2-40B4-BE49-F238E27FC236}">
+                <a16:creationId xmlns:a16="http://schemas.microsoft.com/office/drawing/2014/main" id="{ACD74BC0-352E-0756-448B-4A78D79544D9}"/>
+              </a:ext>
+            </a:extLst>
+          </p:cNvPr>
+          <p:cNvSpPr/>
+          <p:nvPr/>
+        </p:nvSpPr>
+        <p:spPr>
+          <a:xfrm>
+            <a:off x="5539154" y="209686"/>
+            <a:ext cx="3346430" cy="738664"/>
+          </a:xfrm>
+          <a:prstGeom prst="rect">
+            <a:avLst/>
+          </a:prstGeom>
+          <a:solidFill>
+            <a:srgbClr val="9BBB59"/>
+          </a:solidFill>
+          <a:ln w="25400" cap="rnd">
+            <a:solidFill>
+              <a:srgbClr val="718841"/>
+            </a:solidFill>
+          </a:ln>
+          <a:extLst>
+            <a:ext uri="{C572A759-6A51-4108-AA02-DFA0A04FC94B}">
+              <ma14:wrappingTextBoxFlag xmlns="" xmlns:ma14="http://schemas.microsoft.com/office/mac/drawingml/2011/main" val="1"/>
+            </a:ext>
+          </a:extLst>
+        </p:spPr>
+        <p:txBody>
+          <a:bodyPr wrap="square" lIns="0" tIns="0" rIns="0" bIns="0">
+            <a:spAutoFit/>
+          </a:bodyPr>
+          <a:lstStyle/>
+          <a:p>
+            <a:pPr lvl="0"/>
+            <a:r>
+              <a:rPr lang="en-US" sz="2400" i="1" dirty="0">
+                <a:solidFill>
+                  <a:srgbClr val="FFFFFF"/>
+                </a:solidFill>
+              </a:rPr>
+              <a:t> Attendance password    </a:t>
+            </a:r>
+          </a:p>
+          <a:p>
+            <a:pPr lvl="0"/>
+            <a:r>
+              <a:rPr lang="en-US" sz="2400" i="1" dirty="0">
+                <a:solidFill>
+                  <a:srgbClr val="FFFFFF"/>
+                </a:solidFill>
+              </a:rPr>
+              <a:t> is written on the board</a:t>
+            </a:r>
+          </a:p>
+        </p:txBody>
+      </p:sp>
     </p:spTree>
   </p:cSld>
   <p:clrMapOvr>
